--- a/PalMod2022/docs/ESM-Tools terminology.pptx
+++ b/PalMod2022/docs/ESM-Tools terminology.pptx
@@ -6,7 +6,14 @@
   </p:sldMasterIdLst>
   <p:sldIdLst>
     <p:sldId id="263" r:id="rId2"/>
-    <p:sldId id="262" r:id="rId3"/>
+    <p:sldId id="267" r:id="rId3"/>
+    <p:sldId id="262" r:id="rId4"/>
+    <p:sldId id="265" r:id="rId5"/>
+    <p:sldId id="266" r:id="rId6"/>
+    <p:sldId id="264" r:id="rId7"/>
+    <p:sldId id="269" r:id="rId8"/>
+    <p:sldId id="271" r:id="rId9"/>
+    <p:sldId id="268" r:id="rId10"/>
   </p:sldIdLst>
   <p:sldSz cx="12192000" cy="6858000"/>
   <p:notesSz cx="6858000" cy="9144000"/>
@@ -244,7 +251,7 @@
           <a:p>
             <a:fld id="{6A96EA6E-A9F3-40C8-A047-16E35C64F658}" type="datetimeFigureOut">
               <a:rPr lang="tr-TR" smtClean="0"/>
-              <a:t>14.04.2022</a:t>
+              <a:t>18.04.2022</a:t>
             </a:fld>
             <a:endParaRPr lang="tr-TR"/>
           </a:p>
@@ -414,7 +421,7 @@
           <a:p>
             <a:fld id="{6A96EA6E-A9F3-40C8-A047-16E35C64F658}" type="datetimeFigureOut">
               <a:rPr lang="tr-TR" smtClean="0"/>
-              <a:t>14.04.2022</a:t>
+              <a:t>18.04.2022</a:t>
             </a:fld>
             <a:endParaRPr lang="tr-TR"/>
           </a:p>
@@ -594,7 +601,7 @@
           <a:p>
             <a:fld id="{6A96EA6E-A9F3-40C8-A047-16E35C64F658}" type="datetimeFigureOut">
               <a:rPr lang="tr-TR" smtClean="0"/>
-              <a:t>14.04.2022</a:t>
+              <a:t>18.04.2022</a:t>
             </a:fld>
             <a:endParaRPr lang="tr-TR"/>
           </a:p>
@@ -764,7 +771,7 @@
           <a:p>
             <a:fld id="{6A96EA6E-A9F3-40C8-A047-16E35C64F658}" type="datetimeFigureOut">
               <a:rPr lang="tr-TR" smtClean="0"/>
-              <a:t>14.04.2022</a:t>
+              <a:t>18.04.2022</a:t>
             </a:fld>
             <a:endParaRPr lang="tr-TR"/>
           </a:p>
@@ -1010,7 +1017,7 @@
           <a:p>
             <a:fld id="{6A96EA6E-A9F3-40C8-A047-16E35C64F658}" type="datetimeFigureOut">
               <a:rPr lang="tr-TR" smtClean="0"/>
-              <a:t>14.04.2022</a:t>
+              <a:t>18.04.2022</a:t>
             </a:fld>
             <a:endParaRPr lang="tr-TR"/>
           </a:p>
@@ -1242,7 +1249,7 @@
           <a:p>
             <a:fld id="{6A96EA6E-A9F3-40C8-A047-16E35C64F658}" type="datetimeFigureOut">
               <a:rPr lang="tr-TR" smtClean="0"/>
-              <a:t>14.04.2022</a:t>
+              <a:t>18.04.2022</a:t>
             </a:fld>
             <a:endParaRPr lang="tr-TR"/>
           </a:p>
@@ -1609,7 +1616,7 @@
           <a:p>
             <a:fld id="{6A96EA6E-A9F3-40C8-A047-16E35C64F658}" type="datetimeFigureOut">
               <a:rPr lang="tr-TR" smtClean="0"/>
-              <a:t>14.04.2022</a:t>
+              <a:t>18.04.2022</a:t>
             </a:fld>
             <a:endParaRPr lang="tr-TR"/>
           </a:p>
@@ -1727,7 +1734,7 @@
           <a:p>
             <a:fld id="{6A96EA6E-A9F3-40C8-A047-16E35C64F658}" type="datetimeFigureOut">
               <a:rPr lang="tr-TR" smtClean="0"/>
-              <a:t>14.04.2022</a:t>
+              <a:t>18.04.2022</a:t>
             </a:fld>
             <a:endParaRPr lang="tr-TR"/>
           </a:p>
@@ -1822,7 +1829,7 @@
           <a:p>
             <a:fld id="{6A96EA6E-A9F3-40C8-A047-16E35C64F658}" type="datetimeFigureOut">
               <a:rPr lang="tr-TR" smtClean="0"/>
-              <a:t>14.04.2022</a:t>
+              <a:t>18.04.2022</a:t>
             </a:fld>
             <a:endParaRPr lang="tr-TR"/>
           </a:p>
@@ -2099,7 +2106,7 @@
           <a:p>
             <a:fld id="{6A96EA6E-A9F3-40C8-A047-16E35C64F658}" type="datetimeFigureOut">
               <a:rPr lang="tr-TR" smtClean="0"/>
-              <a:t>14.04.2022</a:t>
+              <a:t>18.04.2022</a:t>
             </a:fld>
             <a:endParaRPr lang="tr-TR"/>
           </a:p>
@@ -2352,7 +2359,7 @@
           <a:p>
             <a:fld id="{6A96EA6E-A9F3-40C8-A047-16E35C64F658}" type="datetimeFigureOut">
               <a:rPr lang="tr-TR" smtClean="0"/>
-              <a:t>14.04.2022</a:t>
+              <a:t>18.04.2022</a:t>
             </a:fld>
             <a:endParaRPr lang="tr-TR"/>
           </a:p>
@@ -2565,7 +2572,7 @@
           <a:p>
             <a:fld id="{6A96EA6E-A9F3-40C8-A047-16E35C64F658}" type="datetimeFigureOut">
               <a:rPr lang="tr-TR" smtClean="0"/>
-              <a:t>14.04.2022</a:t>
+              <a:t>18.04.2022</a:t>
             </a:fld>
             <a:endParaRPr lang="tr-TR"/>
           </a:p>
@@ -3261,6 +3268,159 @@
           <a:p>
             <a:r>
               <a:rPr lang="en-GB" sz="4800" b="1"/>
+              <a:t>Terminology</a:t>
+            </a:r>
+          </a:p>
+        </p:txBody>
+      </p:sp>
+      <p:sp>
+        <p:nvSpPr>
+          <p:cNvPr id="7" name="Isosceles Triangle 6"/>
+          <p:cNvSpPr/>
+          <p:nvPr/>
+        </p:nvSpPr>
+        <p:spPr>
+          <a:xfrm rot="5400000">
+            <a:off x="348693" y="2201054"/>
+            <a:ext cx="457812" cy="394666"/>
+          </a:xfrm>
+          <a:prstGeom prst="triangle">
+            <a:avLst/>
+          </a:prstGeom>
+          <a:solidFill>
+            <a:srgbClr val="00ACE6"/>
+          </a:solidFill>
+          <a:ln>
+            <a:noFill/>
+          </a:ln>
+        </p:spPr>
+        <p:style>
+          <a:lnRef idx="2">
+            <a:schemeClr val="accent1">
+              <a:shade val="50000"/>
+            </a:schemeClr>
+          </a:lnRef>
+          <a:fillRef idx="1">
+            <a:schemeClr val="accent1"/>
+          </a:fillRef>
+          <a:effectRef idx="0">
+            <a:schemeClr val="accent1"/>
+          </a:effectRef>
+          <a:fontRef idx="minor">
+            <a:schemeClr val="lt1"/>
+          </a:fontRef>
+        </p:style>
+        <p:txBody>
+          <a:bodyPr rtlCol="0" anchor="ctr"/>
+          <a:lstStyle/>
+          <a:p>
+            <a:pPr algn="ctr"/>
+            <a:endParaRPr lang="en-GB"/>
+          </a:p>
+        </p:txBody>
+      </p:sp>
+      <p:sp>
+        <p:nvSpPr>
+          <p:cNvPr id="14" name="TextBox 13"/>
+          <p:cNvSpPr txBox="1"/>
+          <p:nvPr/>
+        </p:nvSpPr>
+        <p:spPr>
+          <a:xfrm>
+            <a:off x="1061012" y="2132460"/>
+            <a:ext cx="9833967" cy="461665"/>
+          </a:xfrm>
+          <a:prstGeom prst="rect">
+            <a:avLst/>
+          </a:prstGeom>
+          <a:noFill/>
+        </p:spPr>
+        <p:txBody>
+          <a:bodyPr wrap="square" rtlCol="0">
+            <a:spAutoFit/>
+          </a:bodyPr>
+          <a:lstStyle/>
+          <a:p>
+            <a:r>
+              <a:rPr lang="en-GB" sz="2400" dirty="0"/>
+              <a:t>TODO refresher on the YAML files</a:t>
+            </a:r>
+          </a:p>
+        </p:txBody>
+      </p:sp>
+    </p:spTree>
+    <p:extLst>
+      <p:ext uri="{BB962C8B-B14F-4D97-AF65-F5344CB8AC3E}">
+        <p14:creationId xmlns:p14="http://schemas.microsoft.com/office/powerpoint/2010/main" val="237507760"/>
+      </p:ext>
+    </p:extLst>
+  </p:cSld>
+  <p:clrMapOvr>
+    <a:masterClrMapping/>
+  </p:clrMapOvr>
+</p:sld>
+</file>
+
+<file path=ppt/slides/slide3.xml><?xml version="1.0" encoding="utf-8"?>
+<p:sld xmlns:a="http://schemas.openxmlformats.org/drawingml/2006/main" xmlns:r="http://schemas.openxmlformats.org/officeDocument/2006/relationships" xmlns:p="http://schemas.openxmlformats.org/presentationml/2006/main">
+  <p:cSld>
+    <p:spTree>
+      <p:nvGrpSpPr>
+        <p:cNvPr id="1" name=""/>
+        <p:cNvGrpSpPr/>
+        <p:nvPr/>
+      </p:nvGrpSpPr>
+      <p:grpSpPr>
+        <a:xfrm>
+          <a:off x="0" y="0"/>
+          <a:ext cx="0" cy="0"/>
+          <a:chOff x="0" y="0"/>
+          <a:chExt cx="0" cy="0"/>
+        </a:xfrm>
+      </p:grpSpPr>
+      <p:sp>
+        <p:nvSpPr>
+          <p:cNvPr id="2" name="Rectangle 1"/>
+          <p:cNvSpPr/>
+          <p:nvPr/>
+        </p:nvSpPr>
+        <p:spPr>
+          <a:xfrm>
+            <a:off x="0" y="2"/>
+            <a:ext cx="12192000" cy="1296364"/>
+          </a:xfrm>
+          <a:prstGeom prst="rect">
+            <a:avLst/>
+          </a:prstGeom>
+          <a:solidFill>
+            <a:srgbClr val="00ACE6"/>
+          </a:solidFill>
+          <a:ln>
+            <a:noFill/>
+          </a:ln>
+        </p:spPr>
+        <p:style>
+          <a:lnRef idx="2">
+            <a:schemeClr val="accent1">
+              <a:shade val="50000"/>
+            </a:schemeClr>
+          </a:lnRef>
+          <a:fillRef idx="1">
+            <a:schemeClr val="accent1"/>
+          </a:fillRef>
+          <a:effectRef idx="0">
+            <a:schemeClr val="accent1"/>
+          </a:effectRef>
+          <a:fontRef idx="minor">
+            <a:schemeClr val="lt1"/>
+          </a:fontRef>
+        </p:style>
+        <p:txBody>
+          <a:bodyPr rtlCol="0" anchor="ctr"/>
+          <a:lstStyle/>
+          <a:p>
+            <a:r>
+              <a:rPr lang="en-GB" sz="4800" b="1"/>
               <a:t>Terminology - configuration files</a:t>
             </a:r>
           </a:p>
@@ -3335,11 +3495,19 @@
           <a:lstStyle/>
           <a:p>
             <a:r>
-              <a:rPr lang="en-GB" sz="2400"/>
-              <a:t>The yaml files that contain the </a:t>
-            </a:r>
-            <a:r>
-              <a:rPr lang="en-GB" sz="2400" b="1">
+              <a:rPr lang="en-GB" sz="2400" dirty="0"/>
+              <a:t>The </a:t>
+            </a:r>
+            <a:r>
+              <a:rPr lang="en-GB" sz="2400" dirty="0" err="1"/>
+              <a:t>yaml</a:t>
+            </a:r>
+            <a:r>
+              <a:rPr lang="en-GB" sz="2400" dirty="0"/>
+              <a:t> files that contain the </a:t>
+            </a:r>
+            <a:r>
+              <a:rPr lang="en-GB" sz="2400" b="1" dirty="0">
                 <a:solidFill>
                   <a:srgbClr val="31ACE6"/>
                 </a:solidFill>
@@ -3347,31 +3515,37 @@
               <a:t>default configurations</a:t>
             </a:r>
             <a:r>
-              <a:rPr lang="en-GB" sz="2400"/>
+              <a:rPr lang="en-GB" sz="2400" dirty="0"/>
               <a:t> for HPCs, models, coupled systems, job schedulers (SLURM, PBS), default ESM-Tools recipes, …</a:t>
             </a:r>
           </a:p>
           <a:p>
-            <a:endParaRPr lang="en-GB" sz="2400"/>
-          </a:p>
-          <a:p>
-            <a:r>
-              <a:rPr lang="en-GB">
+            <a:endParaRPr lang="en-GB" sz="2400" dirty="0"/>
+          </a:p>
+          <a:p>
+            <a:r>
+              <a:rPr lang="en-GB" dirty="0" err="1">
                 <a:latin typeface="Monaco" pitchFamily="2" charset="77"/>
               </a:rPr>
-              <a:t>esm_tools/configs/</a:t>
-            </a:r>
-            <a:endParaRPr lang="en-GB" sz="2400">
+              <a:t>esm_tools</a:t>
+            </a:r>
+            <a:r>
+              <a:rPr lang="en-GB" dirty="0">
+                <a:latin typeface="Monaco" pitchFamily="2" charset="77"/>
+              </a:rPr>
+              <a:t>/configs/</a:t>
+            </a:r>
+            <a:endParaRPr lang="en-GB" sz="2400" dirty="0">
               <a:latin typeface="Monaco" pitchFamily="2" charset="77"/>
             </a:endParaRPr>
           </a:p>
           <a:p>
             <a:r>
-              <a:rPr lang="en-GB" sz="2400"/>
+              <a:rPr lang="en-GB" sz="2400" dirty="0"/>
               <a:t>	</a:t>
             </a:r>
             <a:r>
-              <a:rPr lang="en-GB" sz="2000" b="1">
+              <a:rPr lang="en-GB" sz="2000" b="1" dirty="0">
                 <a:solidFill>
                   <a:srgbClr val="31ACE6"/>
                 </a:solidFill>
@@ -3380,17 +3554,17 @@
               <a:t>components</a:t>
             </a:r>
             <a:r>
-              <a:rPr lang="en-GB" sz="2400"/>
+              <a:rPr lang="en-GB" sz="2400" dirty="0"/>
               <a:t>    		Stand-alone model, couplers, I/O libraries configurations</a:t>
             </a:r>
           </a:p>
           <a:p>
             <a:r>
-              <a:rPr lang="en-GB" sz="2400"/>
+              <a:rPr lang="en-GB" sz="2400" dirty="0"/>
               <a:t>	</a:t>
             </a:r>
             <a:r>
-              <a:rPr lang="en-GB" sz="2000" b="1">
+              <a:rPr lang="en-GB" sz="2000" b="1" dirty="0">
                 <a:solidFill>
                   <a:srgbClr val="31ACE6"/>
                 </a:solidFill>
@@ -3399,17 +3573,17 @@
               <a:t>setups</a:t>
             </a:r>
             <a:r>
-              <a:rPr lang="en-GB" sz="2400"/>
+              <a:rPr lang="en-GB" sz="2400" dirty="0"/>
               <a:t> 		Coupled system default configurations</a:t>
             </a:r>
           </a:p>
           <a:p>
             <a:r>
-              <a:rPr lang="en-GB" sz="2400"/>
+              <a:rPr lang="en-GB" sz="2400" dirty="0"/>
               <a:t>	</a:t>
             </a:r>
             <a:r>
-              <a:rPr lang="en-GB" sz="2000" b="1">
+              <a:rPr lang="en-GB" sz="2000" b="1" dirty="0">
                 <a:solidFill>
                   <a:srgbClr val="31ACE6"/>
                 </a:solidFill>
@@ -3418,83 +3592,97 @@
               <a:t>machines</a:t>
             </a:r>
             <a:r>
-              <a:rPr lang="en-GB" sz="2400"/>
+              <a:rPr lang="en-GB" sz="2400" dirty="0"/>
               <a:t>		HPC default configurations</a:t>
             </a:r>
           </a:p>
           <a:p>
             <a:r>
-              <a:rPr lang="en-GB" sz="2400"/>
+              <a:rPr lang="en-GB" sz="2400" dirty="0"/>
               <a:t>	</a:t>
             </a:r>
             <a:r>
-              <a:rPr lang="en-GB" sz="2000">
+              <a:rPr lang="en-GB" sz="2000" dirty="0">
                 <a:latin typeface="Monaco" pitchFamily="2" charset="77"/>
               </a:rPr>
               <a:t>coupling</a:t>
             </a:r>
             <a:r>
-              <a:rPr lang="en-GB" sz="2400"/>
+              <a:rPr lang="en-GB" sz="2400" dirty="0"/>
               <a:t>		Source code branch information for coupled system</a:t>
             </a:r>
           </a:p>
           <a:p>
             <a:r>
-              <a:rPr lang="en-GB" sz="2400"/>
+              <a:rPr lang="en-GB" sz="2400" dirty="0"/>
               <a:t>				stored here, only for use in ESM-Master (to be removed in</a:t>
             </a:r>
           </a:p>
           <a:p>
             <a:r>
-              <a:rPr lang="en-GB" sz="2400"/>
+              <a:rPr lang="en-GB" sz="2400" dirty="0"/>
               <a:t>				the future)</a:t>
             </a:r>
           </a:p>
           <a:p>
             <a:r>
-              <a:rPr lang="en-GB" sz="2400"/>
+              <a:rPr lang="en-GB" sz="2400" dirty="0"/>
               <a:t>	</a:t>
             </a:r>
             <a:r>
-              <a:rPr lang="en-GB" sz="2000">
+              <a:rPr lang="en-GB" sz="2000" dirty="0">
                 <a:latin typeface="Monaco" pitchFamily="2" charset="77"/>
               </a:rPr>
               <a:t>default</a:t>
             </a:r>
             <a:r>
-              <a:rPr lang="en-GB" sz="2400"/>
+              <a:rPr lang="en-GB" sz="2400" dirty="0"/>
               <a:t> 		ESM-Tools default configurations</a:t>
             </a:r>
           </a:p>
           <a:p>
             <a:r>
-              <a:rPr lang="en-GB" sz="2400"/>
+              <a:rPr lang="en-GB" sz="2400" dirty="0"/>
               <a:t>	</a:t>
             </a:r>
             <a:r>
-              <a:rPr lang="en-GB" sz="2000">
+              <a:rPr lang="en-GB" sz="2000" dirty="0" err="1">
                 <a:latin typeface="Monaco" pitchFamily="2" charset="77"/>
               </a:rPr>
-              <a:t>esm_software </a:t>
-            </a:r>
-            <a:r>
-              <a:rPr lang="en-GB" sz="2400"/>
-              <a:t>	Recipes and defaults for ESM-Runscripts and ESM-Master</a:t>
-            </a:r>
-          </a:p>
-          <a:p>
-            <a:r>
-              <a:rPr lang="en-GB" sz="2400"/>
+              <a:t>esm_software</a:t>
+            </a:r>
+            <a:r>
+              <a:rPr lang="en-GB" sz="2000" dirty="0">
+                <a:latin typeface="Monaco" pitchFamily="2" charset="77"/>
+              </a:rPr>
+              <a:t> </a:t>
+            </a:r>
+            <a:r>
+              <a:rPr lang="en-GB" sz="2400" dirty="0"/>
+              <a:t>	Recipes and defaults for ESM-</a:t>
+            </a:r>
+            <a:r>
+              <a:rPr lang="en-GB" sz="2400" dirty="0" err="1"/>
+              <a:t>Runscripts</a:t>
+            </a:r>
+            <a:r>
+              <a:rPr lang="en-GB" sz="2400" dirty="0"/>
+              <a:t> and ESM-Master</a:t>
+            </a:r>
+          </a:p>
+          <a:p>
+            <a:r>
+              <a:rPr lang="en-GB" sz="2400" dirty="0"/>
               <a:t>	</a:t>
             </a:r>
             <a:r>
-              <a:rPr lang="en-GB" sz="2000">
+              <a:rPr lang="en-GB" sz="2000" dirty="0" err="1">
                 <a:latin typeface="Monaco" pitchFamily="2" charset="77"/>
               </a:rPr>
               <a:t>other_software</a:t>
             </a:r>
             <a:r>
-              <a:rPr lang="en-GB" sz="2400"/>
+              <a:rPr lang="en-GB" sz="2400" dirty="0"/>
               <a:t>	Job schedulers and other external software configurations</a:t>
             </a:r>
           </a:p>
@@ -3857,6 +4045,7199 @@
 </p:sld>
 </file>
 
+<file path=ppt/slides/slide4.xml><?xml version="1.0" encoding="utf-8"?>
+<p:sld xmlns:a="http://schemas.openxmlformats.org/drawingml/2006/main" xmlns:r="http://schemas.openxmlformats.org/officeDocument/2006/relationships" xmlns:p="http://schemas.openxmlformats.org/presentationml/2006/main">
+  <p:cSld>
+    <p:spTree>
+      <p:nvGrpSpPr>
+        <p:cNvPr id="1" name=""/>
+        <p:cNvGrpSpPr/>
+        <p:nvPr/>
+      </p:nvGrpSpPr>
+      <p:grpSpPr>
+        <a:xfrm>
+          <a:off x="0" y="0"/>
+          <a:ext cx="0" cy="0"/>
+          <a:chOff x="0" y="0"/>
+          <a:chExt cx="0" cy="0"/>
+        </a:xfrm>
+      </p:grpSpPr>
+      <p:sp>
+        <p:nvSpPr>
+          <p:cNvPr id="2" name="Rectangle 1"/>
+          <p:cNvSpPr/>
+          <p:nvPr/>
+        </p:nvSpPr>
+        <p:spPr>
+          <a:xfrm>
+            <a:off x="0" y="2"/>
+            <a:ext cx="12192000" cy="1296364"/>
+          </a:xfrm>
+          <a:prstGeom prst="rect">
+            <a:avLst/>
+          </a:prstGeom>
+          <a:solidFill>
+            <a:srgbClr val="00ACE6"/>
+          </a:solidFill>
+          <a:ln>
+            <a:noFill/>
+          </a:ln>
+        </p:spPr>
+        <p:style>
+          <a:lnRef idx="2">
+            <a:schemeClr val="accent1">
+              <a:shade val="50000"/>
+            </a:schemeClr>
+          </a:lnRef>
+          <a:fillRef idx="1">
+            <a:schemeClr val="accent1"/>
+          </a:fillRef>
+          <a:effectRef idx="0">
+            <a:schemeClr val="accent1"/>
+          </a:effectRef>
+          <a:fontRef idx="minor">
+            <a:schemeClr val="lt1"/>
+          </a:fontRef>
+        </p:style>
+        <p:txBody>
+          <a:bodyPr rtlCol="0" anchor="ctr"/>
+          <a:lstStyle/>
+          <a:p>
+            <a:r>
+              <a:rPr lang="en-GB" sz="4800" b="1" dirty="0"/>
+              <a:t>Terminology – </a:t>
+            </a:r>
+            <a:r>
+              <a:rPr lang="en-GB" sz="4800" b="1" dirty="0" err="1"/>
+              <a:t>runscript</a:t>
+            </a:r>
+            <a:endParaRPr lang="en-GB" sz="4800" b="1" dirty="0"/>
+          </a:p>
+        </p:txBody>
+      </p:sp>
+      <p:sp>
+        <p:nvSpPr>
+          <p:cNvPr id="7" name="Isosceles Triangle 6"/>
+          <p:cNvSpPr/>
+          <p:nvPr/>
+        </p:nvSpPr>
+        <p:spPr>
+          <a:xfrm rot="5400000">
+            <a:off x="348693" y="1536407"/>
+            <a:ext cx="457812" cy="394666"/>
+          </a:xfrm>
+          <a:prstGeom prst="triangle">
+            <a:avLst/>
+          </a:prstGeom>
+          <a:solidFill>
+            <a:srgbClr val="00ACE6"/>
+          </a:solidFill>
+          <a:ln>
+            <a:noFill/>
+          </a:ln>
+        </p:spPr>
+        <p:style>
+          <a:lnRef idx="2">
+            <a:schemeClr val="accent1">
+              <a:shade val="50000"/>
+            </a:schemeClr>
+          </a:lnRef>
+          <a:fillRef idx="1">
+            <a:schemeClr val="accent1"/>
+          </a:fillRef>
+          <a:effectRef idx="0">
+            <a:schemeClr val="accent1"/>
+          </a:effectRef>
+          <a:fontRef idx="minor">
+            <a:schemeClr val="lt1"/>
+          </a:fontRef>
+        </p:style>
+        <p:txBody>
+          <a:bodyPr rtlCol="0" anchor="ctr"/>
+          <a:lstStyle/>
+          <a:p>
+            <a:pPr algn="ctr"/>
+            <a:endParaRPr lang="en-GB"/>
+          </a:p>
+        </p:txBody>
+      </p:sp>
+      <p:sp>
+        <p:nvSpPr>
+          <p:cNvPr id="14" name="TextBox 13"/>
+          <p:cNvSpPr txBox="1"/>
+          <p:nvPr/>
+        </p:nvSpPr>
+        <p:spPr>
+          <a:xfrm>
+            <a:off x="1061012" y="1467813"/>
+            <a:ext cx="11020741" cy="3416320"/>
+          </a:xfrm>
+          <a:prstGeom prst="rect">
+            <a:avLst/>
+          </a:prstGeom>
+          <a:noFill/>
+        </p:spPr>
+        <p:txBody>
+          <a:bodyPr wrap="square" rtlCol="0">
+            <a:spAutoFit/>
+          </a:bodyPr>
+          <a:lstStyle/>
+          <a:p>
+            <a:r>
+              <a:rPr lang="en-GB" sz="2400" dirty="0"/>
+              <a:t>User interface for running experiments</a:t>
+            </a:r>
+          </a:p>
+          <a:p>
+            <a:endParaRPr lang="en-GB" sz="2400" dirty="0"/>
+          </a:p>
+          <a:p>
+            <a:r>
+              <a:rPr lang="en-GB" sz="2400" dirty="0"/>
+              <a:t>Should include all the deviations from the defaults </a:t>
+            </a:r>
+            <a:br>
+              <a:rPr lang="en-GB" sz="2400" dirty="0"/>
+            </a:br>
+            <a:r>
+              <a:rPr lang="en-GB" sz="2400" dirty="0"/>
+              <a:t>defined in the </a:t>
+            </a:r>
+            <a:r>
+              <a:rPr lang="en-GB" sz="2400" b="1" dirty="0">
+                <a:solidFill>
+                  <a:srgbClr val="ED7D31"/>
+                </a:solidFill>
+              </a:rPr>
+              <a:t>configuration files</a:t>
+            </a:r>
+          </a:p>
+          <a:p>
+            <a:endParaRPr lang="en-GB" sz="2400" b="1" dirty="0">
+              <a:solidFill>
+                <a:srgbClr val="31ACE6"/>
+              </a:solidFill>
+            </a:endParaRPr>
+          </a:p>
+          <a:p>
+            <a:r>
+              <a:rPr lang="en-GB" sz="2400" dirty="0"/>
+              <a:t>Can be shared to reproduce the same experiment</a:t>
+            </a:r>
+            <a:endParaRPr lang="en-GB" sz="2400" b="1" dirty="0">
+              <a:solidFill>
+                <a:srgbClr val="ED7D31"/>
+              </a:solidFill>
+            </a:endParaRPr>
+          </a:p>
+          <a:p>
+            <a:endParaRPr lang="en-GB" sz="2400" b="1" dirty="0"/>
+          </a:p>
+          <a:p>
+            <a:r>
+              <a:rPr lang="en-GB" sz="2400" dirty="0"/>
+              <a:t>A </a:t>
+            </a:r>
+            <a:r>
+              <a:rPr lang="en-GB" sz="2400" dirty="0" err="1"/>
+              <a:t>yaml</a:t>
+            </a:r>
+            <a:r>
+              <a:rPr lang="en-GB" sz="2400" dirty="0"/>
+              <a:t> file with </a:t>
+            </a:r>
+            <a:r>
+              <a:rPr lang="en-GB" sz="2400" b="1" dirty="0">
+                <a:solidFill>
+                  <a:srgbClr val="ED7D31"/>
+                </a:solidFill>
+              </a:rPr>
+              <a:t>sections</a:t>
+            </a:r>
+          </a:p>
+          <a:p>
+            <a:endParaRPr lang="en-GB" sz="2400" dirty="0"/>
+          </a:p>
+        </p:txBody>
+      </p:sp>
+      <p:sp>
+        <p:nvSpPr>
+          <p:cNvPr id="10" name="Isosceles Triangle 6">
+            <a:extLst>
+              <a:ext uri="{FF2B5EF4-FFF2-40B4-BE49-F238E27FC236}">
+                <a16:creationId xmlns:a16="http://schemas.microsoft.com/office/drawing/2014/main" id="{671DD45B-F5BF-1189-0E43-C23A286ABA9C}"/>
+              </a:ext>
+            </a:extLst>
+          </p:cNvPr>
+          <p:cNvSpPr/>
+          <p:nvPr/>
+        </p:nvSpPr>
+        <p:spPr>
+          <a:xfrm rot="5400000">
+            <a:off x="348693" y="2282194"/>
+            <a:ext cx="457812" cy="394666"/>
+          </a:xfrm>
+          <a:prstGeom prst="triangle">
+            <a:avLst/>
+          </a:prstGeom>
+          <a:solidFill>
+            <a:srgbClr val="00ACE6"/>
+          </a:solidFill>
+          <a:ln>
+            <a:noFill/>
+          </a:ln>
+        </p:spPr>
+        <p:style>
+          <a:lnRef idx="2">
+            <a:schemeClr val="accent1">
+              <a:shade val="50000"/>
+            </a:schemeClr>
+          </a:lnRef>
+          <a:fillRef idx="1">
+            <a:schemeClr val="accent1"/>
+          </a:fillRef>
+          <a:effectRef idx="0">
+            <a:schemeClr val="accent1"/>
+          </a:effectRef>
+          <a:fontRef idx="minor">
+            <a:schemeClr val="lt1"/>
+          </a:fontRef>
+        </p:style>
+        <p:txBody>
+          <a:bodyPr rtlCol="0" anchor="ctr"/>
+          <a:lstStyle/>
+          <a:p>
+            <a:pPr algn="ctr"/>
+            <a:endParaRPr lang="en-GB"/>
+          </a:p>
+        </p:txBody>
+      </p:sp>
+      <p:sp>
+        <p:nvSpPr>
+          <p:cNvPr id="11" name="Isosceles Triangle 6">
+            <a:extLst>
+              <a:ext uri="{FF2B5EF4-FFF2-40B4-BE49-F238E27FC236}">
+                <a16:creationId xmlns:a16="http://schemas.microsoft.com/office/drawing/2014/main" id="{DAE2120B-BEC7-3ACB-B88D-C2829FED2CB0}"/>
+              </a:ext>
+            </a:extLst>
+          </p:cNvPr>
+          <p:cNvSpPr/>
+          <p:nvPr/>
+        </p:nvSpPr>
+        <p:spPr>
+          <a:xfrm rot="5400000">
+            <a:off x="348693" y="3347193"/>
+            <a:ext cx="457812" cy="394666"/>
+          </a:xfrm>
+          <a:prstGeom prst="triangle">
+            <a:avLst/>
+          </a:prstGeom>
+          <a:solidFill>
+            <a:srgbClr val="00ACE6"/>
+          </a:solidFill>
+          <a:ln>
+            <a:noFill/>
+          </a:ln>
+        </p:spPr>
+        <p:style>
+          <a:lnRef idx="2">
+            <a:schemeClr val="accent1">
+              <a:shade val="50000"/>
+            </a:schemeClr>
+          </a:lnRef>
+          <a:fillRef idx="1">
+            <a:schemeClr val="accent1"/>
+          </a:fillRef>
+          <a:effectRef idx="0">
+            <a:schemeClr val="accent1"/>
+          </a:effectRef>
+          <a:fontRef idx="minor">
+            <a:schemeClr val="lt1"/>
+          </a:fontRef>
+        </p:style>
+        <p:txBody>
+          <a:bodyPr rtlCol="0" anchor="ctr"/>
+          <a:lstStyle/>
+          <a:p>
+            <a:pPr algn="ctr"/>
+            <a:endParaRPr lang="en-GB"/>
+          </a:p>
+        </p:txBody>
+      </p:sp>
+      <p:sp>
+        <p:nvSpPr>
+          <p:cNvPr id="12" name="Isosceles Triangle 6">
+            <a:extLst>
+              <a:ext uri="{FF2B5EF4-FFF2-40B4-BE49-F238E27FC236}">
+                <a16:creationId xmlns:a16="http://schemas.microsoft.com/office/drawing/2014/main" id="{021E59BB-9614-0670-66E7-F1FB4EF45E89}"/>
+              </a:ext>
+            </a:extLst>
+          </p:cNvPr>
+          <p:cNvSpPr/>
+          <p:nvPr/>
+        </p:nvSpPr>
+        <p:spPr>
+          <a:xfrm rot="5400000">
+            <a:off x="348693" y="4092980"/>
+            <a:ext cx="457812" cy="394666"/>
+          </a:xfrm>
+          <a:prstGeom prst="triangle">
+            <a:avLst/>
+          </a:prstGeom>
+          <a:solidFill>
+            <a:srgbClr val="00ACE6"/>
+          </a:solidFill>
+          <a:ln>
+            <a:noFill/>
+          </a:ln>
+        </p:spPr>
+        <p:style>
+          <a:lnRef idx="2">
+            <a:schemeClr val="accent1">
+              <a:shade val="50000"/>
+            </a:schemeClr>
+          </a:lnRef>
+          <a:fillRef idx="1">
+            <a:schemeClr val="accent1"/>
+          </a:fillRef>
+          <a:effectRef idx="0">
+            <a:schemeClr val="accent1"/>
+          </a:effectRef>
+          <a:fontRef idx="minor">
+            <a:schemeClr val="lt1"/>
+          </a:fontRef>
+        </p:style>
+        <p:txBody>
+          <a:bodyPr rtlCol="0" anchor="ctr"/>
+          <a:lstStyle/>
+          <a:p>
+            <a:pPr algn="ctr"/>
+            <a:endParaRPr lang="en-GB"/>
+          </a:p>
+        </p:txBody>
+      </p:sp>
+      <p:sp>
+        <p:nvSpPr>
+          <p:cNvPr id="3" name="Rectangle 2">
+            <a:extLst>
+              <a:ext uri="{FF2B5EF4-FFF2-40B4-BE49-F238E27FC236}">
+                <a16:creationId xmlns:a16="http://schemas.microsoft.com/office/drawing/2014/main" id="{95B75EAF-C6B8-6CC3-A852-55623031F561}"/>
+              </a:ext>
+            </a:extLst>
+          </p:cNvPr>
+          <p:cNvSpPr/>
+          <p:nvPr/>
+        </p:nvSpPr>
+        <p:spPr>
+          <a:xfrm>
+            <a:off x="7982280" y="2474713"/>
+            <a:ext cx="3476904" cy="3847207"/>
+          </a:xfrm>
+          <a:prstGeom prst="rect">
+            <a:avLst/>
+          </a:prstGeom>
+          <a:ln w="12700">
+            <a:solidFill>
+              <a:schemeClr val="tx1"/>
+            </a:solidFill>
+          </a:ln>
+        </p:spPr>
+        <p:txBody>
+          <a:bodyPr wrap="square">
+            <a:spAutoFit/>
+          </a:bodyPr>
+          <a:lstStyle/>
+          <a:p>
+            <a:r>
+              <a:rPr lang="en-GB" sz="1600" b="1" dirty="0"/>
+              <a:t>&lt;</a:t>
+            </a:r>
+            <a:r>
+              <a:rPr lang="en-GB" sz="1600" b="1" dirty="0" err="1"/>
+              <a:t>your_fesom_runscript</a:t>
+            </a:r>
+            <a:r>
+              <a:rPr lang="en-GB" sz="1600" b="1" dirty="0"/>
+              <a:t>&gt;.</a:t>
+            </a:r>
+            <a:r>
+              <a:rPr lang="en-GB" sz="1600" b="1" dirty="0" err="1"/>
+              <a:t>yaml</a:t>
+            </a:r>
+            <a:br>
+              <a:rPr lang="en-GB" sz="1200" dirty="0">
+                <a:solidFill>
+                  <a:srgbClr val="0E6E35"/>
+                </a:solidFill>
+                <a:latin typeface="Courier" pitchFamily="2" charset="0"/>
+              </a:rPr>
+            </a:br>
+            <a:r>
+              <a:rPr lang="en-GB" sz="1200" dirty="0">
+                <a:solidFill>
+                  <a:srgbClr val="0E6E35"/>
+                </a:solidFill>
+                <a:latin typeface="Courier" pitchFamily="2" charset="0"/>
+              </a:rPr>
+              <a:t>general</a:t>
+            </a:r>
+            <a:r>
+              <a:rPr lang="en-GB" sz="1200" dirty="0">
+                <a:solidFill>
+                  <a:srgbClr val="000000"/>
+                </a:solidFill>
+                <a:latin typeface="Courier" pitchFamily="2" charset="0"/>
+              </a:rPr>
+              <a:t>:</a:t>
+            </a:r>
+          </a:p>
+          <a:p>
+            <a:r>
+              <a:rPr lang="en-GB" sz="1200" dirty="0">
+                <a:solidFill>
+                  <a:srgbClr val="0F7001"/>
+                </a:solidFill>
+                <a:latin typeface="Courier" pitchFamily="2" charset="0"/>
+              </a:rPr>
+              <a:t>        account</a:t>
+            </a:r>
+            <a:r>
+              <a:rPr lang="en-GB" sz="1200" b="1" dirty="0">
+                <a:solidFill>
+                  <a:srgbClr val="921A20"/>
+                </a:solidFill>
+                <a:latin typeface="Courier-Bold" pitchFamily="2" charset="0"/>
+              </a:rPr>
+              <a:t>: </a:t>
+            </a:r>
+            <a:r>
+              <a:rPr lang="en-GB" sz="1200" dirty="0">
+                <a:solidFill>
+                  <a:srgbClr val="000000"/>
+                </a:solidFill>
+                <a:latin typeface="Courier" pitchFamily="2" charset="0"/>
+              </a:rPr>
+              <a:t>&lt;</a:t>
+            </a:r>
+            <a:r>
+              <a:rPr lang="en-GB" sz="1200" dirty="0" err="1">
+                <a:solidFill>
+                  <a:srgbClr val="000000"/>
+                </a:solidFill>
+                <a:latin typeface="Courier" pitchFamily="2" charset="0"/>
+              </a:rPr>
+              <a:t>your_account</a:t>
+            </a:r>
+            <a:r>
+              <a:rPr lang="en-GB" sz="1200" dirty="0">
+                <a:solidFill>
+                  <a:srgbClr val="000000"/>
+                </a:solidFill>
+                <a:latin typeface="Courier" pitchFamily="2" charset="0"/>
+              </a:rPr>
+              <a:t>&gt;</a:t>
+            </a:r>
+          </a:p>
+          <a:p>
+            <a:r>
+              <a:rPr lang="en-GB" sz="1200" dirty="0">
+                <a:solidFill>
+                  <a:srgbClr val="0F7001"/>
+                </a:solidFill>
+                <a:latin typeface="Courier" pitchFamily="2" charset="0"/>
+              </a:rPr>
+              <a:t>        </a:t>
+            </a:r>
+            <a:r>
+              <a:rPr lang="en-GB" sz="1200" dirty="0" err="1">
+                <a:solidFill>
+                  <a:srgbClr val="0F7001"/>
+                </a:solidFill>
+                <a:latin typeface="Courier" pitchFamily="2" charset="0"/>
+              </a:rPr>
+              <a:t>setup_name</a:t>
+            </a:r>
+            <a:r>
+              <a:rPr lang="en-GB" sz="1200" b="1" dirty="0">
+                <a:solidFill>
+                  <a:srgbClr val="921A20"/>
+                </a:solidFill>
+                <a:latin typeface="Courier-Bold" pitchFamily="2" charset="0"/>
+              </a:rPr>
+              <a:t>: </a:t>
+            </a:r>
+            <a:r>
+              <a:rPr lang="en-GB" sz="1200" dirty="0" err="1">
+                <a:solidFill>
+                  <a:srgbClr val="000000"/>
+                </a:solidFill>
+                <a:latin typeface="Courier" pitchFamily="2" charset="0"/>
+              </a:rPr>
+              <a:t>fesom</a:t>
+            </a:r>
+            <a:endParaRPr lang="en-GB" sz="1200" dirty="0">
+              <a:solidFill>
+                <a:srgbClr val="000000"/>
+              </a:solidFill>
+              <a:latin typeface="Courier" pitchFamily="2" charset="0"/>
+            </a:endParaRPr>
+          </a:p>
+          <a:p>
+            <a:r>
+              <a:rPr lang="en-GB" sz="1200" dirty="0">
+                <a:solidFill>
+                  <a:srgbClr val="0F7001"/>
+                </a:solidFill>
+                <a:latin typeface="Courier" pitchFamily="2" charset="0"/>
+              </a:rPr>
+              <a:t>        </a:t>
+            </a:r>
+            <a:r>
+              <a:rPr lang="en-GB" sz="1200" dirty="0" err="1">
+                <a:solidFill>
+                  <a:srgbClr val="0F7001"/>
+                </a:solidFill>
+                <a:latin typeface="Courier" pitchFamily="2" charset="0"/>
+              </a:rPr>
+              <a:t>compute_time</a:t>
+            </a:r>
+            <a:r>
+              <a:rPr lang="en-GB" sz="1200" b="1" dirty="0">
+                <a:solidFill>
+                  <a:srgbClr val="921A20"/>
+                </a:solidFill>
+                <a:latin typeface="Courier-Bold" pitchFamily="2" charset="0"/>
+              </a:rPr>
+              <a:t>: </a:t>
+            </a:r>
+            <a:r>
+              <a:rPr lang="en-GB" sz="1200" dirty="0">
+                <a:solidFill>
+                  <a:srgbClr val="C100C4"/>
+                </a:solidFill>
+                <a:latin typeface="Courier" pitchFamily="2" charset="0"/>
+              </a:rPr>
+              <a:t>"00:20:00”</a:t>
+            </a:r>
+          </a:p>
+          <a:p>
+            <a:r>
+              <a:rPr lang="en-GB" sz="1200" dirty="0">
+                <a:solidFill>
+                  <a:srgbClr val="0F7001"/>
+                </a:solidFill>
+                <a:latin typeface="Courier" pitchFamily="2" charset="0"/>
+              </a:rPr>
+              <a:t>        </a:t>
+            </a:r>
+            <a:r>
+              <a:rPr lang="en-GB" sz="1200" dirty="0" err="1">
+                <a:solidFill>
+                  <a:srgbClr val="0F7001"/>
+                </a:solidFill>
+                <a:latin typeface="Courier" pitchFamily="2" charset="0"/>
+              </a:rPr>
+              <a:t>initial_date</a:t>
+            </a:r>
+            <a:r>
+              <a:rPr lang="en-GB" sz="1200" b="1" dirty="0">
+                <a:solidFill>
+                  <a:srgbClr val="921A20"/>
+                </a:solidFill>
+                <a:latin typeface="Courier-Bold" pitchFamily="2" charset="0"/>
+              </a:rPr>
+              <a:t>: </a:t>
+            </a:r>
+            <a:r>
+              <a:rPr lang="en-GB" sz="1200" dirty="0">
+                <a:solidFill>
+                  <a:srgbClr val="000000"/>
+                </a:solidFill>
+                <a:latin typeface="Courier" pitchFamily="2" charset="0"/>
+              </a:rPr>
+              <a:t>'2001-01-01’</a:t>
+            </a:r>
+          </a:p>
+          <a:p>
+            <a:r>
+              <a:rPr lang="en-GB" sz="1200" dirty="0">
+                <a:solidFill>
+                  <a:srgbClr val="0F7001"/>
+                </a:solidFill>
+                <a:latin typeface="Courier" pitchFamily="2" charset="0"/>
+              </a:rPr>
+              <a:t>        </a:t>
+            </a:r>
+            <a:r>
+              <a:rPr lang="en-GB" sz="1200" dirty="0" err="1">
+                <a:solidFill>
+                  <a:srgbClr val="0F7001"/>
+                </a:solidFill>
+                <a:latin typeface="Courier" pitchFamily="2" charset="0"/>
+              </a:rPr>
+              <a:t>final_date</a:t>
+            </a:r>
+            <a:r>
+              <a:rPr lang="en-GB" sz="1200" b="1" dirty="0">
+                <a:solidFill>
+                  <a:srgbClr val="921A20"/>
+                </a:solidFill>
+                <a:latin typeface="Courier-Bold" pitchFamily="2" charset="0"/>
+              </a:rPr>
+              <a:t>: </a:t>
+            </a:r>
+            <a:r>
+              <a:rPr lang="en-GB" sz="1200" dirty="0">
+                <a:solidFill>
+                  <a:srgbClr val="000000"/>
+                </a:solidFill>
+                <a:latin typeface="Courier" pitchFamily="2" charset="0"/>
+              </a:rPr>
+              <a:t>'2001-03-01’</a:t>
+            </a:r>
+          </a:p>
+          <a:p>
+            <a:r>
+              <a:rPr lang="en-GB" sz="1200" dirty="0">
+                <a:solidFill>
+                  <a:srgbClr val="0F7001"/>
+                </a:solidFill>
+                <a:latin typeface="Courier" pitchFamily="2" charset="0"/>
+              </a:rPr>
+              <a:t>        </a:t>
+            </a:r>
+            <a:r>
+              <a:rPr lang="en-GB" sz="1200" dirty="0" err="1">
+                <a:solidFill>
+                  <a:srgbClr val="0F7001"/>
+                </a:solidFill>
+                <a:latin typeface="Courier" pitchFamily="2" charset="0"/>
+              </a:rPr>
+              <a:t>base_dir</a:t>
+            </a:r>
+            <a:r>
+              <a:rPr lang="en-GB" sz="1200" b="1" dirty="0">
+                <a:solidFill>
+                  <a:srgbClr val="921A20"/>
+                </a:solidFill>
+                <a:latin typeface="Courier-Bold" pitchFamily="2" charset="0"/>
+              </a:rPr>
+              <a:t>: </a:t>
+            </a:r>
+            <a:r>
+              <a:rPr lang="en-GB" sz="1200" dirty="0">
+                <a:solidFill>
+                  <a:srgbClr val="000000"/>
+                </a:solidFill>
+                <a:latin typeface="Courier" pitchFamily="2" charset="0"/>
+              </a:rPr>
+              <a:t>&lt;</a:t>
+            </a:r>
+            <a:r>
+              <a:rPr lang="en-GB" sz="1200" dirty="0" err="1">
+                <a:solidFill>
+                  <a:srgbClr val="000000"/>
+                </a:solidFill>
+                <a:latin typeface="Courier" pitchFamily="2" charset="0"/>
+              </a:rPr>
+              <a:t>your_basedir</a:t>
+            </a:r>
+            <a:r>
+              <a:rPr lang="en-GB" sz="1200" dirty="0">
+                <a:solidFill>
+                  <a:srgbClr val="000000"/>
+                </a:solidFill>
+                <a:latin typeface="Courier" pitchFamily="2" charset="0"/>
+              </a:rPr>
+              <a:t>&gt;</a:t>
+            </a:r>
+          </a:p>
+          <a:p>
+            <a:r>
+              <a:rPr lang="en-GB" sz="1200" dirty="0">
+                <a:solidFill>
+                  <a:srgbClr val="0F7001"/>
+                </a:solidFill>
+                <a:latin typeface="Courier" pitchFamily="2" charset="0"/>
+              </a:rPr>
+              <a:t>        </a:t>
+            </a:r>
+            <a:r>
+              <a:rPr lang="en-GB" sz="1200" dirty="0" err="1">
+                <a:solidFill>
+                  <a:srgbClr val="0F7001"/>
+                </a:solidFill>
+                <a:latin typeface="Courier" pitchFamily="2" charset="0"/>
+              </a:rPr>
+              <a:t>nyear</a:t>
+            </a:r>
+            <a:r>
+              <a:rPr lang="en-GB" sz="1200" b="1" dirty="0">
+                <a:solidFill>
+                  <a:srgbClr val="921A20"/>
+                </a:solidFill>
+                <a:latin typeface="Courier-Bold" pitchFamily="2" charset="0"/>
+              </a:rPr>
+              <a:t>: </a:t>
+            </a:r>
+            <a:r>
+              <a:rPr lang="en-GB" sz="1200" dirty="0">
+                <a:solidFill>
+                  <a:srgbClr val="000000"/>
+                </a:solidFill>
+                <a:latin typeface="Courier" pitchFamily="2" charset="0"/>
+              </a:rPr>
+              <a:t>0</a:t>
+            </a:r>
+          </a:p>
+          <a:p>
+            <a:r>
+              <a:rPr lang="en-GB" sz="1200" dirty="0">
+                <a:solidFill>
+                  <a:srgbClr val="0F7001"/>
+                </a:solidFill>
+                <a:latin typeface="Courier" pitchFamily="2" charset="0"/>
+              </a:rPr>
+              <a:t>        </a:t>
+            </a:r>
+            <a:r>
+              <a:rPr lang="en-GB" sz="1200" dirty="0" err="1">
+                <a:solidFill>
+                  <a:srgbClr val="0F7001"/>
+                </a:solidFill>
+                <a:latin typeface="Courier" pitchFamily="2" charset="0"/>
+              </a:rPr>
+              <a:t>nmonth</a:t>
+            </a:r>
+            <a:r>
+              <a:rPr lang="en-GB" sz="1200" b="1" dirty="0">
+                <a:solidFill>
+                  <a:srgbClr val="921A20"/>
+                </a:solidFill>
+                <a:latin typeface="Courier-Bold" pitchFamily="2" charset="0"/>
+              </a:rPr>
+              <a:t>: </a:t>
+            </a:r>
+            <a:r>
+              <a:rPr lang="en-GB" sz="1200" dirty="0">
+                <a:solidFill>
+                  <a:srgbClr val="000000"/>
+                </a:solidFill>
+                <a:latin typeface="Courier" pitchFamily="2" charset="0"/>
+              </a:rPr>
+              <a:t>1</a:t>
+            </a:r>
+          </a:p>
+          <a:p>
+            <a:r>
+              <a:rPr lang="en-GB" sz="1200" dirty="0">
+                <a:solidFill>
+                  <a:srgbClr val="0F7001"/>
+                </a:solidFill>
+                <a:latin typeface="Courier" pitchFamily="2" charset="0"/>
+              </a:rPr>
+              <a:t>        </a:t>
+            </a:r>
+            <a:r>
+              <a:rPr lang="en-GB" sz="1200" dirty="0" err="1">
+                <a:solidFill>
+                  <a:srgbClr val="0F7001"/>
+                </a:solidFill>
+                <a:latin typeface="Courier" pitchFamily="2" charset="0"/>
+              </a:rPr>
+              <a:t>nday</a:t>
+            </a:r>
+            <a:r>
+              <a:rPr lang="en-GB" sz="1200" b="1" dirty="0">
+                <a:solidFill>
+                  <a:srgbClr val="921A20"/>
+                </a:solidFill>
+                <a:latin typeface="Courier-Bold" pitchFamily="2" charset="0"/>
+              </a:rPr>
+              <a:t>: </a:t>
+            </a:r>
+            <a:r>
+              <a:rPr lang="en-GB" sz="1200" dirty="0">
+                <a:solidFill>
+                  <a:srgbClr val="000000"/>
+                </a:solidFill>
+                <a:latin typeface="Courier" pitchFamily="2" charset="0"/>
+              </a:rPr>
+              <a:t>0</a:t>
+            </a:r>
+          </a:p>
+          <a:p>
+            <a:r>
+              <a:rPr lang="en-GB" sz="1200" dirty="0">
+                <a:solidFill>
+                  <a:srgbClr val="0F7001"/>
+                </a:solidFill>
+                <a:latin typeface="Courier" pitchFamily="2" charset="0"/>
+              </a:rPr>
+              <a:t>        </a:t>
+            </a:r>
+            <a:r>
+              <a:rPr lang="en-GB" sz="1200" dirty="0" err="1">
+                <a:solidFill>
+                  <a:srgbClr val="0F7001"/>
+                </a:solidFill>
+                <a:latin typeface="Courier" pitchFamily="2" charset="0"/>
+              </a:rPr>
+              <a:t>use_venv</a:t>
+            </a:r>
+            <a:r>
+              <a:rPr lang="en-GB" sz="1200" b="1" dirty="0">
+                <a:solidFill>
+                  <a:srgbClr val="921A20"/>
+                </a:solidFill>
+                <a:latin typeface="Courier-Bold" pitchFamily="2" charset="0"/>
+              </a:rPr>
+              <a:t>: </a:t>
+            </a:r>
+            <a:r>
+              <a:rPr lang="en-GB" sz="1200" dirty="0">
+                <a:solidFill>
+                  <a:srgbClr val="000000"/>
+                </a:solidFill>
+                <a:latin typeface="Courier" pitchFamily="2" charset="0"/>
+              </a:rPr>
+              <a:t>False</a:t>
+            </a:r>
+          </a:p>
+          <a:p>
+            <a:r>
+              <a:rPr lang="en-GB" sz="1200" dirty="0" err="1">
+                <a:solidFill>
+                  <a:srgbClr val="0E6E35"/>
+                </a:solidFill>
+                <a:latin typeface="Courier" pitchFamily="2" charset="0"/>
+              </a:rPr>
+              <a:t>fesom</a:t>
+            </a:r>
+            <a:r>
+              <a:rPr lang="en-GB" sz="1200" dirty="0">
+                <a:solidFill>
+                  <a:srgbClr val="000000"/>
+                </a:solidFill>
+                <a:latin typeface="Courier" pitchFamily="2" charset="0"/>
+              </a:rPr>
+              <a:t>:</a:t>
+            </a:r>
+          </a:p>
+          <a:p>
+            <a:r>
+              <a:rPr lang="en-GB" sz="1200" dirty="0">
+                <a:solidFill>
+                  <a:srgbClr val="0F7001"/>
+                </a:solidFill>
+                <a:latin typeface="Courier" pitchFamily="2" charset="0"/>
+              </a:rPr>
+              <a:t>        version</a:t>
+            </a:r>
+            <a:r>
+              <a:rPr lang="en-GB" sz="1200" b="1" dirty="0">
+                <a:solidFill>
+                  <a:srgbClr val="921A20"/>
+                </a:solidFill>
+                <a:latin typeface="Courier-Bold" pitchFamily="2" charset="0"/>
+              </a:rPr>
+              <a:t>: </a:t>
+            </a:r>
+            <a:r>
+              <a:rPr lang="en-GB" sz="1200" dirty="0">
+                <a:solidFill>
+                  <a:srgbClr val="000000"/>
+                </a:solidFill>
+                <a:latin typeface="Courier" pitchFamily="2" charset="0"/>
+              </a:rPr>
+              <a:t>2.1</a:t>
+            </a:r>
+          </a:p>
+          <a:p>
+            <a:r>
+              <a:rPr lang="en-GB" sz="1200" dirty="0">
+                <a:solidFill>
+                  <a:srgbClr val="0F7001"/>
+                </a:solidFill>
+                <a:latin typeface="Courier" pitchFamily="2" charset="0"/>
+              </a:rPr>
+              <a:t>        </a:t>
+            </a:r>
+            <a:r>
+              <a:rPr lang="en-GB" sz="1200" dirty="0" err="1">
+                <a:solidFill>
+                  <a:srgbClr val="0F7001"/>
+                </a:solidFill>
+                <a:latin typeface="Courier" pitchFamily="2" charset="0"/>
+              </a:rPr>
+              <a:t>model_dir</a:t>
+            </a:r>
+            <a:r>
+              <a:rPr lang="en-GB" sz="1200" b="1" dirty="0">
+                <a:solidFill>
+                  <a:srgbClr val="921A20"/>
+                </a:solidFill>
+                <a:latin typeface="Courier-Bold" pitchFamily="2" charset="0"/>
+              </a:rPr>
+              <a:t>: </a:t>
+            </a:r>
+            <a:r>
+              <a:rPr lang="en-GB" sz="1200" dirty="0">
+                <a:solidFill>
+                  <a:srgbClr val="000000"/>
+                </a:solidFill>
+                <a:latin typeface="Courier" pitchFamily="2" charset="0"/>
+              </a:rPr>
+              <a:t>&lt;</a:t>
+            </a:r>
+            <a:r>
+              <a:rPr lang="en-GB" sz="1200" dirty="0" err="1">
+                <a:solidFill>
+                  <a:srgbClr val="000000"/>
+                </a:solidFill>
+                <a:latin typeface="Courier" pitchFamily="2" charset="0"/>
+              </a:rPr>
+              <a:t>your_model_dir</a:t>
+            </a:r>
+            <a:r>
+              <a:rPr lang="en-GB" sz="1200" dirty="0">
+                <a:solidFill>
+                  <a:srgbClr val="000000"/>
+                </a:solidFill>
+                <a:latin typeface="Courier" pitchFamily="2" charset="0"/>
+              </a:rPr>
+              <a:t>&gt;</a:t>
+            </a:r>
+          </a:p>
+          <a:p>
+            <a:r>
+              <a:rPr lang="en-GB" sz="1200" dirty="0">
+                <a:solidFill>
+                  <a:srgbClr val="0F7001"/>
+                </a:solidFill>
+                <a:latin typeface="Courier" pitchFamily="2" charset="0"/>
+              </a:rPr>
+              <a:t>        </a:t>
+            </a:r>
+            <a:r>
+              <a:rPr lang="en-GB" sz="1200" dirty="0" err="1">
+                <a:solidFill>
+                  <a:srgbClr val="0F7001"/>
+                </a:solidFill>
+                <a:latin typeface="Courier" pitchFamily="2" charset="0"/>
+              </a:rPr>
+              <a:t>lresume</a:t>
+            </a:r>
+            <a:r>
+              <a:rPr lang="en-GB" sz="1200" b="1" dirty="0">
+                <a:solidFill>
+                  <a:srgbClr val="921A20"/>
+                </a:solidFill>
+                <a:latin typeface="Courier-Bold" pitchFamily="2" charset="0"/>
+              </a:rPr>
+              <a:t>: </a:t>
+            </a:r>
+            <a:r>
+              <a:rPr lang="en-GB" sz="1200" dirty="0">
+                <a:solidFill>
+                  <a:srgbClr val="000000"/>
+                </a:solidFill>
+                <a:latin typeface="Courier" pitchFamily="2" charset="0"/>
+              </a:rPr>
+              <a:t>0</a:t>
+            </a:r>
+          </a:p>
+          <a:p>
+            <a:r>
+              <a:rPr lang="en-GB" sz="1200" dirty="0">
+                <a:solidFill>
+                  <a:srgbClr val="0F7001"/>
+                </a:solidFill>
+                <a:latin typeface="Courier" pitchFamily="2" charset="0"/>
+              </a:rPr>
+              <a:t>        </a:t>
+            </a:r>
+            <a:r>
+              <a:rPr lang="en-GB" sz="1200" dirty="0" err="1">
+                <a:solidFill>
+                  <a:srgbClr val="0F7001"/>
+                </a:solidFill>
+                <a:latin typeface="Courier" pitchFamily="2" charset="0"/>
+              </a:rPr>
+              <a:t>restart_rate</a:t>
+            </a:r>
+            <a:r>
+              <a:rPr lang="en-GB" sz="1200" b="1" dirty="0">
+                <a:solidFill>
+                  <a:srgbClr val="921A20"/>
+                </a:solidFill>
+                <a:latin typeface="Courier-Bold" pitchFamily="2" charset="0"/>
+              </a:rPr>
+              <a:t>: </a:t>
+            </a:r>
+            <a:r>
+              <a:rPr lang="en-GB" sz="1200" dirty="0">
+                <a:solidFill>
+                  <a:srgbClr val="000000"/>
+                </a:solidFill>
+                <a:latin typeface="Courier" pitchFamily="2" charset="0"/>
+              </a:rPr>
+              <a:t>1</a:t>
+            </a:r>
+          </a:p>
+          <a:p>
+            <a:r>
+              <a:rPr lang="en-GB" sz="1200" dirty="0">
+                <a:solidFill>
+                  <a:srgbClr val="0F7001"/>
+                </a:solidFill>
+                <a:latin typeface="Courier" pitchFamily="2" charset="0"/>
+              </a:rPr>
+              <a:t>        </a:t>
+            </a:r>
+            <a:r>
+              <a:rPr lang="en-GB" sz="1200" dirty="0" err="1">
+                <a:solidFill>
+                  <a:srgbClr val="0F7001"/>
+                </a:solidFill>
+                <a:latin typeface="Courier" pitchFamily="2" charset="0"/>
+              </a:rPr>
+              <a:t>restart_first</a:t>
+            </a:r>
+            <a:r>
+              <a:rPr lang="en-GB" sz="1200" b="1" dirty="0">
+                <a:solidFill>
+                  <a:srgbClr val="921A20"/>
+                </a:solidFill>
+                <a:latin typeface="Courier-Bold" pitchFamily="2" charset="0"/>
+              </a:rPr>
+              <a:t>: </a:t>
+            </a:r>
+            <a:r>
+              <a:rPr lang="en-GB" sz="1200" dirty="0">
+                <a:solidFill>
+                  <a:srgbClr val="000000"/>
+                </a:solidFill>
+                <a:latin typeface="Courier" pitchFamily="2" charset="0"/>
+              </a:rPr>
+              <a:t>1</a:t>
+            </a:r>
+          </a:p>
+          <a:p>
+            <a:r>
+              <a:rPr lang="en-GB" sz="1200" dirty="0">
+                <a:solidFill>
+                  <a:srgbClr val="0F7001"/>
+                </a:solidFill>
+                <a:latin typeface="Courier" pitchFamily="2" charset="0"/>
+              </a:rPr>
+              <a:t>        </a:t>
+            </a:r>
+            <a:r>
+              <a:rPr lang="en-GB" sz="1200" dirty="0" err="1">
+                <a:solidFill>
+                  <a:srgbClr val="0F7001"/>
+                </a:solidFill>
+                <a:latin typeface="Courier" pitchFamily="2" charset="0"/>
+              </a:rPr>
+              <a:t>restart_unit</a:t>
+            </a:r>
+            <a:r>
+              <a:rPr lang="en-GB" sz="1200" b="1" dirty="0">
+                <a:solidFill>
+                  <a:srgbClr val="921A20"/>
+                </a:solidFill>
+                <a:latin typeface="Courier-Bold" pitchFamily="2" charset="0"/>
+              </a:rPr>
+              <a:t>: </a:t>
+            </a:r>
+            <a:r>
+              <a:rPr lang="en-GB" sz="1200" dirty="0">
+                <a:solidFill>
+                  <a:srgbClr val="000000"/>
+                </a:solidFill>
+                <a:latin typeface="Courier" pitchFamily="2" charset="0"/>
+              </a:rPr>
+              <a:t>'m’</a:t>
+            </a:r>
+          </a:p>
+          <a:p>
+            <a:r>
+              <a:rPr lang="en-GB" sz="1200" dirty="0">
+                <a:solidFill>
+                  <a:srgbClr val="0F7001"/>
+                </a:solidFill>
+                <a:latin typeface="Courier" pitchFamily="2" charset="0"/>
+              </a:rPr>
+              <a:t>        </a:t>
+            </a:r>
+            <a:r>
+              <a:rPr lang="en-GB" sz="1200" dirty="0" err="1">
+                <a:solidFill>
+                  <a:srgbClr val="0F7001"/>
+                </a:solidFill>
+                <a:latin typeface="Courier" pitchFamily="2" charset="0"/>
+              </a:rPr>
+              <a:t>post_processing</a:t>
+            </a:r>
+            <a:r>
+              <a:rPr lang="en-GB" sz="1200" b="1" dirty="0">
+                <a:solidFill>
+                  <a:srgbClr val="921A20"/>
+                </a:solidFill>
+                <a:latin typeface="Courier-Bold" pitchFamily="2" charset="0"/>
+              </a:rPr>
+              <a:t>: </a:t>
+            </a:r>
+            <a:r>
+              <a:rPr lang="en-GB" sz="1200" dirty="0">
+                <a:solidFill>
+                  <a:srgbClr val="000000"/>
+                </a:solidFill>
+                <a:latin typeface="Courier" pitchFamily="2" charset="0"/>
+              </a:rPr>
+              <a:t>0 </a:t>
+            </a:r>
+            <a:endParaRPr lang="en-GB" sz="1200" dirty="0"/>
+          </a:p>
+        </p:txBody>
+      </p:sp>
+    </p:spTree>
+    <p:extLst>
+      <p:ext uri="{BB962C8B-B14F-4D97-AF65-F5344CB8AC3E}">
+        <p14:creationId xmlns:p14="http://schemas.microsoft.com/office/powerpoint/2010/main" val="639960922"/>
+      </p:ext>
+    </p:extLst>
+  </p:cSld>
+  <p:clrMapOvr>
+    <a:masterClrMapping/>
+  </p:clrMapOvr>
+</p:sld>
+</file>
+
+<file path=ppt/slides/slide5.xml><?xml version="1.0" encoding="utf-8"?>
+<p:sld xmlns:a="http://schemas.openxmlformats.org/drawingml/2006/main" xmlns:r="http://schemas.openxmlformats.org/officeDocument/2006/relationships" xmlns:p="http://schemas.openxmlformats.org/presentationml/2006/main">
+  <p:cSld>
+    <p:spTree>
+      <p:nvGrpSpPr>
+        <p:cNvPr id="1" name=""/>
+        <p:cNvGrpSpPr/>
+        <p:nvPr/>
+      </p:nvGrpSpPr>
+      <p:grpSpPr>
+        <a:xfrm>
+          <a:off x="0" y="0"/>
+          <a:ext cx="0" cy="0"/>
+          <a:chOff x="0" y="0"/>
+          <a:chExt cx="0" cy="0"/>
+        </a:xfrm>
+      </p:grpSpPr>
+      <p:sp>
+        <p:nvSpPr>
+          <p:cNvPr id="2" name="Rectangle 1"/>
+          <p:cNvSpPr/>
+          <p:nvPr/>
+        </p:nvSpPr>
+        <p:spPr>
+          <a:xfrm>
+            <a:off x="0" y="2"/>
+            <a:ext cx="12192000" cy="1296364"/>
+          </a:xfrm>
+          <a:prstGeom prst="rect">
+            <a:avLst/>
+          </a:prstGeom>
+          <a:solidFill>
+            <a:srgbClr val="00ACE6"/>
+          </a:solidFill>
+          <a:ln>
+            <a:noFill/>
+          </a:ln>
+        </p:spPr>
+        <p:style>
+          <a:lnRef idx="2">
+            <a:schemeClr val="accent1">
+              <a:shade val="50000"/>
+            </a:schemeClr>
+          </a:lnRef>
+          <a:fillRef idx="1">
+            <a:schemeClr val="accent1"/>
+          </a:fillRef>
+          <a:effectRef idx="0">
+            <a:schemeClr val="accent1"/>
+          </a:effectRef>
+          <a:fontRef idx="minor">
+            <a:schemeClr val="lt1"/>
+          </a:fontRef>
+        </p:style>
+        <p:txBody>
+          <a:bodyPr rtlCol="0" anchor="ctr"/>
+          <a:lstStyle/>
+          <a:p>
+            <a:r>
+              <a:rPr lang="en-GB" sz="4800" b="1" dirty="0"/>
+              <a:t>Terminology – </a:t>
+            </a:r>
+            <a:r>
+              <a:rPr lang="en-GB" sz="4800" b="1" dirty="0" err="1"/>
+              <a:t>yaml</a:t>
+            </a:r>
+            <a:r>
+              <a:rPr lang="en-GB" sz="4800" b="1" dirty="0"/>
+              <a:t> sections</a:t>
+            </a:r>
+          </a:p>
+        </p:txBody>
+      </p:sp>
+      <p:sp>
+        <p:nvSpPr>
+          <p:cNvPr id="7" name="Isosceles Triangle 6"/>
+          <p:cNvSpPr/>
+          <p:nvPr/>
+        </p:nvSpPr>
+        <p:spPr>
+          <a:xfrm rot="5400000">
+            <a:off x="348693" y="1536407"/>
+            <a:ext cx="457812" cy="394666"/>
+          </a:xfrm>
+          <a:prstGeom prst="triangle">
+            <a:avLst/>
+          </a:prstGeom>
+          <a:solidFill>
+            <a:srgbClr val="00ACE6"/>
+          </a:solidFill>
+          <a:ln>
+            <a:noFill/>
+          </a:ln>
+        </p:spPr>
+        <p:style>
+          <a:lnRef idx="2">
+            <a:schemeClr val="accent1">
+              <a:shade val="50000"/>
+            </a:schemeClr>
+          </a:lnRef>
+          <a:fillRef idx="1">
+            <a:schemeClr val="accent1"/>
+          </a:fillRef>
+          <a:effectRef idx="0">
+            <a:schemeClr val="accent1"/>
+          </a:effectRef>
+          <a:fontRef idx="minor">
+            <a:schemeClr val="lt1"/>
+          </a:fontRef>
+        </p:style>
+        <p:txBody>
+          <a:bodyPr rtlCol="0" anchor="ctr"/>
+          <a:lstStyle/>
+          <a:p>
+            <a:pPr algn="ctr"/>
+            <a:endParaRPr lang="en-GB"/>
+          </a:p>
+        </p:txBody>
+      </p:sp>
+      <p:sp>
+        <p:nvSpPr>
+          <p:cNvPr id="14" name="TextBox 13"/>
+          <p:cNvSpPr txBox="1"/>
+          <p:nvPr/>
+        </p:nvSpPr>
+        <p:spPr>
+          <a:xfrm>
+            <a:off x="1061012" y="1467813"/>
+            <a:ext cx="11020741" cy="3046988"/>
+          </a:xfrm>
+          <a:prstGeom prst="rect">
+            <a:avLst/>
+          </a:prstGeom>
+          <a:noFill/>
+        </p:spPr>
+        <p:txBody>
+          <a:bodyPr wrap="square" rtlCol="0">
+            <a:spAutoFit/>
+          </a:bodyPr>
+          <a:lstStyle/>
+          <a:p>
+            <a:r>
+              <a:rPr lang="en-GB" sz="2400" dirty="0"/>
+              <a:t>1</a:t>
+            </a:r>
+            <a:r>
+              <a:rPr lang="en-GB" sz="2400" baseline="30000" dirty="0"/>
+              <a:t>st</a:t>
+            </a:r>
+            <a:r>
+              <a:rPr lang="en-GB" sz="2400" dirty="0"/>
+              <a:t> level keys on a </a:t>
+            </a:r>
+            <a:r>
+              <a:rPr lang="en-GB" sz="2400" dirty="0" err="1"/>
+              <a:t>yaml</a:t>
+            </a:r>
+            <a:r>
+              <a:rPr lang="en-GB" sz="2400" dirty="0"/>
+              <a:t> file</a:t>
+            </a:r>
+          </a:p>
+          <a:p>
+            <a:pPr marL="342900" indent="-342900">
+              <a:buFont typeface="Arial" panose="020B0604020202020204" pitchFamily="34" charset="0"/>
+              <a:buChar char="•"/>
+            </a:pPr>
+            <a:r>
+              <a:rPr lang="en-GB" sz="2400" dirty="0"/>
+              <a:t>general</a:t>
+            </a:r>
+          </a:p>
+          <a:p>
+            <a:pPr marL="342900" indent="-342900">
+              <a:buFont typeface="Arial" panose="020B0604020202020204" pitchFamily="34" charset="0"/>
+              <a:buChar char="•"/>
+            </a:pPr>
+            <a:r>
+              <a:rPr lang="en-GB" sz="2400" dirty="0"/>
+              <a:t>&lt;</a:t>
+            </a:r>
+            <a:r>
+              <a:rPr lang="en-GB" sz="2400" dirty="0" err="1"/>
+              <a:t>model_name</a:t>
+            </a:r>
+            <a:r>
+              <a:rPr lang="en-GB" sz="2400" dirty="0"/>
+              <a:t>&gt;/&lt;</a:t>
+            </a:r>
+            <a:r>
+              <a:rPr lang="en-GB" sz="2400" dirty="0" err="1"/>
+              <a:t>component_name</a:t>
+            </a:r>
+            <a:r>
+              <a:rPr lang="en-GB" sz="2400" dirty="0"/>
+              <a:t>&gt;</a:t>
+            </a:r>
+          </a:p>
+          <a:p>
+            <a:pPr marL="342900" indent="-342900">
+              <a:buFont typeface="Arial" panose="020B0604020202020204" pitchFamily="34" charset="0"/>
+              <a:buChar char="•"/>
+            </a:pPr>
+            <a:r>
+              <a:rPr lang="en-GB" sz="2400" dirty="0"/>
+              <a:t>computer</a:t>
+            </a:r>
+          </a:p>
+          <a:p>
+            <a:pPr marL="342900" indent="-342900">
+              <a:buFont typeface="Arial" panose="020B0604020202020204" pitchFamily="34" charset="0"/>
+              <a:buChar char="•"/>
+            </a:pPr>
+            <a:endParaRPr lang="en-GB" sz="2400" dirty="0"/>
+          </a:p>
+          <a:p>
+            <a:r>
+              <a:rPr lang="en-GB" sz="2400" dirty="0"/>
+              <a:t>Only the </a:t>
+            </a:r>
+            <a:r>
+              <a:rPr lang="en-GB" sz="2400" b="1" dirty="0" err="1">
+                <a:solidFill>
+                  <a:schemeClr val="accent2"/>
+                </a:solidFill>
+              </a:rPr>
+              <a:t>runscripts</a:t>
+            </a:r>
+            <a:r>
+              <a:rPr lang="en-GB" sz="2400" dirty="0"/>
+              <a:t> and the </a:t>
+            </a:r>
+            <a:r>
+              <a:rPr lang="en-GB" sz="2400" b="1" dirty="0">
+                <a:solidFill>
+                  <a:schemeClr val="accent2"/>
+                </a:solidFill>
+              </a:rPr>
+              <a:t>setups</a:t>
+            </a:r>
+            <a:r>
+              <a:rPr lang="en-GB" sz="2400" dirty="0"/>
+              <a:t> files have </a:t>
+            </a:r>
+            <a:r>
+              <a:rPr lang="en-GB" sz="2400" b="1" dirty="0">
+                <a:solidFill>
+                  <a:schemeClr val="accent2"/>
+                </a:solidFill>
+              </a:rPr>
+              <a:t>sections</a:t>
+            </a:r>
+          </a:p>
+          <a:p>
+            <a:endParaRPr lang="en-GB" sz="2400" b="1" dirty="0"/>
+          </a:p>
+          <a:p>
+            <a:endParaRPr lang="en-GB" sz="2400" dirty="0"/>
+          </a:p>
+        </p:txBody>
+      </p:sp>
+      <p:sp>
+        <p:nvSpPr>
+          <p:cNvPr id="11" name="Isosceles Triangle 6">
+            <a:extLst>
+              <a:ext uri="{FF2B5EF4-FFF2-40B4-BE49-F238E27FC236}">
+                <a16:creationId xmlns:a16="http://schemas.microsoft.com/office/drawing/2014/main" id="{DAE2120B-BEC7-3ACB-B88D-C2829FED2CB0}"/>
+              </a:ext>
+            </a:extLst>
+          </p:cNvPr>
+          <p:cNvSpPr/>
+          <p:nvPr/>
+        </p:nvSpPr>
+        <p:spPr>
+          <a:xfrm rot="5400000">
+            <a:off x="348693" y="3353436"/>
+            <a:ext cx="457812" cy="394666"/>
+          </a:xfrm>
+          <a:prstGeom prst="triangle">
+            <a:avLst/>
+          </a:prstGeom>
+          <a:solidFill>
+            <a:srgbClr val="00ACE6"/>
+          </a:solidFill>
+          <a:ln>
+            <a:noFill/>
+          </a:ln>
+        </p:spPr>
+        <p:style>
+          <a:lnRef idx="2">
+            <a:schemeClr val="accent1">
+              <a:shade val="50000"/>
+            </a:schemeClr>
+          </a:lnRef>
+          <a:fillRef idx="1">
+            <a:schemeClr val="accent1"/>
+          </a:fillRef>
+          <a:effectRef idx="0">
+            <a:schemeClr val="accent1"/>
+          </a:effectRef>
+          <a:fontRef idx="minor">
+            <a:schemeClr val="lt1"/>
+          </a:fontRef>
+        </p:style>
+        <p:txBody>
+          <a:bodyPr rtlCol="0" anchor="ctr"/>
+          <a:lstStyle/>
+          <a:p>
+            <a:pPr algn="ctr"/>
+            <a:endParaRPr lang="en-GB"/>
+          </a:p>
+        </p:txBody>
+      </p:sp>
+      <p:sp>
+        <p:nvSpPr>
+          <p:cNvPr id="3" name="Rectangle 2">
+            <a:extLst>
+              <a:ext uri="{FF2B5EF4-FFF2-40B4-BE49-F238E27FC236}">
+                <a16:creationId xmlns:a16="http://schemas.microsoft.com/office/drawing/2014/main" id="{95B75EAF-C6B8-6CC3-A852-55623031F561}"/>
+              </a:ext>
+            </a:extLst>
+          </p:cNvPr>
+          <p:cNvSpPr/>
+          <p:nvPr/>
+        </p:nvSpPr>
+        <p:spPr>
+          <a:xfrm>
+            <a:off x="7982280" y="2474713"/>
+            <a:ext cx="3476904" cy="3847207"/>
+          </a:xfrm>
+          <a:prstGeom prst="rect">
+            <a:avLst/>
+          </a:prstGeom>
+          <a:ln w="12700">
+            <a:solidFill>
+              <a:schemeClr val="tx1"/>
+            </a:solidFill>
+          </a:ln>
+        </p:spPr>
+        <p:txBody>
+          <a:bodyPr wrap="square">
+            <a:spAutoFit/>
+          </a:bodyPr>
+          <a:lstStyle/>
+          <a:p>
+            <a:r>
+              <a:rPr lang="en-GB" sz="1600" b="1" dirty="0"/>
+              <a:t>&lt;</a:t>
+            </a:r>
+            <a:r>
+              <a:rPr lang="en-GB" sz="1600" b="1" dirty="0" err="1"/>
+              <a:t>your_fesom_runscript</a:t>
+            </a:r>
+            <a:r>
+              <a:rPr lang="en-GB" sz="1600" b="1" dirty="0"/>
+              <a:t>&gt;.</a:t>
+            </a:r>
+            <a:r>
+              <a:rPr lang="en-GB" sz="1600" b="1" dirty="0" err="1"/>
+              <a:t>yaml</a:t>
+            </a:r>
+            <a:br>
+              <a:rPr lang="en-GB" sz="1200" dirty="0">
+                <a:solidFill>
+                  <a:srgbClr val="0E6E35"/>
+                </a:solidFill>
+                <a:latin typeface="Courier" pitchFamily="2" charset="0"/>
+              </a:rPr>
+            </a:br>
+            <a:r>
+              <a:rPr lang="en-GB" sz="1200" b="1" dirty="0">
+                <a:solidFill>
+                  <a:srgbClr val="0E6E35"/>
+                </a:solidFill>
+                <a:latin typeface="Courier" pitchFamily="2" charset="0"/>
+              </a:rPr>
+              <a:t>general</a:t>
+            </a:r>
+            <a:r>
+              <a:rPr lang="en-GB" sz="1200" dirty="0">
+                <a:solidFill>
+                  <a:srgbClr val="000000"/>
+                </a:solidFill>
+                <a:latin typeface="Courier" pitchFamily="2" charset="0"/>
+              </a:rPr>
+              <a:t>:</a:t>
+            </a:r>
+          </a:p>
+          <a:p>
+            <a:r>
+              <a:rPr lang="en-GB" sz="1200" dirty="0">
+                <a:solidFill>
+                  <a:srgbClr val="0F7001"/>
+                </a:solidFill>
+                <a:latin typeface="Courier" pitchFamily="2" charset="0"/>
+              </a:rPr>
+              <a:t>        account</a:t>
+            </a:r>
+            <a:r>
+              <a:rPr lang="en-GB" sz="1200" b="1" dirty="0">
+                <a:solidFill>
+                  <a:srgbClr val="921A20"/>
+                </a:solidFill>
+                <a:latin typeface="Courier-Bold" pitchFamily="2" charset="0"/>
+              </a:rPr>
+              <a:t>: </a:t>
+            </a:r>
+            <a:r>
+              <a:rPr lang="en-GB" sz="1200" dirty="0">
+                <a:solidFill>
+                  <a:srgbClr val="000000"/>
+                </a:solidFill>
+                <a:latin typeface="Courier" pitchFamily="2" charset="0"/>
+              </a:rPr>
+              <a:t>&lt;</a:t>
+            </a:r>
+            <a:r>
+              <a:rPr lang="en-GB" sz="1200" dirty="0" err="1">
+                <a:solidFill>
+                  <a:srgbClr val="000000"/>
+                </a:solidFill>
+                <a:latin typeface="Courier" pitchFamily="2" charset="0"/>
+              </a:rPr>
+              <a:t>your_account</a:t>
+            </a:r>
+            <a:r>
+              <a:rPr lang="en-GB" sz="1200" dirty="0">
+                <a:solidFill>
+                  <a:srgbClr val="000000"/>
+                </a:solidFill>
+                <a:latin typeface="Courier" pitchFamily="2" charset="0"/>
+              </a:rPr>
+              <a:t>&gt;</a:t>
+            </a:r>
+          </a:p>
+          <a:p>
+            <a:r>
+              <a:rPr lang="en-GB" sz="1200" dirty="0">
+                <a:solidFill>
+                  <a:srgbClr val="0F7001"/>
+                </a:solidFill>
+                <a:latin typeface="Courier" pitchFamily="2" charset="0"/>
+              </a:rPr>
+              <a:t>        </a:t>
+            </a:r>
+            <a:r>
+              <a:rPr lang="en-GB" sz="1200" dirty="0" err="1">
+                <a:solidFill>
+                  <a:srgbClr val="0F7001"/>
+                </a:solidFill>
+                <a:latin typeface="Courier" pitchFamily="2" charset="0"/>
+              </a:rPr>
+              <a:t>setup_name</a:t>
+            </a:r>
+            <a:r>
+              <a:rPr lang="en-GB" sz="1200" b="1" dirty="0">
+                <a:solidFill>
+                  <a:srgbClr val="921A20"/>
+                </a:solidFill>
+                <a:latin typeface="Courier-Bold" pitchFamily="2" charset="0"/>
+              </a:rPr>
+              <a:t>: </a:t>
+            </a:r>
+            <a:r>
+              <a:rPr lang="en-GB" sz="1200" dirty="0" err="1">
+                <a:solidFill>
+                  <a:srgbClr val="000000"/>
+                </a:solidFill>
+                <a:latin typeface="Courier" pitchFamily="2" charset="0"/>
+              </a:rPr>
+              <a:t>fesom</a:t>
+            </a:r>
+            <a:endParaRPr lang="en-GB" sz="1200" dirty="0">
+              <a:solidFill>
+                <a:srgbClr val="000000"/>
+              </a:solidFill>
+              <a:latin typeface="Courier" pitchFamily="2" charset="0"/>
+            </a:endParaRPr>
+          </a:p>
+          <a:p>
+            <a:r>
+              <a:rPr lang="en-GB" sz="1200" dirty="0">
+                <a:solidFill>
+                  <a:srgbClr val="0F7001"/>
+                </a:solidFill>
+                <a:latin typeface="Courier" pitchFamily="2" charset="0"/>
+              </a:rPr>
+              <a:t>        </a:t>
+            </a:r>
+            <a:r>
+              <a:rPr lang="en-GB" sz="1200" dirty="0" err="1">
+                <a:solidFill>
+                  <a:srgbClr val="0F7001"/>
+                </a:solidFill>
+                <a:latin typeface="Courier" pitchFamily="2" charset="0"/>
+              </a:rPr>
+              <a:t>compute_time</a:t>
+            </a:r>
+            <a:r>
+              <a:rPr lang="en-GB" sz="1200" b="1" dirty="0">
+                <a:solidFill>
+                  <a:srgbClr val="921A20"/>
+                </a:solidFill>
+                <a:latin typeface="Courier-Bold" pitchFamily="2" charset="0"/>
+              </a:rPr>
+              <a:t>: </a:t>
+            </a:r>
+            <a:r>
+              <a:rPr lang="en-GB" sz="1200" dirty="0">
+                <a:solidFill>
+                  <a:srgbClr val="C100C4"/>
+                </a:solidFill>
+                <a:latin typeface="Courier" pitchFamily="2" charset="0"/>
+              </a:rPr>
+              <a:t>"00:20:00”</a:t>
+            </a:r>
+          </a:p>
+          <a:p>
+            <a:r>
+              <a:rPr lang="en-GB" sz="1200" dirty="0">
+                <a:solidFill>
+                  <a:srgbClr val="0F7001"/>
+                </a:solidFill>
+                <a:latin typeface="Courier" pitchFamily="2" charset="0"/>
+              </a:rPr>
+              <a:t>        </a:t>
+            </a:r>
+            <a:r>
+              <a:rPr lang="en-GB" sz="1200" dirty="0" err="1">
+                <a:solidFill>
+                  <a:srgbClr val="0F7001"/>
+                </a:solidFill>
+                <a:latin typeface="Courier" pitchFamily="2" charset="0"/>
+              </a:rPr>
+              <a:t>initial_date</a:t>
+            </a:r>
+            <a:r>
+              <a:rPr lang="en-GB" sz="1200" b="1" dirty="0">
+                <a:solidFill>
+                  <a:srgbClr val="921A20"/>
+                </a:solidFill>
+                <a:latin typeface="Courier-Bold" pitchFamily="2" charset="0"/>
+              </a:rPr>
+              <a:t>: </a:t>
+            </a:r>
+            <a:r>
+              <a:rPr lang="en-GB" sz="1200" dirty="0">
+                <a:solidFill>
+                  <a:srgbClr val="000000"/>
+                </a:solidFill>
+                <a:latin typeface="Courier" pitchFamily="2" charset="0"/>
+              </a:rPr>
+              <a:t>'2001-01-01’</a:t>
+            </a:r>
+          </a:p>
+          <a:p>
+            <a:r>
+              <a:rPr lang="en-GB" sz="1200" dirty="0">
+                <a:solidFill>
+                  <a:srgbClr val="0F7001"/>
+                </a:solidFill>
+                <a:latin typeface="Courier" pitchFamily="2" charset="0"/>
+              </a:rPr>
+              <a:t>        </a:t>
+            </a:r>
+            <a:r>
+              <a:rPr lang="en-GB" sz="1200" dirty="0" err="1">
+                <a:solidFill>
+                  <a:srgbClr val="0F7001"/>
+                </a:solidFill>
+                <a:latin typeface="Courier" pitchFamily="2" charset="0"/>
+              </a:rPr>
+              <a:t>final_date</a:t>
+            </a:r>
+            <a:r>
+              <a:rPr lang="en-GB" sz="1200" b="1" dirty="0">
+                <a:solidFill>
+                  <a:srgbClr val="921A20"/>
+                </a:solidFill>
+                <a:latin typeface="Courier-Bold" pitchFamily="2" charset="0"/>
+              </a:rPr>
+              <a:t>: </a:t>
+            </a:r>
+            <a:r>
+              <a:rPr lang="en-GB" sz="1200" dirty="0">
+                <a:solidFill>
+                  <a:srgbClr val="000000"/>
+                </a:solidFill>
+                <a:latin typeface="Courier" pitchFamily="2" charset="0"/>
+              </a:rPr>
+              <a:t>'2001-03-01’</a:t>
+            </a:r>
+          </a:p>
+          <a:p>
+            <a:r>
+              <a:rPr lang="en-GB" sz="1200" dirty="0">
+                <a:solidFill>
+                  <a:srgbClr val="0F7001"/>
+                </a:solidFill>
+                <a:latin typeface="Courier" pitchFamily="2" charset="0"/>
+              </a:rPr>
+              <a:t>        </a:t>
+            </a:r>
+            <a:r>
+              <a:rPr lang="en-GB" sz="1200" dirty="0" err="1">
+                <a:solidFill>
+                  <a:srgbClr val="0F7001"/>
+                </a:solidFill>
+                <a:latin typeface="Courier" pitchFamily="2" charset="0"/>
+              </a:rPr>
+              <a:t>base_dir</a:t>
+            </a:r>
+            <a:r>
+              <a:rPr lang="en-GB" sz="1200" b="1" dirty="0">
+                <a:solidFill>
+                  <a:srgbClr val="921A20"/>
+                </a:solidFill>
+                <a:latin typeface="Courier-Bold" pitchFamily="2" charset="0"/>
+              </a:rPr>
+              <a:t>: </a:t>
+            </a:r>
+            <a:r>
+              <a:rPr lang="en-GB" sz="1200" dirty="0">
+                <a:solidFill>
+                  <a:srgbClr val="000000"/>
+                </a:solidFill>
+                <a:latin typeface="Courier" pitchFamily="2" charset="0"/>
+              </a:rPr>
+              <a:t>&lt;</a:t>
+            </a:r>
+            <a:r>
+              <a:rPr lang="en-GB" sz="1200" dirty="0" err="1">
+                <a:solidFill>
+                  <a:srgbClr val="000000"/>
+                </a:solidFill>
+                <a:latin typeface="Courier" pitchFamily="2" charset="0"/>
+              </a:rPr>
+              <a:t>your_basedir</a:t>
+            </a:r>
+            <a:r>
+              <a:rPr lang="en-GB" sz="1200" dirty="0">
+                <a:solidFill>
+                  <a:srgbClr val="000000"/>
+                </a:solidFill>
+                <a:latin typeface="Courier" pitchFamily="2" charset="0"/>
+              </a:rPr>
+              <a:t>&gt;</a:t>
+            </a:r>
+          </a:p>
+          <a:p>
+            <a:r>
+              <a:rPr lang="en-GB" sz="1200" dirty="0">
+                <a:solidFill>
+                  <a:srgbClr val="0F7001"/>
+                </a:solidFill>
+                <a:latin typeface="Courier" pitchFamily="2" charset="0"/>
+              </a:rPr>
+              <a:t>        </a:t>
+            </a:r>
+            <a:r>
+              <a:rPr lang="en-GB" sz="1200" dirty="0" err="1">
+                <a:solidFill>
+                  <a:srgbClr val="0F7001"/>
+                </a:solidFill>
+                <a:latin typeface="Courier" pitchFamily="2" charset="0"/>
+              </a:rPr>
+              <a:t>nyear</a:t>
+            </a:r>
+            <a:r>
+              <a:rPr lang="en-GB" sz="1200" b="1" dirty="0">
+                <a:solidFill>
+                  <a:srgbClr val="921A20"/>
+                </a:solidFill>
+                <a:latin typeface="Courier-Bold" pitchFamily="2" charset="0"/>
+              </a:rPr>
+              <a:t>: </a:t>
+            </a:r>
+            <a:r>
+              <a:rPr lang="en-GB" sz="1200" dirty="0">
+                <a:solidFill>
+                  <a:srgbClr val="000000"/>
+                </a:solidFill>
+                <a:latin typeface="Courier" pitchFamily="2" charset="0"/>
+              </a:rPr>
+              <a:t>0</a:t>
+            </a:r>
+          </a:p>
+          <a:p>
+            <a:r>
+              <a:rPr lang="en-GB" sz="1200" dirty="0">
+                <a:solidFill>
+                  <a:srgbClr val="0F7001"/>
+                </a:solidFill>
+                <a:latin typeface="Courier" pitchFamily="2" charset="0"/>
+              </a:rPr>
+              <a:t>        </a:t>
+            </a:r>
+            <a:r>
+              <a:rPr lang="en-GB" sz="1200" dirty="0" err="1">
+                <a:solidFill>
+                  <a:srgbClr val="0F7001"/>
+                </a:solidFill>
+                <a:latin typeface="Courier" pitchFamily="2" charset="0"/>
+              </a:rPr>
+              <a:t>nmonth</a:t>
+            </a:r>
+            <a:r>
+              <a:rPr lang="en-GB" sz="1200" b="1" dirty="0">
+                <a:solidFill>
+                  <a:srgbClr val="921A20"/>
+                </a:solidFill>
+                <a:latin typeface="Courier-Bold" pitchFamily="2" charset="0"/>
+              </a:rPr>
+              <a:t>: </a:t>
+            </a:r>
+            <a:r>
+              <a:rPr lang="en-GB" sz="1200" dirty="0">
+                <a:solidFill>
+                  <a:srgbClr val="000000"/>
+                </a:solidFill>
+                <a:latin typeface="Courier" pitchFamily="2" charset="0"/>
+              </a:rPr>
+              <a:t>1</a:t>
+            </a:r>
+          </a:p>
+          <a:p>
+            <a:r>
+              <a:rPr lang="en-GB" sz="1200" dirty="0">
+                <a:solidFill>
+                  <a:srgbClr val="0F7001"/>
+                </a:solidFill>
+                <a:latin typeface="Courier" pitchFamily="2" charset="0"/>
+              </a:rPr>
+              <a:t>        </a:t>
+            </a:r>
+            <a:r>
+              <a:rPr lang="en-GB" sz="1200" dirty="0" err="1">
+                <a:solidFill>
+                  <a:srgbClr val="0F7001"/>
+                </a:solidFill>
+                <a:latin typeface="Courier" pitchFamily="2" charset="0"/>
+              </a:rPr>
+              <a:t>nday</a:t>
+            </a:r>
+            <a:r>
+              <a:rPr lang="en-GB" sz="1200" b="1" dirty="0">
+                <a:solidFill>
+                  <a:srgbClr val="921A20"/>
+                </a:solidFill>
+                <a:latin typeface="Courier-Bold" pitchFamily="2" charset="0"/>
+              </a:rPr>
+              <a:t>: </a:t>
+            </a:r>
+            <a:r>
+              <a:rPr lang="en-GB" sz="1200" dirty="0">
+                <a:solidFill>
+                  <a:srgbClr val="000000"/>
+                </a:solidFill>
+                <a:latin typeface="Courier" pitchFamily="2" charset="0"/>
+              </a:rPr>
+              <a:t>0</a:t>
+            </a:r>
+          </a:p>
+          <a:p>
+            <a:r>
+              <a:rPr lang="en-GB" sz="1200" dirty="0">
+                <a:solidFill>
+                  <a:srgbClr val="0F7001"/>
+                </a:solidFill>
+                <a:latin typeface="Courier" pitchFamily="2" charset="0"/>
+              </a:rPr>
+              <a:t>        </a:t>
+            </a:r>
+            <a:r>
+              <a:rPr lang="en-GB" sz="1200" dirty="0" err="1">
+                <a:solidFill>
+                  <a:srgbClr val="0F7001"/>
+                </a:solidFill>
+                <a:latin typeface="Courier" pitchFamily="2" charset="0"/>
+              </a:rPr>
+              <a:t>use_venv</a:t>
+            </a:r>
+            <a:r>
+              <a:rPr lang="en-GB" sz="1200" b="1" dirty="0">
+                <a:solidFill>
+                  <a:srgbClr val="921A20"/>
+                </a:solidFill>
+                <a:latin typeface="Courier-Bold" pitchFamily="2" charset="0"/>
+              </a:rPr>
+              <a:t>: </a:t>
+            </a:r>
+            <a:r>
+              <a:rPr lang="en-GB" sz="1200" dirty="0">
+                <a:solidFill>
+                  <a:srgbClr val="000000"/>
+                </a:solidFill>
+                <a:latin typeface="Courier" pitchFamily="2" charset="0"/>
+              </a:rPr>
+              <a:t>False</a:t>
+            </a:r>
+          </a:p>
+          <a:p>
+            <a:r>
+              <a:rPr lang="en-GB" sz="1200" b="1" dirty="0" err="1">
+                <a:solidFill>
+                  <a:srgbClr val="0E6E35"/>
+                </a:solidFill>
+                <a:latin typeface="Courier" pitchFamily="2" charset="0"/>
+              </a:rPr>
+              <a:t>fesom</a:t>
+            </a:r>
+            <a:r>
+              <a:rPr lang="en-GB" sz="1200" dirty="0">
+                <a:solidFill>
+                  <a:srgbClr val="000000"/>
+                </a:solidFill>
+                <a:latin typeface="Courier" pitchFamily="2" charset="0"/>
+              </a:rPr>
+              <a:t>:</a:t>
+            </a:r>
+          </a:p>
+          <a:p>
+            <a:r>
+              <a:rPr lang="en-GB" sz="1200" dirty="0">
+                <a:solidFill>
+                  <a:srgbClr val="0F7001"/>
+                </a:solidFill>
+                <a:latin typeface="Courier" pitchFamily="2" charset="0"/>
+              </a:rPr>
+              <a:t>        version</a:t>
+            </a:r>
+            <a:r>
+              <a:rPr lang="en-GB" sz="1200" b="1" dirty="0">
+                <a:solidFill>
+                  <a:srgbClr val="921A20"/>
+                </a:solidFill>
+                <a:latin typeface="Courier-Bold" pitchFamily="2" charset="0"/>
+              </a:rPr>
+              <a:t>: </a:t>
+            </a:r>
+            <a:r>
+              <a:rPr lang="en-GB" sz="1200" dirty="0">
+                <a:solidFill>
+                  <a:srgbClr val="000000"/>
+                </a:solidFill>
+                <a:latin typeface="Courier" pitchFamily="2" charset="0"/>
+              </a:rPr>
+              <a:t>2.1</a:t>
+            </a:r>
+          </a:p>
+          <a:p>
+            <a:r>
+              <a:rPr lang="en-GB" sz="1200" dirty="0">
+                <a:solidFill>
+                  <a:srgbClr val="0F7001"/>
+                </a:solidFill>
+                <a:latin typeface="Courier" pitchFamily="2" charset="0"/>
+              </a:rPr>
+              <a:t>        </a:t>
+            </a:r>
+            <a:r>
+              <a:rPr lang="en-GB" sz="1200" dirty="0" err="1">
+                <a:solidFill>
+                  <a:srgbClr val="0F7001"/>
+                </a:solidFill>
+                <a:latin typeface="Courier" pitchFamily="2" charset="0"/>
+              </a:rPr>
+              <a:t>model_dir</a:t>
+            </a:r>
+            <a:r>
+              <a:rPr lang="en-GB" sz="1200" b="1" dirty="0">
+                <a:solidFill>
+                  <a:srgbClr val="921A20"/>
+                </a:solidFill>
+                <a:latin typeface="Courier-Bold" pitchFamily="2" charset="0"/>
+              </a:rPr>
+              <a:t>: </a:t>
+            </a:r>
+            <a:r>
+              <a:rPr lang="en-GB" sz="1200" dirty="0">
+                <a:solidFill>
+                  <a:srgbClr val="000000"/>
+                </a:solidFill>
+                <a:latin typeface="Courier" pitchFamily="2" charset="0"/>
+              </a:rPr>
+              <a:t>&lt;</a:t>
+            </a:r>
+            <a:r>
+              <a:rPr lang="en-GB" sz="1200" dirty="0" err="1">
+                <a:solidFill>
+                  <a:srgbClr val="000000"/>
+                </a:solidFill>
+                <a:latin typeface="Courier" pitchFamily="2" charset="0"/>
+              </a:rPr>
+              <a:t>your_model_dir</a:t>
+            </a:r>
+            <a:r>
+              <a:rPr lang="en-GB" sz="1200" dirty="0">
+                <a:solidFill>
+                  <a:srgbClr val="000000"/>
+                </a:solidFill>
+                <a:latin typeface="Courier" pitchFamily="2" charset="0"/>
+              </a:rPr>
+              <a:t>&gt;</a:t>
+            </a:r>
+          </a:p>
+          <a:p>
+            <a:r>
+              <a:rPr lang="en-GB" sz="1200" dirty="0">
+                <a:solidFill>
+                  <a:srgbClr val="0F7001"/>
+                </a:solidFill>
+                <a:latin typeface="Courier" pitchFamily="2" charset="0"/>
+              </a:rPr>
+              <a:t>        </a:t>
+            </a:r>
+            <a:r>
+              <a:rPr lang="en-GB" sz="1200" dirty="0" err="1">
+                <a:solidFill>
+                  <a:srgbClr val="0F7001"/>
+                </a:solidFill>
+                <a:latin typeface="Courier" pitchFamily="2" charset="0"/>
+              </a:rPr>
+              <a:t>lresume</a:t>
+            </a:r>
+            <a:r>
+              <a:rPr lang="en-GB" sz="1200" b="1" dirty="0">
+                <a:solidFill>
+                  <a:srgbClr val="921A20"/>
+                </a:solidFill>
+                <a:latin typeface="Courier-Bold" pitchFamily="2" charset="0"/>
+              </a:rPr>
+              <a:t>: </a:t>
+            </a:r>
+            <a:r>
+              <a:rPr lang="en-GB" sz="1200" dirty="0">
+                <a:solidFill>
+                  <a:srgbClr val="000000"/>
+                </a:solidFill>
+                <a:latin typeface="Courier" pitchFamily="2" charset="0"/>
+              </a:rPr>
+              <a:t>0</a:t>
+            </a:r>
+          </a:p>
+          <a:p>
+            <a:r>
+              <a:rPr lang="en-GB" sz="1200" dirty="0">
+                <a:solidFill>
+                  <a:srgbClr val="0F7001"/>
+                </a:solidFill>
+                <a:latin typeface="Courier" pitchFamily="2" charset="0"/>
+              </a:rPr>
+              <a:t>        </a:t>
+            </a:r>
+            <a:r>
+              <a:rPr lang="en-GB" sz="1200" dirty="0" err="1">
+                <a:solidFill>
+                  <a:srgbClr val="0F7001"/>
+                </a:solidFill>
+                <a:latin typeface="Courier" pitchFamily="2" charset="0"/>
+              </a:rPr>
+              <a:t>restart_rate</a:t>
+            </a:r>
+            <a:r>
+              <a:rPr lang="en-GB" sz="1200" b="1" dirty="0">
+                <a:solidFill>
+                  <a:srgbClr val="921A20"/>
+                </a:solidFill>
+                <a:latin typeface="Courier-Bold" pitchFamily="2" charset="0"/>
+              </a:rPr>
+              <a:t>: </a:t>
+            </a:r>
+            <a:r>
+              <a:rPr lang="en-GB" sz="1200" dirty="0">
+                <a:solidFill>
+                  <a:srgbClr val="000000"/>
+                </a:solidFill>
+                <a:latin typeface="Courier" pitchFamily="2" charset="0"/>
+              </a:rPr>
+              <a:t>1</a:t>
+            </a:r>
+          </a:p>
+          <a:p>
+            <a:r>
+              <a:rPr lang="en-GB" sz="1200" dirty="0">
+                <a:solidFill>
+                  <a:srgbClr val="0F7001"/>
+                </a:solidFill>
+                <a:latin typeface="Courier" pitchFamily="2" charset="0"/>
+              </a:rPr>
+              <a:t>        </a:t>
+            </a:r>
+            <a:r>
+              <a:rPr lang="en-GB" sz="1200" dirty="0" err="1">
+                <a:solidFill>
+                  <a:srgbClr val="0F7001"/>
+                </a:solidFill>
+                <a:latin typeface="Courier" pitchFamily="2" charset="0"/>
+              </a:rPr>
+              <a:t>restart_first</a:t>
+            </a:r>
+            <a:r>
+              <a:rPr lang="en-GB" sz="1200" b="1" dirty="0">
+                <a:solidFill>
+                  <a:srgbClr val="921A20"/>
+                </a:solidFill>
+                <a:latin typeface="Courier-Bold" pitchFamily="2" charset="0"/>
+              </a:rPr>
+              <a:t>: </a:t>
+            </a:r>
+            <a:r>
+              <a:rPr lang="en-GB" sz="1200" dirty="0">
+                <a:solidFill>
+                  <a:srgbClr val="000000"/>
+                </a:solidFill>
+                <a:latin typeface="Courier" pitchFamily="2" charset="0"/>
+              </a:rPr>
+              <a:t>1</a:t>
+            </a:r>
+          </a:p>
+          <a:p>
+            <a:r>
+              <a:rPr lang="en-GB" sz="1200" dirty="0">
+                <a:solidFill>
+                  <a:srgbClr val="0F7001"/>
+                </a:solidFill>
+                <a:latin typeface="Courier" pitchFamily="2" charset="0"/>
+              </a:rPr>
+              <a:t>        </a:t>
+            </a:r>
+            <a:r>
+              <a:rPr lang="en-GB" sz="1200" dirty="0" err="1">
+                <a:solidFill>
+                  <a:srgbClr val="0F7001"/>
+                </a:solidFill>
+                <a:latin typeface="Courier" pitchFamily="2" charset="0"/>
+              </a:rPr>
+              <a:t>restart_unit</a:t>
+            </a:r>
+            <a:r>
+              <a:rPr lang="en-GB" sz="1200" b="1" dirty="0">
+                <a:solidFill>
+                  <a:srgbClr val="921A20"/>
+                </a:solidFill>
+                <a:latin typeface="Courier-Bold" pitchFamily="2" charset="0"/>
+              </a:rPr>
+              <a:t>: </a:t>
+            </a:r>
+            <a:r>
+              <a:rPr lang="en-GB" sz="1200" dirty="0">
+                <a:solidFill>
+                  <a:srgbClr val="000000"/>
+                </a:solidFill>
+                <a:latin typeface="Courier" pitchFamily="2" charset="0"/>
+              </a:rPr>
+              <a:t>'m’</a:t>
+            </a:r>
+          </a:p>
+          <a:p>
+            <a:r>
+              <a:rPr lang="en-GB" sz="1200" dirty="0">
+                <a:solidFill>
+                  <a:srgbClr val="0F7001"/>
+                </a:solidFill>
+                <a:latin typeface="Courier" pitchFamily="2" charset="0"/>
+              </a:rPr>
+              <a:t>        </a:t>
+            </a:r>
+            <a:r>
+              <a:rPr lang="en-GB" sz="1200" dirty="0" err="1">
+                <a:solidFill>
+                  <a:srgbClr val="0F7001"/>
+                </a:solidFill>
+                <a:latin typeface="Courier" pitchFamily="2" charset="0"/>
+              </a:rPr>
+              <a:t>post_processing</a:t>
+            </a:r>
+            <a:r>
+              <a:rPr lang="en-GB" sz="1200" b="1" dirty="0">
+                <a:solidFill>
+                  <a:srgbClr val="921A20"/>
+                </a:solidFill>
+                <a:latin typeface="Courier-Bold" pitchFamily="2" charset="0"/>
+              </a:rPr>
+              <a:t>: </a:t>
+            </a:r>
+            <a:r>
+              <a:rPr lang="en-GB" sz="1200" dirty="0">
+                <a:solidFill>
+                  <a:srgbClr val="000000"/>
+                </a:solidFill>
+                <a:latin typeface="Courier" pitchFamily="2" charset="0"/>
+              </a:rPr>
+              <a:t>0 </a:t>
+            </a:r>
+            <a:endParaRPr lang="en-GB" sz="1200" dirty="0"/>
+          </a:p>
+        </p:txBody>
+      </p:sp>
+      <p:sp>
+        <p:nvSpPr>
+          <p:cNvPr id="4" name="Rectangle 3">
+            <a:extLst>
+              <a:ext uri="{FF2B5EF4-FFF2-40B4-BE49-F238E27FC236}">
+                <a16:creationId xmlns:a16="http://schemas.microsoft.com/office/drawing/2014/main" id="{D7D3CD01-BCBF-0331-77DF-102A8017C2BE}"/>
+              </a:ext>
+            </a:extLst>
+          </p:cNvPr>
+          <p:cNvSpPr/>
+          <p:nvPr/>
+        </p:nvSpPr>
+        <p:spPr>
+          <a:xfrm>
+            <a:off x="1323659" y="3871477"/>
+            <a:ext cx="3858639" cy="2862322"/>
+          </a:xfrm>
+          <a:prstGeom prst="rect">
+            <a:avLst/>
+          </a:prstGeom>
+        </p:spPr>
+        <p:txBody>
+          <a:bodyPr wrap="square">
+            <a:spAutoFit/>
+          </a:bodyPr>
+          <a:lstStyle/>
+          <a:p>
+            <a:r>
+              <a:rPr lang="en-GB" b="1" dirty="0" err="1">
+                <a:solidFill>
+                  <a:schemeClr val="accent2"/>
+                </a:solidFill>
+                <a:latin typeface="Monaco" pitchFamily="2" charset="77"/>
+              </a:rPr>
+              <a:t>runscripts</a:t>
+            </a:r>
+            <a:endParaRPr lang="en-GB" b="1" dirty="0">
+              <a:solidFill>
+                <a:schemeClr val="accent2"/>
+              </a:solidFill>
+              <a:latin typeface="Monaco" pitchFamily="2" charset="77"/>
+            </a:endParaRPr>
+          </a:p>
+          <a:p>
+            <a:r>
+              <a:rPr lang="en-GB" dirty="0">
+                <a:latin typeface="Monaco" pitchFamily="2" charset="77"/>
+              </a:rPr>
+              <a:t>configs</a:t>
+            </a:r>
+          </a:p>
+          <a:p>
+            <a:r>
+              <a:rPr lang="en-GB" dirty="0"/>
+              <a:t>	</a:t>
+            </a:r>
+            <a:r>
+              <a:rPr lang="en-GB" sz="1600" dirty="0">
+                <a:solidFill>
+                  <a:srgbClr val="31ACE6"/>
+                </a:solidFill>
+                <a:latin typeface="Monaco" pitchFamily="2" charset="77"/>
+              </a:rPr>
+              <a:t>components</a:t>
+            </a:r>
+            <a:r>
+              <a:rPr lang="en-GB" dirty="0"/>
+              <a:t>    		</a:t>
+            </a:r>
+          </a:p>
+          <a:p>
+            <a:r>
+              <a:rPr lang="en-GB" dirty="0"/>
+              <a:t>	</a:t>
+            </a:r>
+            <a:r>
+              <a:rPr lang="en-GB" sz="1600" b="1" dirty="0">
+                <a:solidFill>
+                  <a:schemeClr val="accent2"/>
+                </a:solidFill>
+                <a:latin typeface="Monaco" pitchFamily="2" charset="77"/>
+              </a:rPr>
+              <a:t>setups</a:t>
+            </a:r>
+            <a:r>
+              <a:rPr lang="en-GB" dirty="0"/>
+              <a:t> 		</a:t>
+            </a:r>
+          </a:p>
+          <a:p>
+            <a:r>
+              <a:rPr lang="en-GB" dirty="0"/>
+              <a:t>	</a:t>
+            </a:r>
+            <a:r>
+              <a:rPr lang="en-GB" sz="1600" dirty="0">
+                <a:solidFill>
+                  <a:srgbClr val="31ACE6"/>
+                </a:solidFill>
+                <a:latin typeface="Monaco" pitchFamily="2" charset="77"/>
+              </a:rPr>
+              <a:t>machines</a:t>
+            </a:r>
+            <a:r>
+              <a:rPr lang="en-GB" dirty="0"/>
+              <a:t>		</a:t>
+            </a:r>
+          </a:p>
+          <a:p>
+            <a:r>
+              <a:rPr lang="en-GB" dirty="0"/>
+              <a:t>	</a:t>
+            </a:r>
+            <a:r>
+              <a:rPr lang="en-GB" sz="1600" dirty="0">
+                <a:latin typeface="Monaco" pitchFamily="2" charset="77"/>
+              </a:rPr>
+              <a:t>coupling</a:t>
+            </a:r>
+            <a:r>
+              <a:rPr lang="en-GB" dirty="0"/>
+              <a:t>		</a:t>
+            </a:r>
+          </a:p>
+          <a:p>
+            <a:r>
+              <a:rPr lang="en-GB" dirty="0"/>
+              <a:t>				</a:t>
+            </a:r>
+          </a:p>
+          <a:p>
+            <a:r>
+              <a:rPr lang="en-GB" dirty="0"/>
+              <a:t>	</a:t>
+            </a:r>
+            <a:r>
+              <a:rPr lang="en-GB" sz="1600" dirty="0">
+                <a:latin typeface="Monaco" pitchFamily="2" charset="77"/>
+              </a:rPr>
+              <a:t>default</a:t>
+            </a:r>
+            <a:r>
+              <a:rPr lang="en-GB" dirty="0"/>
+              <a:t> 		</a:t>
+            </a:r>
+          </a:p>
+          <a:p>
+            <a:r>
+              <a:rPr lang="en-GB" dirty="0"/>
+              <a:t>	</a:t>
+            </a:r>
+            <a:r>
+              <a:rPr lang="en-GB" sz="1600" dirty="0" err="1">
+                <a:latin typeface="Monaco" pitchFamily="2" charset="77"/>
+              </a:rPr>
+              <a:t>esm_software</a:t>
+            </a:r>
+            <a:r>
+              <a:rPr lang="en-GB" sz="1600" dirty="0">
+                <a:latin typeface="Monaco" pitchFamily="2" charset="77"/>
+              </a:rPr>
+              <a:t> </a:t>
+            </a:r>
+            <a:r>
+              <a:rPr lang="en-GB" dirty="0"/>
+              <a:t>	</a:t>
+            </a:r>
+          </a:p>
+          <a:p>
+            <a:r>
+              <a:rPr lang="en-GB" dirty="0"/>
+              <a:t>	</a:t>
+            </a:r>
+            <a:r>
+              <a:rPr lang="en-GB" sz="1600" dirty="0" err="1">
+                <a:latin typeface="Monaco" pitchFamily="2" charset="77"/>
+              </a:rPr>
+              <a:t>other_software</a:t>
+            </a:r>
+            <a:endParaRPr lang="en-GB" dirty="0"/>
+          </a:p>
+        </p:txBody>
+      </p:sp>
+      <p:sp>
+        <p:nvSpPr>
+          <p:cNvPr id="42" name="Rectangle 41">
+            <a:extLst>
+              <a:ext uri="{FF2B5EF4-FFF2-40B4-BE49-F238E27FC236}">
+                <a16:creationId xmlns:a16="http://schemas.microsoft.com/office/drawing/2014/main" id="{B1144085-8951-F7D1-A039-82FB47C5948C}"/>
+              </a:ext>
+            </a:extLst>
+          </p:cNvPr>
+          <p:cNvSpPr/>
+          <p:nvPr/>
+        </p:nvSpPr>
+        <p:spPr>
+          <a:xfrm>
+            <a:off x="8054502" y="2752928"/>
+            <a:ext cx="758758" cy="204281"/>
+          </a:xfrm>
+          <a:prstGeom prst="rect">
+            <a:avLst/>
+          </a:prstGeom>
+          <a:noFill/>
+          <a:ln w="28575">
+            <a:solidFill>
+              <a:srgbClr val="ED7D31"/>
+            </a:solidFill>
+          </a:ln>
+        </p:spPr>
+        <p:style>
+          <a:lnRef idx="2">
+            <a:schemeClr val="accent1">
+              <a:shade val="50000"/>
+            </a:schemeClr>
+          </a:lnRef>
+          <a:fillRef idx="1">
+            <a:schemeClr val="accent1"/>
+          </a:fillRef>
+          <a:effectRef idx="0">
+            <a:schemeClr val="accent1"/>
+          </a:effectRef>
+          <a:fontRef idx="minor">
+            <a:schemeClr val="lt1"/>
+          </a:fontRef>
+        </p:style>
+        <p:txBody>
+          <a:bodyPr rtlCol="0" anchor="ctr"/>
+          <a:lstStyle/>
+          <a:p>
+            <a:pPr algn="ctr"/>
+            <a:endParaRPr lang="en-GB"/>
+          </a:p>
+        </p:txBody>
+      </p:sp>
+      <p:sp>
+        <p:nvSpPr>
+          <p:cNvPr id="43" name="Rectangle 42">
+            <a:extLst>
+              <a:ext uri="{FF2B5EF4-FFF2-40B4-BE49-F238E27FC236}">
+                <a16:creationId xmlns:a16="http://schemas.microsoft.com/office/drawing/2014/main" id="{E13A18FF-471B-EFDD-8F50-1F2A8E12A117}"/>
+              </a:ext>
+            </a:extLst>
+          </p:cNvPr>
+          <p:cNvSpPr/>
+          <p:nvPr/>
+        </p:nvSpPr>
+        <p:spPr>
+          <a:xfrm>
+            <a:off x="7992008" y="4783288"/>
+            <a:ext cx="758758" cy="204281"/>
+          </a:xfrm>
+          <a:prstGeom prst="rect">
+            <a:avLst/>
+          </a:prstGeom>
+          <a:noFill/>
+          <a:ln w="28575">
+            <a:solidFill>
+              <a:srgbClr val="ED7D31"/>
+            </a:solidFill>
+          </a:ln>
+        </p:spPr>
+        <p:style>
+          <a:lnRef idx="2">
+            <a:schemeClr val="accent1">
+              <a:shade val="50000"/>
+            </a:schemeClr>
+          </a:lnRef>
+          <a:fillRef idx="1">
+            <a:schemeClr val="accent1"/>
+          </a:fillRef>
+          <a:effectRef idx="0">
+            <a:schemeClr val="accent1"/>
+          </a:effectRef>
+          <a:fontRef idx="minor">
+            <a:schemeClr val="lt1"/>
+          </a:fontRef>
+        </p:style>
+        <p:txBody>
+          <a:bodyPr rtlCol="0" anchor="ctr"/>
+          <a:lstStyle/>
+          <a:p>
+            <a:pPr algn="ctr"/>
+            <a:endParaRPr lang="en-GB"/>
+          </a:p>
+        </p:txBody>
+      </p:sp>
+    </p:spTree>
+    <p:extLst>
+      <p:ext uri="{BB962C8B-B14F-4D97-AF65-F5344CB8AC3E}">
+        <p14:creationId xmlns:p14="http://schemas.microsoft.com/office/powerpoint/2010/main" val="2383103563"/>
+      </p:ext>
+    </p:extLst>
+  </p:cSld>
+  <p:clrMapOvr>
+    <a:masterClrMapping/>
+  </p:clrMapOvr>
+  <p:timing>
+    <p:tnLst>
+      <p:par>
+        <p:cTn id="1" dur="indefinite" restart="never" nodeType="tmRoot">
+          <p:childTnLst>
+            <p:seq concurrent="1" nextAc="seek">
+              <p:cTn id="2" dur="indefinite" nodeType="mainSeq">
+                <p:childTnLst>
+                  <p:par>
+                    <p:cTn id="3" fill="hold">
+                      <p:stCondLst>
+                        <p:cond delay="indefinite"/>
+                      </p:stCondLst>
+                      <p:childTnLst>
+                        <p:par>
+                          <p:cTn id="4" fill="hold">
+                            <p:stCondLst>
+                              <p:cond delay="0"/>
+                            </p:stCondLst>
+                            <p:childTnLst>
+                              <p:par>
+                                <p:cTn id="5" presetID="1" presetClass="entr" presetSubtype="0" fill="hold" grpId="0" nodeType="clickEffect">
+                                  <p:stCondLst>
+                                    <p:cond delay="0"/>
+                                  </p:stCondLst>
+                                  <p:childTnLst>
+                                    <p:set>
+                                      <p:cBhvr>
+                                        <p:cTn id="6" dur="1" fill="hold">
+                                          <p:stCondLst>
+                                            <p:cond delay="0"/>
+                                          </p:stCondLst>
+                                        </p:cTn>
+                                        <p:tgtEl>
+                                          <p:spTgt spid="43"/>
+                                        </p:tgtEl>
+                                        <p:attrNameLst>
+                                          <p:attrName>style.visibility</p:attrName>
+                                        </p:attrNameLst>
+                                      </p:cBhvr>
+                                      <p:to>
+                                        <p:strVal val="visible"/>
+                                      </p:to>
+                                    </p:set>
+                                  </p:childTnLst>
+                                </p:cTn>
+                              </p:par>
+                              <p:par>
+                                <p:cTn id="7" presetID="1" presetClass="entr" presetSubtype="0" fill="hold" grpId="0" nodeType="withEffect">
+                                  <p:stCondLst>
+                                    <p:cond delay="0"/>
+                                  </p:stCondLst>
+                                  <p:childTnLst>
+                                    <p:set>
+                                      <p:cBhvr>
+                                        <p:cTn id="8" dur="1" fill="hold">
+                                          <p:stCondLst>
+                                            <p:cond delay="0"/>
+                                          </p:stCondLst>
+                                        </p:cTn>
+                                        <p:tgtEl>
+                                          <p:spTgt spid="42"/>
+                                        </p:tgtEl>
+                                        <p:attrNameLst>
+                                          <p:attrName>style.visibility</p:attrName>
+                                        </p:attrNameLst>
+                                      </p:cBhvr>
+                                      <p:to>
+                                        <p:strVal val="visible"/>
+                                      </p:to>
+                                    </p:set>
+                                  </p:childTnLst>
+                                </p:cTn>
+                              </p:par>
+                            </p:childTnLst>
+                          </p:cTn>
+                        </p:par>
+                      </p:childTnLst>
+                    </p:cTn>
+                  </p:par>
+                </p:childTnLst>
+              </p:cTn>
+              <p:prevCondLst>
+                <p:cond evt="onPrev" delay="0">
+                  <p:tgtEl>
+                    <p:sldTgt/>
+                  </p:tgtEl>
+                </p:cond>
+              </p:prevCondLst>
+              <p:nextCondLst>
+                <p:cond evt="onNext" delay="0">
+                  <p:tgtEl>
+                    <p:sldTgt/>
+                  </p:tgtEl>
+                </p:cond>
+              </p:nextCondLst>
+            </p:seq>
+          </p:childTnLst>
+        </p:cTn>
+      </p:par>
+    </p:tnLst>
+    <p:bldLst>
+      <p:bldP spid="42" grpId="0" animBg="1"/>
+      <p:bldP spid="43" grpId="0" animBg="1"/>
+    </p:bldLst>
+  </p:timing>
+</p:sld>
+</file>
+
+<file path=ppt/slides/slide6.xml><?xml version="1.0" encoding="utf-8"?>
+<p:sld xmlns:a="http://schemas.openxmlformats.org/drawingml/2006/main" xmlns:r="http://schemas.openxmlformats.org/officeDocument/2006/relationships" xmlns:p="http://schemas.openxmlformats.org/presentationml/2006/main">
+  <p:cSld>
+    <p:spTree>
+      <p:nvGrpSpPr>
+        <p:cNvPr id="1" name=""/>
+        <p:cNvGrpSpPr/>
+        <p:nvPr/>
+      </p:nvGrpSpPr>
+      <p:grpSpPr>
+        <a:xfrm>
+          <a:off x="0" y="0"/>
+          <a:ext cx="0" cy="0"/>
+          <a:chOff x="0" y="0"/>
+          <a:chExt cx="0" cy="0"/>
+        </a:xfrm>
+      </p:grpSpPr>
+      <p:sp>
+        <p:nvSpPr>
+          <p:cNvPr id="2" name="Rectangle 1"/>
+          <p:cNvSpPr/>
+          <p:nvPr/>
+        </p:nvSpPr>
+        <p:spPr>
+          <a:xfrm>
+            <a:off x="0" y="2"/>
+            <a:ext cx="12192000" cy="1296364"/>
+          </a:xfrm>
+          <a:prstGeom prst="rect">
+            <a:avLst/>
+          </a:prstGeom>
+          <a:solidFill>
+            <a:srgbClr val="00ACE6"/>
+          </a:solidFill>
+          <a:ln>
+            <a:noFill/>
+          </a:ln>
+        </p:spPr>
+        <p:style>
+          <a:lnRef idx="2">
+            <a:schemeClr val="accent1">
+              <a:shade val="50000"/>
+            </a:schemeClr>
+          </a:lnRef>
+          <a:fillRef idx="1">
+            <a:schemeClr val="accent1"/>
+          </a:fillRef>
+          <a:effectRef idx="0">
+            <a:schemeClr val="accent1"/>
+          </a:effectRef>
+          <a:fontRef idx="minor">
+            <a:schemeClr val="lt1"/>
+          </a:fontRef>
+        </p:style>
+        <p:txBody>
+          <a:bodyPr rtlCol="0" anchor="ctr"/>
+          <a:lstStyle/>
+          <a:p>
+            <a:r>
+              <a:rPr lang="en-GB" sz="4800" b="1" dirty="0"/>
+              <a:t>Terminology – feature variables</a:t>
+            </a:r>
+          </a:p>
+        </p:txBody>
+      </p:sp>
+      <p:sp>
+        <p:nvSpPr>
+          <p:cNvPr id="7" name="Isosceles Triangle 6"/>
+          <p:cNvSpPr/>
+          <p:nvPr/>
+        </p:nvSpPr>
+        <p:spPr>
+          <a:xfrm rot="5400000">
+            <a:off x="348693" y="1536407"/>
+            <a:ext cx="457812" cy="394666"/>
+          </a:xfrm>
+          <a:prstGeom prst="triangle">
+            <a:avLst/>
+          </a:prstGeom>
+          <a:solidFill>
+            <a:srgbClr val="00ACE6"/>
+          </a:solidFill>
+          <a:ln>
+            <a:noFill/>
+          </a:ln>
+        </p:spPr>
+        <p:style>
+          <a:lnRef idx="2">
+            <a:schemeClr val="accent1">
+              <a:shade val="50000"/>
+            </a:schemeClr>
+          </a:lnRef>
+          <a:fillRef idx="1">
+            <a:schemeClr val="accent1"/>
+          </a:fillRef>
+          <a:effectRef idx="0">
+            <a:schemeClr val="accent1"/>
+          </a:effectRef>
+          <a:fontRef idx="minor">
+            <a:schemeClr val="lt1"/>
+          </a:fontRef>
+        </p:style>
+        <p:txBody>
+          <a:bodyPr rtlCol="0" anchor="ctr"/>
+          <a:lstStyle/>
+          <a:p>
+            <a:pPr algn="ctr"/>
+            <a:endParaRPr lang="en-GB"/>
+          </a:p>
+        </p:txBody>
+      </p:sp>
+      <p:sp>
+        <p:nvSpPr>
+          <p:cNvPr id="14" name="TextBox 13"/>
+          <p:cNvSpPr txBox="1"/>
+          <p:nvPr/>
+        </p:nvSpPr>
+        <p:spPr>
+          <a:xfrm>
+            <a:off x="1061012" y="1467813"/>
+            <a:ext cx="11020741" cy="2677656"/>
+          </a:xfrm>
+          <a:prstGeom prst="rect">
+            <a:avLst/>
+          </a:prstGeom>
+          <a:noFill/>
+        </p:spPr>
+        <p:txBody>
+          <a:bodyPr wrap="square" rtlCol="0">
+            <a:spAutoFit/>
+          </a:bodyPr>
+          <a:lstStyle/>
+          <a:p>
+            <a:r>
+              <a:rPr lang="en-GB" sz="2400" dirty="0"/>
+              <a:t>Some variables in the </a:t>
+            </a:r>
+            <a:r>
+              <a:rPr lang="en-GB" sz="2400" dirty="0" err="1"/>
+              <a:t>yaml</a:t>
+            </a:r>
+            <a:r>
+              <a:rPr lang="en-GB" sz="2400" dirty="0"/>
+              <a:t> files trigger functionalities in ESM-Tools. Through this variables the </a:t>
+            </a:r>
+            <a:r>
+              <a:rPr lang="en-GB" sz="2400" b="1" dirty="0" err="1"/>
+              <a:t>yaml</a:t>
+            </a:r>
+            <a:r>
+              <a:rPr lang="en-GB" sz="2400" b="1" dirty="0"/>
+              <a:t> syntax is extended</a:t>
+            </a:r>
+            <a:r>
+              <a:rPr lang="en-GB" sz="2400" dirty="0"/>
+              <a:t>.</a:t>
+            </a:r>
+          </a:p>
+          <a:p>
+            <a:endParaRPr lang="en-GB" sz="2400" dirty="0"/>
+          </a:p>
+          <a:p>
+            <a:r>
+              <a:rPr lang="en-GB" sz="2400" dirty="0"/>
+              <a:t>We refer to this variables as </a:t>
+            </a:r>
+            <a:r>
+              <a:rPr lang="en-GB" sz="2400" b="1" dirty="0">
+                <a:solidFill>
+                  <a:srgbClr val="31ACE6"/>
+                </a:solidFill>
+              </a:rPr>
+              <a:t>feature variables</a:t>
+            </a:r>
+          </a:p>
+          <a:p>
+            <a:endParaRPr lang="en-GB" sz="2400" b="1" dirty="0">
+              <a:solidFill>
+                <a:srgbClr val="31ACE6"/>
+              </a:solidFill>
+            </a:endParaRPr>
+          </a:p>
+          <a:p>
+            <a:endParaRPr lang="en-GB" sz="2400" b="1" dirty="0"/>
+          </a:p>
+          <a:p>
+            <a:endParaRPr lang="en-GB" sz="2400" dirty="0"/>
+          </a:p>
+        </p:txBody>
+      </p:sp>
+      <p:sp>
+        <p:nvSpPr>
+          <p:cNvPr id="13" name="Rectangle 12">
+            <a:extLst>
+              <a:ext uri="{FF2B5EF4-FFF2-40B4-BE49-F238E27FC236}">
+                <a16:creationId xmlns:a16="http://schemas.microsoft.com/office/drawing/2014/main" id="{F7D833AE-C04F-F071-1939-127D9E6D897D}"/>
+              </a:ext>
+            </a:extLst>
+          </p:cNvPr>
+          <p:cNvSpPr/>
+          <p:nvPr/>
+        </p:nvSpPr>
+        <p:spPr>
+          <a:xfrm>
+            <a:off x="161197" y="4483032"/>
+            <a:ext cx="5276566" cy="461665"/>
+          </a:xfrm>
+          <a:prstGeom prst="rect">
+            <a:avLst/>
+          </a:prstGeom>
+          <a:solidFill>
+            <a:schemeClr val="bg2"/>
+          </a:solidFill>
+        </p:spPr>
+        <p:txBody>
+          <a:bodyPr wrap="square">
+            <a:spAutoFit/>
+          </a:bodyPr>
+          <a:lstStyle/>
+          <a:p>
+            <a:r>
+              <a:rPr lang="tr-TR" sz="1200" i="1" dirty="0">
+                <a:solidFill>
+                  <a:srgbClr val="FF0000"/>
+                </a:solidFill>
+                <a:latin typeface="Consolas" panose="020B0609020204030204" pitchFamily="49" charset="0"/>
+              </a:rPr>
+              <a:t># </a:t>
+            </a:r>
+            <a:r>
+              <a:rPr lang="tr-TR" sz="1200" i="1" dirty="0" err="1">
+                <a:solidFill>
+                  <a:srgbClr val="FF0000"/>
+                </a:solidFill>
+                <a:latin typeface="Consolas" panose="020B0609020204030204" pitchFamily="49" charset="0"/>
+              </a:rPr>
+              <a:t>creating</a:t>
+            </a:r>
+            <a:r>
+              <a:rPr lang="tr-TR" sz="1200" i="1" dirty="0">
+                <a:solidFill>
+                  <a:srgbClr val="FF0000"/>
+                </a:solidFill>
+                <a:latin typeface="Consolas" panose="020B0609020204030204" pitchFamily="49" charset="0"/>
+              </a:rPr>
+              <a:t> </a:t>
+            </a:r>
+            <a:r>
+              <a:rPr lang="tr-TR" sz="1200" i="1" dirty="0" err="1">
+                <a:solidFill>
+                  <a:srgbClr val="FF0000"/>
+                </a:solidFill>
+                <a:latin typeface="Consolas" panose="020B0609020204030204" pitchFamily="49" charset="0"/>
+              </a:rPr>
+              <a:t>and</a:t>
+            </a:r>
+            <a:r>
+              <a:rPr lang="tr-TR" sz="1200" i="1" dirty="0">
+                <a:solidFill>
+                  <a:srgbClr val="FF0000"/>
+                </a:solidFill>
+                <a:latin typeface="Consolas" panose="020B0609020204030204" pitchFamily="49" charset="0"/>
+              </a:rPr>
+              <a:t> </a:t>
+            </a:r>
+            <a:r>
+              <a:rPr lang="tr-TR" sz="1200" i="1" dirty="0" err="1">
+                <a:solidFill>
+                  <a:srgbClr val="FF0000"/>
+                </a:solidFill>
+                <a:latin typeface="Consolas" panose="020B0609020204030204" pitchFamily="49" charset="0"/>
+              </a:rPr>
+              <a:t>accessing</a:t>
+            </a:r>
+            <a:r>
+              <a:rPr lang="tr-TR" sz="1200" i="1" dirty="0">
+                <a:solidFill>
+                  <a:srgbClr val="FF0000"/>
+                </a:solidFill>
+                <a:latin typeface="Consolas" panose="020B0609020204030204" pitchFamily="49" charset="0"/>
+              </a:rPr>
+              <a:t> </a:t>
+            </a:r>
+            <a:r>
+              <a:rPr lang="tr-TR" sz="1200" i="1" dirty="0" err="1">
+                <a:solidFill>
+                  <a:srgbClr val="FF0000"/>
+                </a:solidFill>
+                <a:latin typeface="Consolas" panose="020B0609020204030204" pitchFamily="49" charset="0"/>
+              </a:rPr>
+              <a:t>variables</a:t>
+            </a:r>
+            <a:r>
+              <a:rPr lang="tr-TR" sz="1200" i="1" dirty="0">
+                <a:solidFill>
+                  <a:srgbClr val="FF0000"/>
+                </a:solidFill>
+                <a:latin typeface="Consolas" panose="020B0609020204030204" pitchFamily="49" charset="0"/>
+              </a:rPr>
+              <a:t> </a:t>
+            </a:r>
+            <a:r>
+              <a:rPr lang="tr-TR" sz="1200" i="1" dirty="0" err="1">
+                <a:solidFill>
+                  <a:srgbClr val="FF0000"/>
+                </a:solidFill>
+                <a:latin typeface="Consolas" panose="020B0609020204030204" pitchFamily="49" charset="0"/>
+              </a:rPr>
+              <a:t>from</a:t>
+            </a:r>
+            <a:r>
+              <a:rPr lang="tr-TR" sz="1200" i="1" dirty="0">
+                <a:solidFill>
+                  <a:srgbClr val="FF0000"/>
+                </a:solidFill>
+                <a:latin typeface="Consolas" panose="020B0609020204030204" pitchFamily="49" charset="0"/>
+              </a:rPr>
+              <a:t> </a:t>
+            </a:r>
+            <a:r>
+              <a:rPr lang="tr-TR" sz="1200" i="1" dirty="0" err="1">
+                <a:solidFill>
+                  <a:srgbClr val="FF0000"/>
+                </a:solidFill>
+                <a:latin typeface="Consolas" panose="020B0609020204030204" pitchFamily="49" charset="0"/>
+              </a:rPr>
+              <a:t>different</a:t>
+            </a:r>
+            <a:r>
+              <a:rPr lang="tr-TR" sz="1200" i="1" dirty="0">
+                <a:solidFill>
+                  <a:srgbClr val="FF0000"/>
+                </a:solidFill>
+                <a:latin typeface="Consolas" panose="020B0609020204030204" pitchFamily="49" charset="0"/>
+              </a:rPr>
+              <a:t> </a:t>
+            </a:r>
+            <a:r>
+              <a:rPr lang="tr-TR" sz="1200" i="1" dirty="0" err="1">
+                <a:solidFill>
+                  <a:srgbClr val="FF0000"/>
+                </a:solidFill>
+                <a:latin typeface="Consolas" panose="020B0609020204030204" pitchFamily="49" charset="0"/>
+              </a:rPr>
+              <a:t>sections</a:t>
+            </a:r>
+            <a:endParaRPr lang="tr-TR" sz="1200" i="1" dirty="0">
+              <a:solidFill>
+                <a:srgbClr val="FF0000"/>
+              </a:solidFill>
+              <a:latin typeface="Consolas" panose="020B0609020204030204" pitchFamily="49" charset="0"/>
+            </a:endParaRPr>
+          </a:p>
+          <a:p>
+            <a:r>
+              <a:rPr lang="tr-TR" sz="1200" dirty="0" err="1">
+                <a:solidFill>
+                  <a:srgbClr val="268BD2"/>
+                </a:solidFill>
+                <a:latin typeface="Consolas" panose="020B0609020204030204" pitchFamily="49" charset="0"/>
+              </a:rPr>
+              <a:t>ini_restart_dir</a:t>
+            </a:r>
+            <a:r>
+              <a:rPr lang="tr-TR" sz="1200" dirty="0">
+                <a:solidFill>
+                  <a:srgbClr val="657B83"/>
+                </a:solidFill>
+                <a:latin typeface="Consolas" panose="020B0609020204030204" pitchFamily="49" charset="0"/>
+              </a:rPr>
+              <a:t>: </a:t>
+            </a:r>
+            <a:r>
+              <a:rPr lang="tr-TR" sz="1200" dirty="0">
+                <a:solidFill>
+                  <a:srgbClr val="2AA198"/>
+                </a:solidFill>
+                <a:latin typeface="Consolas" panose="020B0609020204030204" pitchFamily="49" charset="0"/>
+              </a:rPr>
+              <a:t>"${</a:t>
+            </a:r>
+            <a:r>
+              <a:rPr lang="tr-TR" sz="1200" dirty="0" err="1">
+                <a:solidFill>
+                  <a:srgbClr val="2AA198"/>
+                </a:solidFill>
+                <a:latin typeface="Consolas" panose="020B0609020204030204" pitchFamily="49" charset="0"/>
+              </a:rPr>
+              <a:t>general.ini_restart_dir</a:t>
+            </a:r>
+            <a:r>
+              <a:rPr lang="tr-TR" sz="1200" dirty="0">
+                <a:solidFill>
+                  <a:srgbClr val="2AA198"/>
+                </a:solidFill>
+                <a:latin typeface="Consolas" panose="020B0609020204030204" pitchFamily="49" charset="0"/>
+              </a:rPr>
+              <a:t>}/</a:t>
+            </a:r>
+            <a:r>
+              <a:rPr lang="tr-TR" sz="1200" dirty="0" err="1">
+                <a:solidFill>
+                  <a:srgbClr val="2AA198"/>
+                </a:solidFill>
+                <a:latin typeface="Consolas" panose="020B0609020204030204" pitchFamily="49" charset="0"/>
+              </a:rPr>
+              <a:t>fesom</a:t>
+            </a:r>
+            <a:r>
+              <a:rPr lang="tr-TR" sz="1200" dirty="0">
+                <a:solidFill>
+                  <a:srgbClr val="2AA198"/>
+                </a:solidFill>
+                <a:latin typeface="Consolas" panose="020B0609020204030204" pitchFamily="49" charset="0"/>
+              </a:rPr>
+              <a:t>/"</a:t>
+            </a:r>
+            <a:endParaRPr lang="tr-TR" sz="1200" b="0" dirty="0">
+              <a:solidFill>
+                <a:srgbClr val="657B83"/>
+              </a:solidFill>
+              <a:effectLst/>
+              <a:latin typeface="Consolas" panose="020B0609020204030204" pitchFamily="49" charset="0"/>
+            </a:endParaRPr>
+          </a:p>
+        </p:txBody>
+      </p:sp>
+      <p:sp>
+        <p:nvSpPr>
+          <p:cNvPr id="16" name="Rectangle 15">
+            <a:extLst>
+              <a:ext uri="{FF2B5EF4-FFF2-40B4-BE49-F238E27FC236}">
+                <a16:creationId xmlns:a16="http://schemas.microsoft.com/office/drawing/2014/main" id="{B44EE36C-3EF5-9663-E085-6E69FC170AA3}"/>
+              </a:ext>
+            </a:extLst>
+          </p:cNvPr>
+          <p:cNvSpPr/>
+          <p:nvPr/>
+        </p:nvSpPr>
+        <p:spPr>
+          <a:xfrm>
+            <a:off x="6890425" y="4647660"/>
+            <a:ext cx="5140378" cy="2123658"/>
+          </a:xfrm>
+          <a:prstGeom prst="rect">
+            <a:avLst/>
+          </a:prstGeom>
+          <a:solidFill>
+            <a:schemeClr val="bg2"/>
+          </a:solidFill>
+        </p:spPr>
+        <p:txBody>
+          <a:bodyPr wrap="square">
+            <a:spAutoFit/>
+          </a:bodyPr>
+          <a:lstStyle/>
+          <a:p>
+            <a:r>
+              <a:rPr lang="tr-TR" sz="1200" i="1" dirty="0">
+                <a:solidFill>
+                  <a:srgbClr val="FF0000"/>
+                </a:solidFill>
+                <a:latin typeface="Consolas" panose="020B0609020204030204" pitchFamily="49" charset="0"/>
+              </a:rPr>
+              <a:t># </a:t>
+            </a:r>
+            <a:r>
+              <a:rPr lang="tr-TR" sz="1200" i="1" dirty="0" err="1">
+                <a:solidFill>
+                  <a:srgbClr val="FF0000"/>
+                </a:solidFill>
+                <a:latin typeface="Consolas" panose="020B0609020204030204" pitchFamily="49" charset="0"/>
+              </a:rPr>
+              <a:t>choose</a:t>
+            </a:r>
+            <a:r>
+              <a:rPr lang="tr-TR" sz="1200" i="1" dirty="0">
+                <a:solidFill>
+                  <a:srgbClr val="FF0000"/>
+                </a:solidFill>
+                <a:latin typeface="Consolas" panose="020B0609020204030204" pitchFamily="49" charset="0"/>
+              </a:rPr>
+              <a:t>_ </a:t>
+            </a:r>
+            <a:r>
+              <a:rPr lang="tr-TR" sz="1200" i="1" dirty="0" err="1">
+                <a:solidFill>
+                  <a:srgbClr val="FF0000"/>
+                </a:solidFill>
+                <a:latin typeface="Consolas" panose="020B0609020204030204" pitchFamily="49" charset="0"/>
+              </a:rPr>
+              <a:t>blocks</a:t>
+            </a:r>
+            <a:r>
+              <a:rPr lang="tr-TR" sz="1200" i="1" dirty="0">
+                <a:solidFill>
+                  <a:srgbClr val="FF0000"/>
+                </a:solidFill>
+                <a:latin typeface="Consolas" panose="020B0609020204030204" pitchFamily="49" charset="0"/>
+              </a:rPr>
+              <a:t> </a:t>
+            </a:r>
+            <a:r>
+              <a:rPr lang="tr-TR" sz="1200" i="1" dirty="0" err="1">
+                <a:solidFill>
+                  <a:srgbClr val="FF0000"/>
+                </a:solidFill>
+                <a:latin typeface="Consolas" panose="020B0609020204030204" pitchFamily="49" charset="0"/>
+              </a:rPr>
+              <a:t>allow</a:t>
+            </a:r>
+            <a:r>
+              <a:rPr lang="tr-TR" sz="1200" i="1" dirty="0">
+                <a:solidFill>
+                  <a:srgbClr val="FF0000"/>
+                </a:solidFill>
+                <a:latin typeface="Consolas" panose="020B0609020204030204" pitchFamily="49" charset="0"/>
+              </a:rPr>
+              <a:t> </a:t>
+            </a:r>
+            <a:r>
+              <a:rPr lang="tr-TR" sz="1200" i="1" dirty="0" err="1">
+                <a:solidFill>
+                  <a:srgbClr val="FF0000"/>
+                </a:solidFill>
+                <a:latin typeface="Consolas" panose="020B0609020204030204" pitchFamily="49" charset="0"/>
+              </a:rPr>
+              <a:t>select-case</a:t>
+            </a:r>
+            <a:r>
+              <a:rPr lang="tr-TR" sz="1200" i="1" dirty="0">
+                <a:solidFill>
+                  <a:srgbClr val="FF0000"/>
+                </a:solidFill>
+                <a:latin typeface="Consolas" panose="020B0609020204030204" pitchFamily="49" charset="0"/>
+              </a:rPr>
+              <a:t> (aka </a:t>
+            </a:r>
+            <a:r>
+              <a:rPr lang="tr-TR" sz="1200" i="1" dirty="0" err="1">
+                <a:solidFill>
+                  <a:srgbClr val="FF0000"/>
+                </a:solidFill>
+                <a:latin typeface="Consolas" panose="020B0609020204030204" pitchFamily="49" charset="0"/>
+              </a:rPr>
+              <a:t>switch</a:t>
+            </a:r>
+            <a:r>
+              <a:rPr lang="tr-TR" sz="1200" i="1" dirty="0">
+                <a:solidFill>
+                  <a:srgbClr val="FF0000"/>
+                </a:solidFill>
+                <a:latin typeface="Consolas" panose="020B0609020204030204" pitchFamily="49" charset="0"/>
+              </a:rPr>
+              <a:t>) </a:t>
+            </a:r>
+            <a:r>
+              <a:rPr lang="tr-TR" sz="1200" i="1" dirty="0" err="1">
+                <a:solidFill>
+                  <a:srgbClr val="FF0000"/>
+                </a:solidFill>
+                <a:latin typeface="Consolas" panose="020B0609020204030204" pitchFamily="49" charset="0"/>
+              </a:rPr>
+              <a:t>statements</a:t>
+            </a:r>
+            <a:endParaRPr lang="tr-TR" sz="1200" i="1" dirty="0">
+              <a:solidFill>
+                <a:srgbClr val="FF0000"/>
+              </a:solidFill>
+              <a:latin typeface="Consolas" panose="020B0609020204030204" pitchFamily="49" charset="0"/>
+            </a:endParaRPr>
+          </a:p>
+          <a:p>
+            <a:r>
+              <a:rPr lang="tr-TR" sz="1200" dirty="0" err="1">
+                <a:solidFill>
+                  <a:srgbClr val="268BD2"/>
+                </a:solidFill>
+                <a:latin typeface="Consolas" panose="020B0609020204030204" pitchFamily="49" charset="0"/>
+              </a:rPr>
+              <a:t>resolution</a:t>
+            </a:r>
+            <a:r>
+              <a:rPr lang="tr-TR" sz="1200" dirty="0">
+                <a:solidFill>
+                  <a:srgbClr val="657B83"/>
+                </a:solidFill>
+                <a:latin typeface="Consolas" panose="020B0609020204030204" pitchFamily="49" charset="0"/>
+              </a:rPr>
+              <a:t>: </a:t>
+            </a:r>
+            <a:r>
+              <a:rPr lang="tr-TR" sz="1200" dirty="0">
+                <a:solidFill>
+                  <a:srgbClr val="2AA198"/>
+                </a:solidFill>
+                <a:latin typeface="Consolas" panose="020B0609020204030204" pitchFamily="49" charset="0"/>
+              </a:rPr>
+              <a:t>CORE2</a:t>
+            </a:r>
+            <a:endParaRPr lang="tr-TR" sz="1200" dirty="0">
+              <a:solidFill>
+                <a:srgbClr val="657B83"/>
+              </a:solidFill>
+              <a:latin typeface="Consolas" panose="020B0609020204030204" pitchFamily="49" charset="0"/>
+            </a:endParaRPr>
+          </a:p>
+          <a:p>
+            <a:br>
+              <a:rPr lang="tr-TR" sz="1200" dirty="0">
+                <a:solidFill>
+                  <a:srgbClr val="657B83"/>
+                </a:solidFill>
+                <a:latin typeface="Consolas" panose="020B0609020204030204" pitchFamily="49" charset="0"/>
+              </a:rPr>
+            </a:br>
+            <a:r>
+              <a:rPr lang="tr-TR" sz="1200" dirty="0" err="1">
+                <a:solidFill>
+                  <a:srgbClr val="268BD2"/>
+                </a:solidFill>
+                <a:latin typeface="Consolas" panose="020B0609020204030204" pitchFamily="49" charset="0"/>
+              </a:rPr>
+              <a:t>choose_resolution</a:t>
+            </a:r>
+            <a:r>
+              <a:rPr lang="tr-TR" sz="1200" dirty="0">
+                <a:solidFill>
+                  <a:srgbClr val="657B83"/>
+                </a:solidFill>
+                <a:latin typeface="Consolas" panose="020B0609020204030204" pitchFamily="49" charset="0"/>
+              </a:rPr>
+              <a:t>:</a:t>
+            </a:r>
+          </a:p>
+          <a:p>
+            <a:r>
+              <a:rPr lang="tr-TR" sz="1200" dirty="0">
+                <a:solidFill>
+                  <a:srgbClr val="657B83"/>
+                </a:solidFill>
+                <a:latin typeface="Consolas" panose="020B0609020204030204" pitchFamily="49" charset="0"/>
+              </a:rPr>
+              <a:t>    </a:t>
+            </a:r>
+            <a:r>
+              <a:rPr lang="tr-TR" sz="1200" dirty="0">
+                <a:solidFill>
+                  <a:srgbClr val="268BD2"/>
+                </a:solidFill>
+                <a:latin typeface="Consolas" panose="020B0609020204030204" pitchFamily="49" charset="0"/>
+              </a:rPr>
+              <a:t>CORE2</a:t>
+            </a:r>
+            <a:r>
+              <a:rPr lang="tr-TR" sz="1200" dirty="0">
+                <a:solidFill>
+                  <a:srgbClr val="657B83"/>
+                </a:solidFill>
+                <a:latin typeface="Consolas" panose="020B0609020204030204" pitchFamily="49" charset="0"/>
+              </a:rPr>
+              <a:t>:</a:t>
+            </a:r>
+          </a:p>
+          <a:p>
+            <a:r>
+              <a:rPr lang="tr-TR" sz="1200" dirty="0">
+                <a:solidFill>
+                  <a:srgbClr val="657B83"/>
+                </a:solidFill>
+                <a:latin typeface="Consolas" panose="020B0609020204030204" pitchFamily="49" charset="0"/>
+              </a:rPr>
+              <a:t>        </a:t>
+            </a:r>
+            <a:r>
+              <a:rPr lang="tr-TR" sz="1200" dirty="0" err="1">
+                <a:solidFill>
+                  <a:srgbClr val="268BD2"/>
+                </a:solidFill>
+                <a:latin typeface="Consolas" panose="020B0609020204030204" pitchFamily="49" charset="0"/>
+              </a:rPr>
+              <a:t>nx</a:t>
+            </a:r>
+            <a:r>
+              <a:rPr lang="tr-TR" sz="1200" dirty="0">
+                <a:solidFill>
+                  <a:srgbClr val="657B83"/>
+                </a:solidFill>
+                <a:latin typeface="Consolas" panose="020B0609020204030204" pitchFamily="49" charset="0"/>
+              </a:rPr>
+              <a:t>: </a:t>
+            </a:r>
+            <a:r>
+              <a:rPr lang="tr-TR" sz="1200" dirty="0">
+                <a:solidFill>
+                  <a:srgbClr val="D33682"/>
+                </a:solidFill>
+                <a:latin typeface="Consolas" panose="020B0609020204030204" pitchFamily="49" charset="0"/>
+              </a:rPr>
+              <a:t>126858</a:t>
+            </a:r>
+            <a:endParaRPr lang="tr-TR" sz="1200" dirty="0">
+              <a:solidFill>
+                <a:srgbClr val="657B83"/>
+              </a:solidFill>
+              <a:latin typeface="Consolas" panose="020B0609020204030204" pitchFamily="49" charset="0"/>
+            </a:endParaRPr>
+          </a:p>
+          <a:p>
+            <a:r>
+              <a:rPr lang="tr-TR" sz="1200" dirty="0">
+                <a:solidFill>
+                  <a:srgbClr val="657B83"/>
+                </a:solidFill>
+                <a:latin typeface="Consolas" panose="020B0609020204030204" pitchFamily="49" charset="0"/>
+              </a:rPr>
+              <a:t>        </a:t>
+            </a:r>
+            <a:r>
+              <a:rPr lang="tr-TR" sz="1200" dirty="0" err="1">
+                <a:solidFill>
+                  <a:srgbClr val="268BD2"/>
+                </a:solidFill>
+                <a:latin typeface="Consolas" panose="020B0609020204030204" pitchFamily="49" charset="0"/>
+              </a:rPr>
+              <a:t>mesh_dir</a:t>
+            </a:r>
+            <a:r>
+              <a:rPr lang="tr-TR" sz="1200" dirty="0">
+                <a:solidFill>
+                  <a:srgbClr val="657B83"/>
+                </a:solidFill>
+                <a:latin typeface="Consolas" panose="020B0609020204030204" pitchFamily="49" charset="0"/>
+              </a:rPr>
+              <a:t>: </a:t>
+            </a:r>
+            <a:r>
+              <a:rPr lang="tr-TR" sz="1200" dirty="0">
+                <a:solidFill>
+                  <a:srgbClr val="2AA198"/>
+                </a:solidFill>
+                <a:latin typeface="Consolas" panose="020B0609020204030204" pitchFamily="49" charset="0"/>
+              </a:rPr>
+              <a:t>"${</a:t>
+            </a:r>
+            <a:r>
+              <a:rPr lang="tr-TR" sz="1200" dirty="0" err="1">
+                <a:solidFill>
+                  <a:srgbClr val="2AA198"/>
+                </a:solidFill>
+                <a:latin typeface="Consolas" panose="020B0609020204030204" pitchFamily="49" charset="0"/>
+              </a:rPr>
+              <a:t>pool_dir</a:t>
+            </a:r>
+            <a:r>
+              <a:rPr lang="tr-TR" sz="1200" dirty="0">
+                <a:solidFill>
+                  <a:srgbClr val="2AA198"/>
+                </a:solidFill>
+                <a:latin typeface="Consolas" panose="020B0609020204030204" pitchFamily="49" charset="0"/>
+              </a:rPr>
+              <a:t>}/</a:t>
+            </a:r>
+            <a:r>
+              <a:rPr lang="tr-TR" sz="1200" dirty="0" err="1">
+                <a:solidFill>
+                  <a:srgbClr val="2AA198"/>
+                </a:solidFill>
+                <a:latin typeface="Consolas" panose="020B0609020204030204" pitchFamily="49" charset="0"/>
+              </a:rPr>
+              <a:t>meshes</a:t>
+            </a:r>
+            <a:r>
+              <a:rPr lang="tr-TR" sz="1200" dirty="0">
+                <a:solidFill>
+                  <a:srgbClr val="2AA198"/>
+                </a:solidFill>
+                <a:latin typeface="Consolas" panose="020B0609020204030204" pitchFamily="49" charset="0"/>
+              </a:rPr>
+              <a:t>/mesh_CORE2_final/"</a:t>
+            </a:r>
+            <a:endParaRPr lang="tr-TR" sz="1200" dirty="0">
+              <a:solidFill>
+                <a:srgbClr val="657B83"/>
+              </a:solidFill>
+              <a:latin typeface="Consolas" panose="020B0609020204030204" pitchFamily="49" charset="0"/>
+            </a:endParaRPr>
+          </a:p>
+          <a:p>
+            <a:r>
+              <a:rPr lang="tr-TR" sz="1200" dirty="0">
+                <a:solidFill>
+                  <a:srgbClr val="657B83"/>
+                </a:solidFill>
+                <a:latin typeface="Consolas" panose="020B0609020204030204" pitchFamily="49" charset="0"/>
+              </a:rPr>
+              <a:t>        </a:t>
+            </a:r>
+            <a:r>
+              <a:rPr lang="tr-TR" sz="1200" dirty="0" err="1">
+                <a:solidFill>
+                  <a:srgbClr val="268BD2"/>
+                </a:solidFill>
+                <a:latin typeface="Consolas" panose="020B0609020204030204" pitchFamily="49" charset="0"/>
+              </a:rPr>
+              <a:t>nproc</a:t>
+            </a:r>
+            <a:r>
+              <a:rPr lang="tr-TR" sz="1200" dirty="0">
+                <a:solidFill>
+                  <a:srgbClr val="657B83"/>
+                </a:solidFill>
+                <a:latin typeface="Consolas" panose="020B0609020204030204" pitchFamily="49" charset="0"/>
+              </a:rPr>
+              <a:t>: </a:t>
+            </a:r>
+            <a:r>
+              <a:rPr lang="tr-TR" sz="1200" dirty="0">
+                <a:solidFill>
+                  <a:srgbClr val="D33682"/>
+                </a:solidFill>
+                <a:latin typeface="Consolas" panose="020B0609020204030204" pitchFamily="49" charset="0"/>
+              </a:rPr>
+              <a:t>288</a:t>
+            </a:r>
+          </a:p>
+          <a:p>
+            <a:r>
+              <a:rPr lang="tr-TR" sz="1200" dirty="0">
+                <a:solidFill>
+                  <a:srgbClr val="D33682"/>
+                </a:solidFill>
+                <a:latin typeface="Consolas" panose="020B0609020204030204" pitchFamily="49" charset="0"/>
+              </a:rPr>
+              <a:t>        </a:t>
+            </a:r>
+            <a:r>
+              <a:rPr lang="tr-TR" sz="1200" dirty="0" err="1">
+                <a:solidFill>
+                  <a:srgbClr val="268BD2"/>
+                </a:solidFill>
+                <a:latin typeface="Consolas" panose="020B0609020204030204" pitchFamily="49" charset="0"/>
+              </a:rPr>
+              <a:t>time_step</a:t>
+            </a:r>
+            <a:r>
+              <a:rPr lang="tr-TR" sz="1200" dirty="0">
+                <a:solidFill>
+                  <a:srgbClr val="657B83"/>
+                </a:solidFill>
+                <a:latin typeface="Consolas" panose="020B0609020204030204" pitchFamily="49" charset="0"/>
+              </a:rPr>
+              <a:t>: </a:t>
+            </a:r>
+            <a:r>
+              <a:rPr lang="tr-TR" sz="1200" dirty="0">
+                <a:solidFill>
+                  <a:srgbClr val="D33682"/>
+                </a:solidFill>
+                <a:latin typeface="Consolas" panose="020B0609020204030204" pitchFamily="49" charset="0"/>
+              </a:rPr>
+              <a:t>450</a:t>
+            </a:r>
+            <a:endParaRPr lang="tr-TR" sz="1200" dirty="0">
+              <a:solidFill>
+                <a:srgbClr val="657B83"/>
+              </a:solidFill>
+              <a:latin typeface="Consolas" panose="020B0609020204030204" pitchFamily="49" charset="0"/>
+            </a:endParaRPr>
+          </a:p>
+          <a:p>
+            <a:r>
+              <a:rPr lang="tr-TR" sz="1200" dirty="0">
+                <a:solidFill>
+                  <a:srgbClr val="657B83"/>
+                </a:solidFill>
+                <a:latin typeface="Consolas" panose="020B0609020204030204" pitchFamily="49" charset="0"/>
+              </a:rPr>
+              <a:t>    </a:t>
+            </a:r>
+            <a:r>
+              <a:rPr lang="tr-TR" sz="1200" dirty="0">
+                <a:solidFill>
+                  <a:srgbClr val="268BD2"/>
+                </a:solidFill>
+                <a:latin typeface="Consolas" panose="020B0609020204030204" pitchFamily="49" charset="0"/>
+              </a:rPr>
+              <a:t>GLOB</a:t>
+            </a:r>
+            <a:r>
+              <a:rPr lang="tr-TR" sz="1200" dirty="0">
+                <a:solidFill>
+                  <a:srgbClr val="657B83"/>
+                </a:solidFill>
+                <a:latin typeface="Consolas" panose="020B0609020204030204" pitchFamily="49" charset="0"/>
+              </a:rPr>
+              <a:t>:</a:t>
+            </a:r>
+          </a:p>
+          <a:p>
+            <a:r>
+              <a:rPr lang="tr-TR" sz="1200" dirty="0">
+                <a:solidFill>
+                  <a:srgbClr val="657B83"/>
+                </a:solidFill>
+                <a:latin typeface="Consolas" panose="020B0609020204030204" pitchFamily="49" charset="0"/>
+              </a:rPr>
+              <a:t>        </a:t>
+            </a:r>
+            <a:r>
+              <a:rPr lang="tr-TR" sz="1200" dirty="0" err="1">
+                <a:solidFill>
+                  <a:srgbClr val="268BD2"/>
+                </a:solidFill>
+                <a:latin typeface="Consolas" panose="020B0609020204030204" pitchFamily="49" charset="0"/>
+              </a:rPr>
+              <a:t>nx</a:t>
+            </a:r>
+            <a:r>
+              <a:rPr lang="tr-TR" sz="1200" dirty="0">
+                <a:solidFill>
+                  <a:srgbClr val="657B83"/>
+                </a:solidFill>
+                <a:latin typeface="Consolas" panose="020B0609020204030204" pitchFamily="49" charset="0"/>
+              </a:rPr>
+              <a:t>: </a:t>
+            </a:r>
+            <a:r>
+              <a:rPr lang="tr-TR" sz="1200" dirty="0">
+                <a:solidFill>
+                  <a:srgbClr val="D33682"/>
+                </a:solidFill>
+                <a:latin typeface="Consolas" panose="020B0609020204030204" pitchFamily="49" charset="0"/>
+              </a:rPr>
+              <a:t>830305</a:t>
+            </a:r>
+            <a:endParaRPr lang="tr-TR" sz="1200" b="0" dirty="0">
+              <a:solidFill>
+                <a:srgbClr val="657B83"/>
+              </a:solidFill>
+              <a:effectLst/>
+              <a:latin typeface="Consolas" panose="020B0609020204030204" pitchFamily="49" charset="0"/>
+            </a:endParaRPr>
+          </a:p>
+        </p:txBody>
+      </p:sp>
+      <p:sp>
+        <p:nvSpPr>
+          <p:cNvPr id="17" name="Rectangle 16">
+            <a:extLst>
+              <a:ext uri="{FF2B5EF4-FFF2-40B4-BE49-F238E27FC236}">
+                <a16:creationId xmlns:a16="http://schemas.microsoft.com/office/drawing/2014/main" id="{6FD0A0FB-5FE2-79F5-43F5-66EA5E214DA2}"/>
+              </a:ext>
+            </a:extLst>
+          </p:cNvPr>
+          <p:cNvSpPr/>
+          <p:nvPr/>
+        </p:nvSpPr>
+        <p:spPr>
+          <a:xfrm>
+            <a:off x="161197" y="5104247"/>
+            <a:ext cx="4060607" cy="1569660"/>
+          </a:xfrm>
+          <a:prstGeom prst="rect">
+            <a:avLst/>
+          </a:prstGeom>
+          <a:solidFill>
+            <a:schemeClr val="bg2"/>
+          </a:solidFill>
+        </p:spPr>
+        <p:txBody>
+          <a:bodyPr wrap="square">
+            <a:spAutoFit/>
+          </a:bodyPr>
+          <a:lstStyle/>
+          <a:p>
+            <a:r>
+              <a:rPr lang="tr-TR" sz="1200" i="1" dirty="0">
+                <a:solidFill>
+                  <a:srgbClr val="FF0000"/>
+                </a:solidFill>
+                <a:latin typeface="Consolas" panose="020B0609020204030204" pitchFamily="49" charset="0"/>
+              </a:rPr>
+              <a:t># </a:t>
+            </a:r>
+            <a:r>
+              <a:rPr lang="tr-TR" sz="1200" i="1" dirty="0" err="1">
+                <a:solidFill>
+                  <a:srgbClr val="FF0000"/>
+                </a:solidFill>
+                <a:latin typeface="Consolas" panose="020B0609020204030204" pitchFamily="49" charset="0"/>
+              </a:rPr>
+              <a:t>Changing</a:t>
+            </a:r>
+            <a:r>
+              <a:rPr lang="tr-TR" sz="1200" i="1" dirty="0">
+                <a:solidFill>
+                  <a:srgbClr val="FF0000"/>
+                </a:solidFill>
+                <a:latin typeface="Consolas" panose="020B0609020204030204" pitchFamily="49" charset="0"/>
+              </a:rPr>
+              <a:t> Fortran </a:t>
+            </a:r>
+            <a:r>
+              <a:rPr lang="tr-TR" sz="1200" i="1" dirty="0" err="1">
+                <a:solidFill>
+                  <a:srgbClr val="FF0000"/>
+                </a:solidFill>
+                <a:latin typeface="Consolas" panose="020B0609020204030204" pitchFamily="49" charset="0"/>
+              </a:rPr>
+              <a:t>namelists</a:t>
+            </a:r>
+            <a:endParaRPr lang="tr-TR" sz="1200" dirty="0">
+              <a:solidFill>
+                <a:srgbClr val="268BD2"/>
+              </a:solidFill>
+              <a:latin typeface="Consolas" panose="020B0609020204030204" pitchFamily="49" charset="0"/>
+            </a:endParaRPr>
+          </a:p>
+          <a:p>
+            <a:r>
+              <a:rPr lang="tr-TR" sz="1200" dirty="0" err="1">
+                <a:solidFill>
+                  <a:srgbClr val="268BD2"/>
+                </a:solidFill>
+                <a:latin typeface="Consolas" panose="020B0609020204030204" pitchFamily="49" charset="0"/>
+              </a:rPr>
+              <a:t>namelist_changes</a:t>
+            </a:r>
+            <a:r>
+              <a:rPr lang="tr-TR" sz="1200" dirty="0">
+                <a:solidFill>
+                  <a:srgbClr val="657B83"/>
+                </a:solidFill>
+                <a:latin typeface="Consolas" panose="020B0609020204030204" pitchFamily="49" charset="0"/>
+              </a:rPr>
+              <a:t>:</a:t>
+            </a:r>
+          </a:p>
+          <a:p>
+            <a:r>
+              <a:rPr lang="tr-TR" sz="1200" dirty="0">
+                <a:solidFill>
+                  <a:srgbClr val="657B83"/>
+                </a:solidFill>
+                <a:latin typeface="Consolas" panose="020B0609020204030204" pitchFamily="49" charset="0"/>
+              </a:rPr>
+              <a:t>    </a:t>
+            </a:r>
+            <a:r>
+              <a:rPr lang="tr-TR" sz="1200" dirty="0" err="1">
+                <a:solidFill>
+                  <a:srgbClr val="268BD2"/>
+                </a:solidFill>
+                <a:latin typeface="Consolas" panose="020B0609020204030204" pitchFamily="49" charset="0"/>
+              </a:rPr>
+              <a:t>namelist.echam</a:t>
+            </a:r>
+            <a:r>
+              <a:rPr lang="tr-TR" sz="1200" dirty="0">
+                <a:solidFill>
+                  <a:srgbClr val="657B83"/>
+                </a:solidFill>
+                <a:latin typeface="Consolas" panose="020B0609020204030204" pitchFamily="49" charset="0"/>
+              </a:rPr>
+              <a:t>:</a:t>
+            </a:r>
+          </a:p>
+          <a:p>
+            <a:r>
+              <a:rPr lang="tr-TR" sz="1200" dirty="0">
+                <a:solidFill>
+                  <a:srgbClr val="657B83"/>
+                </a:solidFill>
+                <a:latin typeface="Consolas" panose="020B0609020204030204" pitchFamily="49" charset="0"/>
+              </a:rPr>
+              <a:t>        </a:t>
+            </a:r>
+            <a:r>
+              <a:rPr lang="tr-TR" sz="1200" dirty="0" err="1">
+                <a:solidFill>
+                  <a:srgbClr val="268BD2"/>
+                </a:solidFill>
+                <a:latin typeface="Consolas" panose="020B0609020204030204" pitchFamily="49" charset="0"/>
+              </a:rPr>
+              <a:t>runctl</a:t>
+            </a:r>
+            <a:r>
+              <a:rPr lang="tr-TR" sz="1200" dirty="0">
+                <a:solidFill>
+                  <a:srgbClr val="657B83"/>
+                </a:solidFill>
+                <a:latin typeface="Consolas" panose="020B0609020204030204" pitchFamily="49" charset="0"/>
+              </a:rPr>
+              <a:t>:</a:t>
+            </a:r>
+          </a:p>
+          <a:p>
+            <a:r>
+              <a:rPr lang="tr-TR" sz="1200" dirty="0">
+                <a:solidFill>
+                  <a:srgbClr val="657B83"/>
+                </a:solidFill>
+                <a:latin typeface="Consolas" panose="020B0609020204030204" pitchFamily="49" charset="0"/>
+              </a:rPr>
+              <a:t>            </a:t>
+            </a:r>
+            <a:r>
+              <a:rPr lang="tr-TR" sz="1200" dirty="0" err="1">
+                <a:solidFill>
+                  <a:srgbClr val="268BD2"/>
+                </a:solidFill>
+                <a:latin typeface="Consolas" panose="020B0609020204030204" pitchFamily="49" charset="0"/>
+              </a:rPr>
+              <a:t>out_expname</a:t>
+            </a:r>
+            <a:r>
+              <a:rPr lang="tr-TR" sz="1200" dirty="0">
+                <a:solidFill>
+                  <a:srgbClr val="657B83"/>
+                </a:solidFill>
+                <a:latin typeface="Consolas" panose="020B0609020204030204" pitchFamily="49" charset="0"/>
+              </a:rPr>
+              <a:t>: </a:t>
+            </a:r>
+            <a:r>
+              <a:rPr lang="tr-TR" sz="1200" dirty="0">
+                <a:solidFill>
+                  <a:srgbClr val="2AA198"/>
+                </a:solidFill>
+                <a:latin typeface="Consolas" panose="020B0609020204030204" pitchFamily="49" charset="0"/>
+              </a:rPr>
+              <a:t>${</a:t>
+            </a:r>
+            <a:r>
+              <a:rPr lang="tr-TR" sz="1200" dirty="0" err="1">
+                <a:solidFill>
+                  <a:srgbClr val="2AA198"/>
+                </a:solidFill>
+                <a:latin typeface="Consolas" panose="020B0609020204030204" pitchFamily="49" charset="0"/>
+              </a:rPr>
+              <a:t>general.expid</a:t>
+            </a:r>
+            <a:r>
+              <a:rPr lang="tr-TR" sz="1200" dirty="0">
+                <a:solidFill>
+                  <a:srgbClr val="2AA198"/>
+                </a:solidFill>
+                <a:latin typeface="Consolas" panose="020B0609020204030204" pitchFamily="49" charset="0"/>
+              </a:rPr>
+              <a:t>}</a:t>
+            </a:r>
+            <a:endParaRPr lang="tr-TR" sz="1200" dirty="0">
+              <a:solidFill>
+                <a:srgbClr val="657B83"/>
+              </a:solidFill>
+              <a:latin typeface="Consolas" panose="020B0609020204030204" pitchFamily="49" charset="0"/>
+            </a:endParaRPr>
+          </a:p>
+          <a:p>
+            <a:r>
+              <a:rPr lang="tr-TR" sz="1200" dirty="0">
+                <a:solidFill>
+                  <a:srgbClr val="657B83"/>
+                </a:solidFill>
+                <a:latin typeface="Consolas" panose="020B0609020204030204" pitchFamily="49" charset="0"/>
+              </a:rPr>
+              <a:t>            </a:t>
+            </a:r>
+            <a:r>
+              <a:rPr lang="tr-TR" sz="1200" dirty="0" err="1">
+                <a:solidFill>
+                  <a:srgbClr val="268BD2"/>
+                </a:solidFill>
+                <a:latin typeface="Consolas" panose="020B0609020204030204" pitchFamily="49" charset="0"/>
+              </a:rPr>
+              <a:t>dt_start</a:t>
+            </a:r>
+            <a:r>
+              <a:rPr lang="tr-TR" sz="1200" dirty="0">
+                <a:solidFill>
+                  <a:srgbClr val="657B83"/>
+                </a:solidFill>
+                <a:latin typeface="Consolas" panose="020B0609020204030204" pitchFamily="49" charset="0"/>
+              </a:rPr>
+              <a:t>:</a:t>
+            </a:r>
+          </a:p>
+          <a:p>
+            <a:r>
+              <a:rPr lang="tr-TR" sz="1200" dirty="0">
+                <a:solidFill>
+                  <a:srgbClr val="657B83"/>
+                </a:solidFill>
+                <a:latin typeface="Consolas" panose="020B0609020204030204" pitchFamily="49" charset="0"/>
+              </a:rPr>
+              <a:t>                - </a:t>
+            </a:r>
+            <a:r>
+              <a:rPr lang="tr-TR" sz="1200" dirty="0">
+                <a:solidFill>
+                  <a:srgbClr val="2AA198"/>
+                </a:solidFill>
+                <a:latin typeface="Consolas" panose="020B0609020204030204" pitchFamily="49" charset="0"/>
+              </a:rPr>
+              <a:t>${</a:t>
+            </a:r>
+            <a:r>
+              <a:rPr lang="tr-TR" sz="1200" dirty="0" err="1">
+                <a:solidFill>
+                  <a:srgbClr val="2AA198"/>
+                </a:solidFill>
+                <a:latin typeface="Consolas" panose="020B0609020204030204" pitchFamily="49" charset="0"/>
+              </a:rPr>
+              <a:t>pseudo_start_date!year</a:t>
+            </a:r>
+            <a:r>
+              <a:rPr lang="tr-TR" sz="1200" dirty="0">
+                <a:solidFill>
+                  <a:srgbClr val="2AA198"/>
+                </a:solidFill>
+                <a:latin typeface="Consolas" panose="020B0609020204030204" pitchFamily="49" charset="0"/>
+              </a:rPr>
+              <a:t>}</a:t>
+            </a:r>
+            <a:endParaRPr lang="tr-TR" sz="1200" dirty="0">
+              <a:solidFill>
+                <a:srgbClr val="657B83"/>
+              </a:solidFill>
+              <a:latin typeface="Consolas" panose="020B0609020204030204" pitchFamily="49" charset="0"/>
+            </a:endParaRPr>
+          </a:p>
+          <a:p>
+            <a:r>
+              <a:rPr lang="tr-TR" sz="1200" dirty="0">
+                <a:solidFill>
+                  <a:srgbClr val="657B83"/>
+                </a:solidFill>
+                <a:latin typeface="Consolas" panose="020B0609020204030204" pitchFamily="49" charset="0"/>
+              </a:rPr>
+              <a:t>                - </a:t>
+            </a:r>
+            <a:r>
+              <a:rPr lang="tr-TR" sz="1200" dirty="0">
+                <a:solidFill>
+                  <a:srgbClr val="2AA198"/>
+                </a:solidFill>
+                <a:latin typeface="Consolas" panose="020B0609020204030204" pitchFamily="49" charset="0"/>
+              </a:rPr>
+              <a:t>${</a:t>
+            </a:r>
+            <a:r>
+              <a:rPr lang="tr-TR" sz="1200" dirty="0" err="1">
+                <a:solidFill>
+                  <a:srgbClr val="2AA198"/>
+                </a:solidFill>
+                <a:latin typeface="Consolas" panose="020B0609020204030204" pitchFamily="49" charset="0"/>
+              </a:rPr>
+              <a:t>pseudo_start_date!month</a:t>
+            </a:r>
+            <a:r>
+              <a:rPr lang="tr-TR" sz="1200" dirty="0">
+                <a:solidFill>
+                  <a:srgbClr val="2AA198"/>
+                </a:solidFill>
+                <a:latin typeface="Consolas" panose="020B0609020204030204" pitchFamily="49" charset="0"/>
+              </a:rPr>
+              <a:t>}</a:t>
+            </a:r>
+            <a:endParaRPr lang="tr-TR" sz="1200" b="0" dirty="0">
+              <a:solidFill>
+                <a:srgbClr val="657B83"/>
+              </a:solidFill>
+              <a:effectLst/>
+              <a:latin typeface="Consolas" panose="020B0609020204030204" pitchFamily="49" charset="0"/>
+            </a:endParaRPr>
+          </a:p>
+        </p:txBody>
+      </p:sp>
+      <p:sp>
+        <p:nvSpPr>
+          <p:cNvPr id="23" name="Rectangle 22">
+            <a:extLst>
+              <a:ext uri="{FF2B5EF4-FFF2-40B4-BE49-F238E27FC236}">
+                <a16:creationId xmlns:a16="http://schemas.microsoft.com/office/drawing/2014/main" id="{9106F731-112E-D01C-FF49-5CAE0715D9A6}"/>
+              </a:ext>
+            </a:extLst>
+          </p:cNvPr>
+          <p:cNvSpPr/>
+          <p:nvPr/>
+        </p:nvSpPr>
+        <p:spPr>
+          <a:xfrm>
+            <a:off x="7250349" y="2551837"/>
+            <a:ext cx="4780454" cy="1754326"/>
+          </a:xfrm>
+          <a:prstGeom prst="rect">
+            <a:avLst/>
+          </a:prstGeom>
+          <a:solidFill>
+            <a:schemeClr val="bg2"/>
+          </a:solidFill>
+        </p:spPr>
+        <p:txBody>
+          <a:bodyPr wrap="square">
+            <a:spAutoFit/>
+          </a:bodyPr>
+          <a:lstStyle/>
+          <a:p>
+            <a:r>
+              <a:rPr lang="tr-TR" sz="1200" i="1" dirty="0">
+                <a:solidFill>
+                  <a:srgbClr val="FF0000"/>
+                </a:solidFill>
+                <a:latin typeface="Consolas" panose="020B0609020204030204" pitchFamily="49" charset="0"/>
+              </a:rPr>
+              <a:t># </a:t>
+            </a:r>
+            <a:r>
+              <a:rPr lang="tr-TR" sz="1200" i="1" dirty="0" err="1">
+                <a:solidFill>
+                  <a:srgbClr val="FF0000"/>
+                </a:solidFill>
+                <a:latin typeface="Consolas" panose="020B0609020204030204" pitchFamily="49" charset="0"/>
+              </a:rPr>
+              <a:t>adding</a:t>
+            </a:r>
+            <a:r>
+              <a:rPr lang="tr-TR" sz="1200" i="1" dirty="0">
+                <a:solidFill>
+                  <a:srgbClr val="FF0000"/>
+                </a:solidFill>
+                <a:latin typeface="Consolas" panose="020B0609020204030204" pitchFamily="49" charset="0"/>
+              </a:rPr>
+              <a:t> </a:t>
+            </a:r>
+            <a:r>
+              <a:rPr lang="tr-TR" sz="1200" i="1" dirty="0" err="1">
+                <a:solidFill>
+                  <a:srgbClr val="FF0000"/>
+                </a:solidFill>
+                <a:latin typeface="Consolas" panose="020B0609020204030204" pitchFamily="49" charset="0"/>
+              </a:rPr>
+              <a:t>and</a:t>
+            </a:r>
+            <a:r>
+              <a:rPr lang="tr-TR" sz="1200" i="1" dirty="0">
+                <a:solidFill>
+                  <a:srgbClr val="FF0000"/>
+                </a:solidFill>
+                <a:latin typeface="Consolas" panose="020B0609020204030204" pitchFamily="49" charset="0"/>
+              </a:rPr>
+              <a:t> </a:t>
+            </a:r>
+            <a:r>
+              <a:rPr lang="tr-TR" sz="1200" i="1" dirty="0" err="1">
+                <a:solidFill>
+                  <a:srgbClr val="FF0000"/>
+                </a:solidFill>
+                <a:latin typeface="Consolas" panose="020B0609020204030204" pitchFamily="49" charset="0"/>
+              </a:rPr>
+              <a:t>removing</a:t>
+            </a:r>
+            <a:r>
+              <a:rPr lang="tr-TR" sz="1200" i="1" dirty="0">
+                <a:solidFill>
+                  <a:srgbClr val="FF0000"/>
+                </a:solidFill>
+                <a:latin typeface="Consolas" panose="020B0609020204030204" pitchFamily="49" charset="0"/>
+              </a:rPr>
+              <a:t> </a:t>
+            </a:r>
+            <a:r>
+              <a:rPr lang="tr-TR" sz="1200" i="1" dirty="0" err="1">
+                <a:solidFill>
+                  <a:srgbClr val="FF0000"/>
+                </a:solidFill>
+                <a:latin typeface="Consolas" panose="020B0609020204030204" pitchFamily="49" charset="0"/>
+              </a:rPr>
+              <a:t>elements</a:t>
+            </a:r>
+            <a:r>
+              <a:rPr lang="tr-TR" sz="1200" i="1" dirty="0">
+                <a:solidFill>
+                  <a:srgbClr val="FF0000"/>
+                </a:solidFill>
+                <a:latin typeface="Consolas" panose="020B0609020204030204" pitchFamily="49" charset="0"/>
+              </a:rPr>
+              <a:t> </a:t>
+            </a:r>
+            <a:r>
+              <a:rPr lang="tr-TR" sz="1200" i="1" dirty="0" err="1">
+                <a:solidFill>
+                  <a:srgbClr val="FF0000"/>
+                </a:solidFill>
+                <a:latin typeface="Consolas" panose="020B0609020204030204" pitchFamily="49" charset="0"/>
+              </a:rPr>
+              <a:t>from</a:t>
+            </a:r>
+            <a:r>
+              <a:rPr lang="tr-TR" sz="1200" i="1" dirty="0">
+                <a:solidFill>
+                  <a:srgbClr val="FF0000"/>
+                </a:solidFill>
+                <a:latin typeface="Consolas" panose="020B0609020204030204" pitchFamily="49" charset="0"/>
+              </a:rPr>
+              <a:t> </a:t>
+            </a:r>
+            <a:r>
+              <a:rPr lang="tr-TR" sz="1200" i="1" dirty="0" err="1">
+                <a:solidFill>
+                  <a:srgbClr val="FF0000"/>
+                </a:solidFill>
+                <a:latin typeface="Consolas" panose="020B0609020204030204" pitchFamily="49" charset="0"/>
+              </a:rPr>
+              <a:t>lists</a:t>
+            </a:r>
+            <a:r>
+              <a:rPr lang="tr-TR" sz="1200" i="1" dirty="0">
+                <a:solidFill>
+                  <a:srgbClr val="FF0000"/>
+                </a:solidFill>
+                <a:latin typeface="Consolas" panose="020B0609020204030204" pitchFamily="49" charset="0"/>
+              </a:rPr>
+              <a:t> </a:t>
+            </a:r>
+            <a:r>
+              <a:rPr lang="tr-TR" sz="1200" i="1" dirty="0" err="1">
+                <a:solidFill>
+                  <a:srgbClr val="FF0000"/>
+                </a:solidFill>
+                <a:latin typeface="Consolas" panose="020B0609020204030204" pitchFamily="49" charset="0"/>
+              </a:rPr>
+              <a:t>and</a:t>
+            </a:r>
+            <a:r>
+              <a:rPr lang="tr-TR" sz="1200" i="1" dirty="0">
+                <a:solidFill>
+                  <a:srgbClr val="FF0000"/>
+                </a:solidFill>
+                <a:latin typeface="Consolas" panose="020B0609020204030204" pitchFamily="49" charset="0"/>
+              </a:rPr>
+              <a:t> </a:t>
+            </a:r>
+            <a:r>
+              <a:rPr lang="tr-TR" sz="1200" i="1" dirty="0" err="1">
+                <a:solidFill>
+                  <a:srgbClr val="FF0000"/>
+                </a:solidFill>
+                <a:latin typeface="Consolas" panose="020B0609020204030204" pitchFamily="49" charset="0"/>
+              </a:rPr>
+              <a:t>dicts</a:t>
+            </a:r>
+            <a:r>
+              <a:rPr lang="tr-TR" sz="1200" i="1" dirty="0">
+                <a:solidFill>
+                  <a:srgbClr val="FF0000"/>
+                </a:solidFill>
+                <a:latin typeface="Consolas" panose="020B0609020204030204" pitchFamily="49" charset="0"/>
+              </a:rPr>
+              <a:t> </a:t>
+            </a:r>
+          </a:p>
+          <a:p>
+            <a:endParaRPr lang="tr-TR" sz="1200" dirty="0">
+              <a:solidFill>
+                <a:srgbClr val="268BD2"/>
+              </a:solidFill>
+              <a:latin typeface="Consolas" panose="020B0609020204030204" pitchFamily="49" charset="0"/>
+            </a:endParaRPr>
+          </a:p>
+          <a:p>
+            <a:r>
+              <a:rPr lang="tr-TR" sz="1200" dirty="0">
+                <a:solidFill>
+                  <a:srgbClr val="268BD2"/>
+                </a:solidFill>
+                <a:latin typeface="Consolas" panose="020B0609020204030204" pitchFamily="49" charset="0"/>
+              </a:rPr>
+              <a:t>list1</a:t>
+            </a:r>
+            <a:r>
+              <a:rPr lang="tr-TR" sz="1200" dirty="0">
+                <a:solidFill>
+                  <a:srgbClr val="657B83"/>
+                </a:solidFill>
+                <a:latin typeface="Consolas" panose="020B0609020204030204" pitchFamily="49" charset="0"/>
+              </a:rPr>
+              <a:t>:</a:t>
+            </a:r>
+          </a:p>
+          <a:p>
+            <a:r>
+              <a:rPr lang="tr-TR" sz="1200" dirty="0">
+                <a:solidFill>
+                  <a:srgbClr val="657B83"/>
+                </a:solidFill>
+                <a:latin typeface="Consolas" panose="020B0609020204030204" pitchFamily="49" charset="0"/>
+              </a:rPr>
+              <a:t>    - </a:t>
+            </a:r>
+            <a:r>
+              <a:rPr lang="tr-TR" sz="1200" dirty="0">
+                <a:solidFill>
+                  <a:srgbClr val="2AA198"/>
+                </a:solidFill>
+                <a:latin typeface="Consolas" panose="020B0609020204030204" pitchFamily="49" charset="0"/>
+              </a:rPr>
+              <a:t>element1</a:t>
+            </a:r>
+            <a:endParaRPr lang="tr-TR" sz="1200" dirty="0">
+              <a:solidFill>
+                <a:srgbClr val="657B83"/>
+              </a:solidFill>
+              <a:latin typeface="Consolas" panose="020B0609020204030204" pitchFamily="49" charset="0"/>
+            </a:endParaRPr>
+          </a:p>
+          <a:p>
+            <a:r>
+              <a:rPr lang="tr-TR" sz="1200" dirty="0">
+                <a:solidFill>
+                  <a:srgbClr val="657B83"/>
+                </a:solidFill>
+                <a:latin typeface="Consolas" panose="020B0609020204030204" pitchFamily="49" charset="0"/>
+              </a:rPr>
+              <a:t>    - </a:t>
+            </a:r>
+            <a:r>
+              <a:rPr lang="tr-TR" sz="1200" dirty="0">
+                <a:solidFill>
+                  <a:srgbClr val="2AA198"/>
+                </a:solidFill>
+                <a:latin typeface="Consolas" panose="020B0609020204030204" pitchFamily="49" charset="0"/>
+              </a:rPr>
+              <a:t>element2</a:t>
+            </a:r>
+            <a:endParaRPr lang="tr-TR" sz="1200" dirty="0">
+              <a:solidFill>
+                <a:srgbClr val="657B83"/>
+              </a:solidFill>
+              <a:latin typeface="Consolas" panose="020B0609020204030204" pitchFamily="49" charset="0"/>
+            </a:endParaRPr>
+          </a:p>
+          <a:p>
+            <a:br>
+              <a:rPr lang="tr-TR" sz="1200" dirty="0">
+                <a:solidFill>
+                  <a:srgbClr val="657B83"/>
+                </a:solidFill>
+                <a:latin typeface="Consolas" panose="020B0609020204030204" pitchFamily="49" charset="0"/>
+              </a:rPr>
+            </a:br>
+            <a:r>
+              <a:rPr lang="tr-TR" sz="1200" dirty="0">
+                <a:solidFill>
+                  <a:srgbClr val="268BD2"/>
+                </a:solidFill>
+                <a:latin typeface="Consolas" panose="020B0609020204030204" pitchFamily="49" charset="0"/>
+              </a:rPr>
+              <a:t>add_list1</a:t>
+            </a:r>
+            <a:r>
+              <a:rPr lang="tr-TR" sz="1200" dirty="0">
+                <a:solidFill>
+                  <a:srgbClr val="657B83"/>
+                </a:solidFill>
+                <a:latin typeface="Consolas" panose="020B0609020204030204" pitchFamily="49" charset="0"/>
+              </a:rPr>
+              <a:t>:</a:t>
+            </a:r>
+          </a:p>
+          <a:p>
+            <a:r>
+              <a:rPr lang="tr-TR" sz="1200" dirty="0">
+                <a:solidFill>
+                  <a:srgbClr val="657B83"/>
+                </a:solidFill>
+                <a:latin typeface="Consolas" panose="020B0609020204030204" pitchFamily="49" charset="0"/>
+              </a:rPr>
+              <a:t>    - </a:t>
+            </a:r>
+            <a:r>
+              <a:rPr lang="tr-TR" sz="1200" dirty="0">
+                <a:solidFill>
+                  <a:srgbClr val="2AA198"/>
+                </a:solidFill>
+                <a:latin typeface="Consolas" panose="020B0609020204030204" pitchFamily="49" charset="0"/>
+              </a:rPr>
+              <a:t>element3</a:t>
+            </a:r>
+            <a:endParaRPr lang="tr-TR" sz="1200" dirty="0">
+              <a:solidFill>
+                <a:srgbClr val="657B83"/>
+              </a:solidFill>
+              <a:latin typeface="Consolas" panose="020B0609020204030204" pitchFamily="49" charset="0"/>
+            </a:endParaRPr>
+          </a:p>
+          <a:p>
+            <a:r>
+              <a:rPr lang="tr-TR" sz="1200" dirty="0">
+                <a:solidFill>
+                  <a:srgbClr val="657B83"/>
+                </a:solidFill>
+                <a:latin typeface="Consolas" panose="020B0609020204030204" pitchFamily="49" charset="0"/>
+              </a:rPr>
+              <a:t>    - </a:t>
+            </a:r>
+            <a:r>
+              <a:rPr lang="tr-TR" sz="1200" dirty="0">
+                <a:solidFill>
+                  <a:srgbClr val="2AA198"/>
+                </a:solidFill>
+                <a:latin typeface="Consolas" panose="020B0609020204030204" pitchFamily="49" charset="0"/>
+              </a:rPr>
+              <a:t>element4</a:t>
+            </a:r>
+            <a:endParaRPr lang="tr-TR" sz="1200" b="0" dirty="0">
+              <a:solidFill>
+                <a:srgbClr val="657B83"/>
+              </a:solidFill>
+              <a:effectLst/>
+              <a:latin typeface="Consolas" panose="020B0609020204030204" pitchFamily="49" charset="0"/>
+            </a:endParaRPr>
+          </a:p>
+        </p:txBody>
+      </p:sp>
+      <p:sp>
+        <p:nvSpPr>
+          <p:cNvPr id="25" name="Rectangle 24">
+            <a:extLst>
+              <a:ext uri="{FF2B5EF4-FFF2-40B4-BE49-F238E27FC236}">
+                <a16:creationId xmlns:a16="http://schemas.microsoft.com/office/drawing/2014/main" id="{A878DA94-8CE8-8F56-7E26-45437099901D}"/>
+              </a:ext>
+            </a:extLst>
+          </p:cNvPr>
+          <p:cNvSpPr/>
+          <p:nvPr/>
+        </p:nvSpPr>
+        <p:spPr>
+          <a:xfrm>
+            <a:off x="161197" y="3159152"/>
+            <a:ext cx="5276566" cy="1200329"/>
+          </a:xfrm>
+          <a:prstGeom prst="rect">
+            <a:avLst/>
+          </a:prstGeom>
+          <a:solidFill>
+            <a:schemeClr val="bg2"/>
+          </a:solidFill>
+        </p:spPr>
+        <p:txBody>
+          <a:bodyPr wrap="square">
+            <a:spAutoFit/>
+          </a:bodyPr>
+          <a:lstStyle/>
+          <a:p>
+            <a:r>
+              <a:rPr lang="tr-TR" sz="1200" i="1" dirty="0">
+                <a:solidFill>
+                  <a:srgbClr val="FF0000"/>
+                </a:solidFill>
+                <a:latin typeface="Consolas" panose="020B0609020204030204" pitchFamily="49" charset="0"/>
+              </a:rPr>
+              <a:t># time </a:t>
+            </a:r>
+            <a:r>
+              <a:rPr lang="tr-TR" sz="1200" i="1" dirty="0" err="1">
+                <a:solidFill>
+                  <a:srgbClr val="FF0000"/>
+                </a:solidFill>
+                <a:latin typeface="Consolas" panose="020B0609020204030204" pitchFamily="49" charset="0"/>
+              </a:rPr>
+              <a:t>variables</a:t>
+            </a:r>
+            <a:endParaRPr lang="tr-TR" sz="1200" i="1" dirty="0">
+              <a:solidFill>
+                <a:srgbClr val="FF0000"/>
+              </a:solidFill>
+              <a:latin typeface="Consolas" panose="020B0609020204030204" pitchFamily="49" charset="0"/>
+            </a:endParaRPr>
+          </a:p>
+          <a:p>
+            <a:r>
+              <a:rPr lang="tr-TR" sz="1200" dirty="0">
+                <a:solidFill>
+                  <a:srgbClr val="268BD2"/>
+                </a:solidFill>
+                <a:latin typeface="Consolas" panose="020B0609020204030204" pitchFamily="49" charset="0"/>
+              </a:rPr>
+              <a:t>general</a:t>
+            </a:r>
+            <a:r>
+              <a:rPr lang="tr-TR" sz="1200" dirty="0">
+                <a:solidFill>
+                  <a:srgbClr val="657B83"/>
+                </a:solidFill>
+                <a:latin typeface="Consolas" panose="020B0609020204030204" pitchFamily="49" charset="0"/>
+              </a:rPr>
+              <a:t>:</a:t>
+            </a:r>
+          </a:p>
+          <a:p>
+            <a:r>
+              <a:rPr lang="tr-TR" sz="1200" dirty="0">
+                <a:solidFill>
+                  <a:srgbClr val="657B83"/>
+                </a:solidFill>
+                <a:latin typeface="Consolas" panose="020B0609020204030204" pitchFamily="49" charset="0"/>
+              </a:rPr>
+              <a:t>    </a:t>
+            </a:r>
+            <a:r>
+              <a:rPr lang="tr-TR" sz="1200" dirty="0" err="1">
+                <a:solidFill>
+                  <a:srgbClr val="268BD2"/>
+                </a:solidFill>
+                <a:latin typeface="Consolas" panose="020B0609020204030204" pitchFamily="49" charset="0"/>
+              </a:rPr>
+              <a:t>nday</a:t>
+            </a:r>
+            <a:r>
+              <a:rPr lang="tr-TR" sz="1200" dirty="0">
+                <a:solidFill>
+                  <a:srgbClr val="657B83"/>
+                </a:solidFill>
+                <a:latin typeface="Consolas" panose="020B0609020204030204" pitchFamily="49" charset="0"/>
+              </a:rPr>
+              <a:t>: </a:t>
+            </a:r>
+            <a:r>
+              <a:rPr lang="tr-TR" sz="1200" dirty="0">
+                <a:solidFill>
+                  <a:srgbClr val="D33682"/>
+                </a:solidFill>
+                <a:latin typeface="Consolas" panose="020B0609020204030204" pitchFamily="49" charset="0"/>
+              </a:rPr>
+              <a:t>0</a:t>
+            </a:r>
+          </a:p>
+          <a:p>
+            <a:r>
+              <a:rPr lang="tr-TR" sz="1200" dirty="0">
+                <a:solidFill>
+                  <a:srgbClr val="268BD2"/>
+                </a:solidFill>
+                <a:latin typeface="Consolas" panose="020B0609020204030204" pitchFamily="49" charset="0"/>
+              </a:rPr>
+              <a:t>    </a:t>
+            </a:r>
+            <a:r>
+              <a:rPr lang="tr-TR" sz="1200" dirty="0" err="1">
+                <a:solidFill>
+                  <a:srgbClr val="268BD2"/>
+                </a:solidFill>
+                <a:latin typeface="Consolas" panose="020B0609020204030204" pitchFamily="49" charset="0"/>
+              </a:rPr>
+              <a:t>nmonth</a:t>
+            </a:r>
+            <a:r>
+              <a:rPr lang="tr-TR" sz="1200" dirty="0">
+                <a:solidFill>
+                  <a:srgbClr val="657B83"/>
+                </a:solidFill>
+                <a:latin typeface="Consolas" panose="020B0609020204030204" pitchFamily="49" charset="0"/>
+              </a:rPr>
+              <a:t>: </a:t>
+            </a:r>
+            <a:r>
+              <a:rPr lang="tr-TR" sz="1200" dirty="0">
+                <a:solidFill>
+                  <a:srgbClr val="D33682"/>
+                </a:solidFill>
+                <a:latin typeface="Consolas" panose="020B0609020204030204" pitchFamily="49" charset="0"/>
+              </a:rPr>
+              <a:t>1</a:t>
+            </a:r>
+          </a:p>
+          <a:p>
+            <a:r>
+              <a:rPr lang="tr-TR" sz="1200" dirty="0">
+                <a:solidFill>
+                  <a:srgbClr val="D33682"/>
+                </a:solidFill>
+                <a:latin typeface="Consolas" panose="020B0609020204030204" pitchFamily="49" charset="0"/>
+              </a:rPr>
+              <a:t>    </a:t>
+            </a:r>
+            <a:r>
+              <a:rPr lang="tr-TR" sz="1200" dirty="0" err="1">
+                <a:solidFill>
+                  <a:srgbClr val="268BD2"/>
+                </a:solidFill>
+                <a:latin typeface="Consolas" panose="020B0609020204030204" pitchFamily="49" charset="0"/>
+              </a:rPr>
+              <a:t>initial_date</a:t>
+            </a:r>
+            <a:r>
+              <a:rPr lang="tr-TR" sz="1200" dirty="0">
+                <a:solidFill>
+                  <a:srgbClr val="657B83"/>
+                </a:solidFill>
+                <a:latin typeface="Consolas" panose="020B0609020204030204" pitchFamily="49" charset="0"/>
+              </a:rPr>
+              <a:t>:</a:t>
+            </a:r>
+            <a:r>
+              <a:rPr lang="en-GB" sz="1200" dirty="0"/>
+              <a:t> </a:t>
+            </a:r>
+            <a:r>
+              <a:rPr lang="tr-TR" sz="1200" dirty="0">
+                <a:solidFill>
+                  <a:srgbClr val="2AA198"/>
+                </a:solidFill>
+                <a:latin typeface="Consolas" panose="020B0609020204030204" pitchFamily="49" charset="0"/>
+              </a:rPr>
+              <a:t>"1850-01-01T00:00:00"</a:t>
+            </a:r>
+          </a:p>
+          <a:p>
+            <a:r>
+              <a:rPr lang="tr-TR" sz="1200" dirty="0">
+                <a:solidFill>
+                  <a:srgbClr val="D33682"/>
+                </a:solidFill>
+                <a:latin typeface="Consolas" panose="020B0609020204030204" pitchFamily="49" charset="0"/>
+              </a:rPr>
+              <a:t>    </a:t>
+            </a:r>
+            <a:r>
+              <a:rPr lang="tr-TR" sz="1200" dirty="0" err="1">
+                <a:solidFill>
+                  <a:srgbClr val="268BD2"/>
+                </a:solidFill>
+                <a:latin typeface="Consolas" panose="020B0609020204030204" pitchFamily="49" charset="0"/>
+              </a:rPr>
+              <a:t>final_date</a:t>
+            </a:r>
+            <a:r>
+              <a:rPr lang="tr-TR" sz="1200" dirty="0">
+                <a:solidFill>
+                  <a:srgbClr val="657B83"/>
+                </a:solidFill>
+                <a:latin typeface="Consolas" panose="020B0609020204030204" pitchFamily="49" charset="0"/>
+              </a:rPr>
+              <a:t>:</a:t>
+            </a:r>
+            <a:r>
+              <a:rPr lang="en-GB" sz="1200" dirty="0"/>
+              <a:t> </a:t>
+            </a:r>
+            <a:r>
+              <a:rPr lang="tr-TR" sz="1200" dirty="0">
+                <a:solidFill>
+                  <a:srgbClr val="2AA198"/>
+                </a:solidFill>
+                <a:latin typeface="Consolas" panose="020B0609020204030204" pitchFamily="49" charset="0"/>
+              </a:rPr>
+              <a:t>"1860-01-01T00:00:00"</a:t>
+            </a:r>
+            <a:endParaRPr lang="tr-TR" sz="1200" b="0" dirty="0">
+              <a:solidFill>
+                <a:srgbClr val="657B83"/>
+              </a:solidFill>
+              <a:effectLst/>
+              <a:latin typeface="Consolas" panose="020B0609020204030204" pitchFamily="49" charset="0"/>
+            </a:endParaRPr>
+          </a:p>
+        </p:txBody>
+      </p:sp>
+    </p:spTree>
+    <p:extLst>
+      <p:ext uri="{BB962C8B-B14F-4D97-AF65-F5344CB8AC3E}">
+        <p14:creationId xmlns:p14="http://schemas.microsoft.com/office/powerpoint/2010/main" val="2496045919"/>
+      </p:ext>
+    </p:extLst>
+  </p:cSld>
+  <p:clrMapOvr>
+    <a:masterClrMapping/>
+  </p:clrMapOvr>
+</p:sld>
+</file>
+
+<file path=ppt/slides/slide7.xml><?xml version="1.0" encoding="utf-8"?>
+<p:sld xmlns:a="http://schemas.openxmlformats.org/drawingml/2006/main" xmlns:r="http://schemas.openxmlformats.org/officeDocument/2006/relationships" xmlns:p="http://schemas.openxmlformats.org/presentationml/2006/main">
+  <p:cSld>
+    <p:spTree>
+      <p:nvGrpSpPr>
+        <p:cNvPr id="1" name=""/>
+        <p:cNvGrpSpPr/>
+        <p:nvPr/>
+      </p:nvGrpSpPr>
+      <p:grpSpPr>
+        <a:xfrm>
+          <a:off x="0" y="0"/>
+          <a:ext cx="0" cy="0"/>
+          <a:chOff x="0" y="0"/>
+          <a:chExt cx="0" cy="0"/>
+        </a:xfrm>
+      </p:grpSpPr>
+      <p:sp>
+        <p:nvSpPr>
+          <p:cNvPr id="2" name="Rectangle 1"/>
+          <p:cNvSpPr/>
+          <p:nvPr/>
+        </p:nvSpPr>
+        <p:spPr>
+          <a:xfrm>
+            <a:off x="0" y="2"/>
+            <a:ext cx="12192000" cy="1296364"/>
+          </a:xfrm>
+          <a:prstGeom prst="rect">
+            <a:avLst/>
+          </a:prstGeom>
+          <a:solidFill>
+            <a:srgbClr val="00ACE6"/>
+          </a:solidFill>
+          <a:ln>
+            <a:noFill/>
+          </a:ln>
+        </p:spPr>
+        <p:style>
+          <a:lnRef idx="2">
+            <a:schemeClr val="accent1">
+              <a:shade val="50000"/>
+            </a:schemeClr>
+          </a:lnRef>
+          <a:fillRef idx="1">
+            <a:schemeClr val="accent1"/>
+          </a:fillRef>
+          <a:effectRef idx="0">
+            <a:schemeClr val="accent1"/>
+          </a:effectRef>
+          <a:fontRef idx="minor">
+            <a:schemeClr val="lt1"/>
+          </a:fontRef>
+        </p:style>
+        <p:txBody>
+          <a:bodyPr rtlCol="0" anchor="ctr"/>
+          <a:lstStyle/>
+          <a:p>
+            <a:r>
+              <a:rPr lang="en-GB" sz="4800" b="1" dirty="0"/>
+              <a:t>Terminology – comp-*.</a:t>
+            </a:r>
+            <a:r>
+              <a:rPr lang="en-GB" sz="4800" b="1" dirty="0" err="1"/>
+              <a:t>sh</a:t>
+            </a:r>
+            <a:r>
+              <a:rPr lang="en-GB" sz="4800" b="1" dirty="0"/>
+              <a:t>/compilation scripts</a:t>
+            </a:r>
+          </a:p>
+        </p:txBody>
+      </p:sp>
+      <p:sp>
+        <p:nvSpPr>
+          <p:cNvPr id="7" name="Isosceles Triangle 6"/>
+          <p:cNvSpPr/>
+          <p:nvPr/>
+        </p:nvSpPr>
+        <p:spPr>
+          <a:xfrm rot="5400000">
+            <a:off x="348693" y="1536407"/>
+            <a:ext cx="457812" cy="394666"/>
+          </a:xfrm>
+          <a:prstGeom prst="triangle">
+            <a:avLst/>
+          </a:prstGeom>
+          <a:solidFill>
+            <a:srgbClr val="00ACE6"/>
+          </a:solidFill>
+          <a:ln>
+            <a:noFill/>
+          </a:ln>
+        </p:spPr>
+        <p:style>
+          <a:lnRef idx="2">
+            <a:schemeClr val="accent1">
+              <a:shade val="50000"/>
+            </a:schemeClr>
+          </a:lnRef>
+          <a:fillRef idx="1">
+            <a:schemeClr val="accent1"/>
+          </a:fillRef>
+          <a:effectRef idx="0">
+            <a:schemeClr val="accent1"/>
+          </a:effectRef>
+          <a:fontRef idx="minor">
+            <a:schemeClr val="lt1"/>
+          </a:fontRef>
+        </p:style>
+        <p:txBody>
+          <a:bodyPr rtlCol="0" anchor="ctr"/>
+          <a:lstStyle/>
+          <a:p>
+            <a:pPr algn="ctr"/>
+            <a:endParaRPr lang="en-GB"/>
+          </a:p>
+        </p:txBody>
+      </p:sp>
+      <p:sp>
+        <p:nvSpPr>
+          <p:cNvPr id="14" name="TextBox 13"/>
+          <p:cNvSpPr txBox="1"/>
+          <p:nvPr/>
+        </p:nvSpPr>
+        <p:spPr>
+          <a:xfrm>
+            <a:off x="1061012" y="1467813"/>
+            <a:ext cx="11020741" cy="6001643"/>
+          </a:xfrm>
+          <a:prstGeom prst="rect">
+            <a:avLst/>
+          </a:prstGeom>
+          <a:noFill/>
+        </p:spPr>
+        <p:txBody>
+          <a:bodyPr wrap="square" rtlCol="0">
+            <a:spAutoFit/>
+          </a:bodyPr>
+          <a:lstStyle/>
+          <a:p>
+            <a:r>
+              <a:rPr lang="en-GB" sz="2400" dirty="0"/>
+              <a:t>For each component that </a:t>
+            </a:r>
+            <a:br>
+              <a:rPr lang="en-GB" sz="2400" dirty="0"/>
+            </a:br>
+            <a:r>
+              <a:rPr lang="en-GB" sz="2400" b="1" dirty="0" err="1">
+                <a:solidFill>
+                  <a:srgbClr val="ED7D31"/>
+                </a:solidFill>
+              </a:rPr>
+              <a:t>esm_master</a:t>
+            </a:r>
+            <a:r>
+              <a:rPr lang="en-GB" sz="2400" b="1" dirty="0">
+                <a:solidFill>
+                  <a:srgbClr val="ED7D31"/>
+                </a:solidFill>
+              </a:rPr>
+              <a:t> </a:t>
+            </a:r>
+            <a:r>
+              <a:rPr lang="en-GB" sz="2400" dirty="0"/>
+              <a:t>builds, it produces a </a:t>
+            </a:r>
+            <a:br>
+              <a:rPr lang="en-GB" sz="2400" dirty="0"/>
+            </a:br>
+            <a:r>
+              <a:rPr lang="en-GB" sz="2400" dirty="0"/>
+              <a:t>compilation script </a:t>
+            </a:r>
+            <a:r>
+              <a:rPr lang="en-GB" sz="2400" b="1" dirty="0">
+                <a:solidFill>
+                  <a:schemeClr val="accent2"/>
+                </a:solidFill>
+              </a:rPr>
+              <a:t>comp-*.</a:t>
+            </a:r>
+            <a:r>
+              <a:rPr lang="en-GB" sz="2400" b="1" dirty="0" err="1">
+                <a:solidFill>
+                  <a:schemeClr val="accent2"/>
+                </a:solidFill>
+              </a:rPr>
+              <a:t>sh</a:t>
+            </a:r>
+            <a:r>
+              <a:rPr lang="en-GB" sz="2400" b="1" dirty="0"/>
+              <a:t> </a:t>
+            </a:r>
+            <a:r>
+              <a:rPr lang="en-GB" sz="2400" dirty="0"/>
+              <a:t> that</a:t>
+            </a:r>
+            <a:br>
+              <a:rPr lang="en-GB" sz="2400" dirty="0"/>
+            </a:br>
+            <a:r>
+              <a:rPr lang="en-GB" sz="2400" dirty="0"/>
+              <a:t>includes the environment specified </a:t>
+            </a:r>
+          </a:p>
+          <a:p>
+            <a:r>
+              <a:rPr lang="en-GB" sz="2400" dirty="0"/>
+              <a:t>in the configuration files (</a:t>
+            </a:r>
+            <a:r>
+              <a:rPr lang="en-GB" sz="2400" dirty="0">
+                <a:solidFill>
+                  <a:schemeClr val="accent2"/>
+                </a:solidFill>
+              </a:rPr>
+              <a:t>machine</a:t>
+            </a:r>
+            <a:r>
+              <a:rPr lang="en-GB" sz="2400" dirty="0"/>
+              <a:t> </a:t>
+            </a:r>
+          </a:p>
+          <a:p>
+            <a:r>
+              <a:rPr lang="en-GB" sz="2400" dirty="0"/>
+              <a:t>+ </a:t>
+            </a:r>
+            <a:r>
+              <a:rPr lang="en-GB" sz="2400" dirty="0">
+                <a:solidFill>
+                  <a:schemeClr val="accent2"/>
+                </a:solidFill>
+              </a:rPr>
+              <a:t>components</a:t>
+            </a:r>
+            <a:r>
+              <a:rPr lang="en-GB" sz="2400" dirty="0"/>
+              <a:t> + </a:t>
+            </a:r>
+            <a:r>
+              <a:rPr lang="en-GB" sz="2400" dirty="0">
+                <a:solidFill>
+                  <a:schemeClr val="accent2"/>
+                </a:solidFill>
+              </a:rPr>
+              <a:t>setups</a:t>
+            </a:r>
+            <a:r>
+              <a:rPr lang="en-GB" sz="2400" dirty="0"/>
+              <a:t> files </a:t>
+            </a:r>
+          </a:p>
+          <a:p>
+            <a:r>
+              <a:rPr lang="en-GB" sz="2400" dirty="0"/>
+              <a:t>involved)</a:t>
+            </a:r>
+          </a:p>
+          <a:p>
+            <a:endParaRPr lang="en-GB" sz="2400" b="1" dirty="0">
+              <a:solidFill>
+                <a:srgbClr val="ED7D31"/>
+              </a:solidFill>
+            </a:endParaRPr>
+          </a:p>
+          <a:p>
+            <a:r>
+              <a:rPr lang="en-GB" sz="2400" dirty="0"/>
+              <a:t>Written in the same directory where </a:t>
+            </a:r>
+            <a:br>
+              <a:rPr lang="en-GB" sz="2400" dirty="0"/>
+            </a:br>
+            <a:r>
+              <a:rPr lang="en-GB" sz="2400" dirty="0"/>
+              <a:t>you execute </a:t>
+            </a:r>
+            <a:r>
+              <a:rPr lang="en-GB" sz="2400" b="1" dirty="0" err="1">
+                <a:solidFill>
+                  <a:srgbClr val="ED7D31"/>
+                </a:solidFill>
+              </a:rPr>
+              <a:t>esm_master</a:t>
+            </a:r>
+            <a:endParaRPr lang="en-GB" sz="2400" b="1" dirty="0">
+              <a:solidFill>
+                <a:srgbClr val="ED7D31"/>
+              </a:solidFill>
+            </a:endParaRPr>
+          </a:p>
+          <a:p>
+            <a:endParaRPr lang="en-GB" sz="2400" dirty="0"/>
+          </a:p>
+          <a:p>
+            <a:r>
+              <a:rPr lang="en-GB" sz="2400" dirty="0"/>
+              <a:t>Copied to the compilation folder </a:t>
+            </a:r>
+          </a:p>
+          <a:p>
+            <a:r>
+              <a:rPr lang="en-GB" sz="2400" dirty="0"/>
+              <a:t>After the building finishes</a:t>
+            </a:r>
+          </a:p>
+          <a:p>
+            <a:endParaRPr lang="en-GB" sz="2400" b="1" dirty="0">
+              <a:solidFill>
+                <a:srgbClr val="31ACE6"/>
+              </a:solidFill>
+            </a:endParaRPr>
+          </a:p>
+          <a:p>
+            <a:endParaRPr lang="en-GB" sz="2400" b="1" dirty="0"/>
+          </a:p>
+          <a:p>
+            <a:endParaRPr lang="en-GB" sz="2400" dirty="0"/>
+          </a:p>
+        </p:txBody>
+      </p:sp>
+      <p:sp>
+        <p:nvSpPr>
+          <p:cNvPr id="5" name="Isosceles Triangle 6">
+            <a:extLst>
+              <a:ext uri="{FF2B5EF4-FFF2-40B4-BE49-F238E27FC236}">
+                <a16:creationId xmlns:a16="http://schemas.microsoft.com/office/drawing/2014/main" id="{CD2CD3CC-2F64-116F-334E-721E5A410F54}"/>
+              </a:ext>
+            </a:extLst>
+          </p:cNvPr>
+          <p:cNvSpPr/>
+          <p:nvPr/>
+        </p:nvSpPr>
+        <p:spPr>
+          <a:xfrm rot="5400000">
+            <a:off x="348693" y="4456741"/>
+            <a:ext cx="457812" cy="394666"/>
+          </a:xfrm>
+          <a:prstGeom prst="triangle">
+            <a:avLst/>
+          </a:prstGeom>
+          <a:solidFill>
+            <a:srgbClr val="00ACE6"/>
+          </a:solidFill>
+          <a:ln>
+            <a:noFill/>
+          </a:ln>
+        </p:spPr>
+        <p:style>
+          <a:lnRef idx="2">
+            <a:schemeClr val="accent1">
+              <a:shade val="50000"/>
+            </a:schemeClr>
+          </a:lnRef>
+          <a:fillRef idx="1">
+            <a:schemeClr val="accent1"/>
+          </a:fillRef>
+          <a:effectRef idx="0">
+            <a:schemeClr val="accent1"/>
+          </a:effectRef>
+          <a:fontRef idx="minor">
+            <a:schemeClr val="lt1"/>
+          </a:fontRef>
+        </p:style>
+        <p:txBody>
+          <a:bodyPr rtlCol="0" anchor="ctr"/>
+          <a:lstStyle/>
+          <a:p>
+            <a:pPr algn="ctr"/>
+            <a:endParaRPr lang="en-GB"/>
+          </a:p>
+        </p:txBody>
+      </p:sp>
+      <p:sp>
+        <p:nvSpPr>
+          <p:cNvPr id="6" name="Isosceles Triangle 6">
+            <a:extLst>
+              <a:ext uri="{FF2B5EF4-FFF2-40B4-BE49-F238E27FC236}">
+                <a16:creationId xmlns:a16="http://schemas.microsoft.com/office/drawing/2014/main" id="{BDCF8FD7-263A-3976-D6FC-9BD4605F56D3}"/>
+              </a:ext>
+            </a:extLst>
+          </p:cNvPr>
+          <p:cNvSpPr/>
+          <p:nvPr/>
+        </p:nvSpPr>
+        <p:spPr>
+          <a:xfrm rot="5400000">
+            <a:off x="343830" y="5562021"/>
+            <a:ext cx="457812" cy="394666"/>
+          </a:xfrm>
+          <a:prstGeom prst="triangle">
+            <a:avLst/>
+          </a:prstGeom>
+          <a:solidFill>
+            <a:srgbClr val="00ACE6"/>
+          </a:solidFill>
+          <a:ln>
+            <a:noFill/>
+          </a:ln>
+        </p:spPr>
+        <p:style>
+          <a:lnRef idx="2">
+            <a:schemeClr val="accent1">
+              <a:shade val="50000"/>
+            </a:schemeClr>
+          </a:lnRef>
+          <a:fillRef idx="1">
+            <a:schemeClr val="accent1"/>
+          </a:fillRef>
+          <a:effectRef idx="0">
+            <a:schemeClr val="accent1"/>
+          </a:effectRef>
+          <a:fontRef idx="minor">
+            <a:schemeClr val="lt1"/>
+          </a:fontRef>
+        </p:style>
+        <p:txBody>
+          <a:bodyPr rtlCol="0" anchor="ctr"/>
+          <a:lstStyle/>
+          <a:p>
+            <a:pPr algn="ctr"/>
+            <a:endParaRPr lang="en-GB"/>
+          </a:p>
+        </p:txBody>
+      </p:sp>
+      <p:sp>
+        <p:nvSpPr>
+          <p:cNvPr id="3" name="Rectangle 2">
+            <a:extLst>
+              <a:ext uri="{FF2B5EF4-FFF2-40B4-BE49-F238E27FC236}">
+                <a16:creationId xmlns:a16="http://schemas.microsoft.com/office/drawing/2014/main" id="{F08E39CC-E18B-375B-D343-E75E5F11D364}"/>
+              </a:ext>
+            </a:extLst>
+          </p:cNvPr>
+          <p:cNvSpPr/>
+          <p:nvPr/>
+        </p:nvSpPr>
+        <p:spPr>
+          <a:xfrm>
+            <a:off x="5771745" y="1390740"/>
+            <a:ext cx="7963711" cy="5447645"/>
+          </a:xfrm>
+          <a:prstGeom prst="rect">
+            <a:avLst/>
+          </a:prstGeom>
+          <a:solidFill>
+            <a:schemeClr val="bg1"/>
+          </a:solidFill>
+          <a:ln w="12700">
+            <a:solidFill>
+              <a:schemeClr val="tx1"/>
+            </a:solidFill>
+          </a:ln>
+        </p:spPr>
+        <p:txBody>
+          <a:bodyPr wrap="square">
+            <a:spAutoFit/>
+          </a:bodyPr>
+          <a:lstStyle/>
+          <a:p>
+            <a:r>
+              <a:rPr lang="en-GB" sz="1200" i="1" dirty="0">
+                <a:solidFill>
+                  <a:srgbClr val="535353"/>
+                </a:solidFill>
+                <a:latin typeface="Courier-Oblique" pitchFamily="2" charset="0"/>
+              </a:rPr>
+              <a:t>#!/bin/bash –l</a:t>
+            </a:r>
+          </a:p>
+          <a:p>
+            <a:r>
+              <a:rPr lang="en-GB" sz="1200" i="1" dirty="0">
+                <a:solidFill>
+                  <a:srgbClr val="535353"/>
+                </a:solidFill>
+                <a:latin typeface="Courier-Oblique" pitchFamily="2" charset="0"/>
+              </a:rPr>
+              <a:t># Dummy script generated by </a:t>
+            </a:r>
+            <a:r>
+              <a:rPr lang="en-GB" sz="1200" i="1" dirty="0" err="1">
+                <a:solidFill>
+                  <a:srgbClr val="535353"/>
+                </a:solidFill>
+                <a:latin typeface="Courier-Oblique" pitchFamily="2" charset="0"/>
+              </a:rPr>
+              <a:t>esm</a:t>
+            </a:r>
+            <a:r>
+              <a:rPr lang="en-GB" sz="1200" i="1" dirty="0">
+                <a:solidFill>
+                  <a:srgbClr val="535353"/>
+                </a:solidFill>
+                <a:latin typeface="Courier-Oblique" pitchFamily="2" charset="0"/>
+              </a:rPr>
+              <a:t>-tools, to be removed later:</a:t>
+            </a:r>
+          </a:p>
+          <a:p>
+            <a:r>
+              <a:rPr lang="en-GB" sz="1200" b="1" dirty="0">
+                <a:solidFill>
+                  <a:srgbClr val="000000"/>
+                </a:solidFill>
+                <a:latin typeface="Courier-Bold" pitchFamily="2" charset="0"/>
+              </a:rPr>
+              <a:t>set</a:t>
+            </a:r>
+            <a:r>
+              <a:rPr lang="en-GB" sz="1200" dirty="0">
+                <a:solidFill>
+                  <a:srgbClr val="000000"/>
+                </a:solidFill>
+                <a:latin typeface="Courier" pitchFamily="2" charset="0"/>
+              </a:rPr>
+              <a:t> </a:t>
+            </a:r>
+            <a:r>
+              <a:rPr lang="en-GB" sz="1200" dirty="0">
+                <a:solidFill>
+                  <a:srgbClr val="520026"/>
+                </a:solidFill>
+                <a:latin typeface="Courier" pitchFamily="2" charset="0"/>
+              </a:rPr>
+              <a:t>–e</a:t>
+            </a:r>
+          </a:p>
+          <a:p>
+            <a:r>
+              <a:rPr lang="en-GB" sz="1200" dirty="0">
+                <a:solidFill>
+                  <a:srgbClr val="000000"/>
+                </a:solidFill>
+                <a:latin typeface="Courier" pitchFamily="2" charset="0"/>
+              </a:rPr>
+              <a:t>module purge</a:t>
+            </a:r>
+          </a:p>
+          <a:p>
+            <a:r>
+              <a:rPr lang="en-GB" sz="1200" dirty="0">
+                <a:solidFill>
+                  <a:srgbClr val="000000"/>
+                </a:solidFill>
+                <a:latin typeface="Courier" pitchFamily="2" charset="0"/>
+              </a:rPr>
+              <a:t>module unload </a:t>
+            </a:r>
+            <a:r>
+              <a:rPr lang="en-GB" sz="1200" dirty="0" err="1">
+                <a:solidFill>
+                  <a:srgbClr val="000000"/>
+                </a:solidFill>
+                <a:latin typeface="Courier" pitchFamily="2" charset="0"/>
+              </a:rPr>
+              <a:t>netcdf_c</a:t>
+            </a:r>
+            <a:endParaRPr lang="en-GB" sz="1200" dirty="0">
+              <a:solidFill>
+                <a:srgbClr val="000000"/>
+              </a:solidFill>
+              <a:latin typeface="Courier" pitchFamily="2" charset="0"/>
+            </a:endParaRPr>
+          </a:p>
+          <a:p>
+            <a:r>
+              <a:rPr lang="en-GB" sz="1200" dirty="0">
+                <a:solidFill>
+                  <a:srgbClr val="000000"/>
+                </a:solidFill>
+                <a:latin typeface="Courier" pitchFamily="2" charset="0"/>
+              </a:rPr>
+              <a:t>module unload intel </a:t>
+            </a:r>
+            <a:r>
+              <a:rPr lang="en-GB" sz="1200" dirty="0" err="1">
+                <a:solidFill>
+                  <a:srgbClr val="000000"/>
+                </a:solidFill>
+                <a:latin typeface="Courier" pitchFamily="2" charset="0"/>
+              </a:rPr>
+              <a:t>intelmpi</a:t>
+            </a:r>
+            <a:endParaRPr lang="en-GB" sz="1200" dirty="0">
+              <a:solidFill>
+                <a:srgbClr val="000000"/>
+              </a:solidFill>
+              <a:latin typeface="Courier" pitchFamily="2" charset="0"/>
+            </a:endParaRPr>
+          </a:p>
+          <a:p>
+            <a:r>
+              <a:rPr lang="en-GB" sz="1200" dirty="0">
+                <a:solidFill>
+                  <a:srgbClr val="000000"/>
+                </a:solidFill>
+                <a:latin typeface="Courier" pitchFamily="2" charset="0"/>
+              </a:rPr>
+              <a:t>module load python3</a:t>
+            </a:r>
+            <a:r>
+              <a:rPr lang="en-GB" sz="1200" b="1" dirty="0">
+                <a:solidFill>
+                  <a:srgbClr val="000000"/>
+                </a:solidFill>
+                <a:latin typeface="Courier-Bold" pitchFamily="2" charset="0"/>
+              </a:rPr>
+              <a:t>/</a:t>
+            </a:r>
+            <a:r>
+              <a:rPr lang="en-GB" sz="1200" dirty="0">
+                <a:solidFill>
+                  <a:srgbClr val="000000"/>
+                </a:solidFill>
+                <a:latin typeface="Courier" pitchFamily="2" charset="0"/>
+              </a:rPr>
+              <a:t>2021.01-gcc-9.1.0</a:t>
+            </a:r>
+          </a:p>
+          <a:p>
+            <a:r>
+              <a:rPr lang="en-GB" sz="1200" dirty="0">
+                <a:solidFill>
+                  <a:srgbClr val="000000"/>
+                </a:solidFill>
+                <a:latin typeface="Courier" pitchFamily="2" charset="0"/>
+              </a:rPr>
+              <a:t>module load </a:t>
+            </a:r>
+            <a:r>
+              <a:rPr lang="en-GB" sz="1200" dirty="0" err="1">
+                <a:solidFill>
+                  <a:srgbClr val="000000"/>
+                </a:solidFill>
+                <a:latin typeface="Courier" pitchFamily="2" charset="0"/>
+              </a:rPr>
+              <a:t>cmake</a:t>
+            </a:r>
+            <a:r>
+              <a:rPr lang="en-GB" sz="1200" b="1" dirty="0">
+                <a:solidFill>
+                  <a:srgbClr val="000000"/>
+                </a:solidFill>
+                <a:latin typeface="Courier-Bold" pitchFamily="2" charset="0"/>
+              </a:rPr>
+              <a:t>/</a:t>
+            </a:r>
+            <a:r>
+              <a:rPr lang="en-GB" sz="1200" dirty="0">
+                <a:solidFill>
+                  <a:srgbClr val="000000"/>
+                </a:solidFill>
+                <a:latin typeface="Courier" pitchFamily="2" charset="0"/>
+              </a:rPr>
+              <a:t>3.13.3</a:t>
+            </a:r>
+          </a:p>
+          <a:p>
+            <a:r>
+              <a:rPr lang="en-GB" sz="1200" dirty="0">
+                <a:solidFill>
+                  <a:srgbClr val="000000"/>
+                </a:solidFill>
+                <a:latin typeface="Courier" pitchFamily="2" charset="0"/>
+              </a:rPr>
+              <a:t>module load </a:t>
+            </a:r>
+            <a:r>
+              <a:rPr lang="en-GB" sz="1200" dirty="0" err="1">
+                <a:solidFill>
+                  <a:srgbClr val="000000"/>
+                </a:solidFill>
+                <a:latin typeface="Courier" pitchFamily="2" charset="0"/>
+              </a:rPr>
+              <a:t>autoconf</a:t>
+            </a:r>
+            <a:r>
+              <a:rPr lang="en-GB" sz="1200" b="1" dirty="0">
+                <a:solidFill>
+                  <a:srgbClr val="000000"/>
+                </a:solidFill>
+                <a:latin typeface="Courier-Bold" pitchFamily="2" charset="0"/>
+              </a:rPr>
+              <a:t>/</a:t>
+            </a:r>
+            <a:r>
+              <a:rPr lang="en-GB" sz="1200" dirty="0">
+                <a:solidFill>
+                  <a:srgbClr val="000000"/>
+                </a:solidFill>
+                <a:latin typeface="Courier" pitchFamily="2" charset="0"/>
+              </a:rPr>
+              <a:t>2.69</a:t>
+            </a:r>
+          </a:p>
+          <a:p>
+            <a:r>
+              <a:rPr lang="en-GB" sz="1200" dirty="0">
+                <a:solidFill>
+                  <a:srgbClr val="000000"/>
+                </a:solidFill>
+                <a:latin typeface="Courier" pitchFamily="2" charset="0"/>
+              </a:rPr>
+              <a:t>module load </a:t>
+            </a:r>
+            <a:r>
+              <a:rPr lang="en-GB" sz="1200" dirty="0" err="1">
+                <a:solidFill>
+                  <a:srgbClr val="000000"/>
+                </a:solidFill>
+                <a:latin typeface="Courier" pitchFamily="2" charset="0"/>
+              </a:rPr>
+              <a:t>nco</a:t>
+            </a:r>
+            <a:r>
+              <a:rPr lang="en-GB" sz="1200" dirty="0">
+                <a:solidFill>
+                  <a:srgbClr val="000000"/>
+                </a:solidFill>
+                <a:latin typeface="Courier" pitchFamily="2" charset="0"/>
+              </a:rPr>
+              <a:t> </a:t>
+            </a:r>
+          </a:p>
+          <a:p>
+            <a:r>
+              <a:rPr lang="en-GB" sz="1200" dirty="0">
+                <a:solidFill>
+                  <a:srgbClr val="000000"/>
+                </a:solidFill>
+                <a:latin typeface="Courier" pitchFamily="2" charset="0"/>
+              </a:rPr>
+              <a:t>module load </a:t>
+            </a:r>
+            <a:r>
+              <a:rPr lang="en-GB" sz="1200" dirty="0" err="1">
+                <a:solidFill>
+                  <a:srgbClr val="000000"/>
+                </a:solidFill>
+                <a:latin typeface="Courier" pitchFamily="2" charset="0"/>
+              </a:rPr>
+              <a:t>cdo</a:t>
+            </a:r>
+            <a:r>
+              <a:rPr lang="en-GB" sz="1200" dirty="0">
+                <a:solidFill>
+                  <a:srgbClr val="000000"/>
+                </a:solidFill>
+                <a:latin typeface="Courier" pitchFamily="2" charset="0"/>
+              </a:rPr>
+              <a:t> </a:t>
+            </a:r>
+          </a:p>
+          <a:p>
+            <a:r>
+              <a:rPr lang="en-GB" sz="1200" dirty="0">
+                <a:solidFill>
+                  <a:srgbClr val="000000"/>
+                </a:solidFill>
+                <a:latin typeface="Courier" pitchFamily="2" charset="0"/>
+              </a:rPr>
+              <a:t>module load </a:t>
+            </a:r>
+            <a:r>
+              <a:rPr lang="en-GB" sz="1200" dirty="0" err="1">
+                <a:solidFill>
+                  <a:srgbClr val="000000"/>
+                </a:solidFill>
+                <a:latin typeface="Courier" pitchFamily="2" charset="0"/>
+              </a:rPr>
+              <a:t>gcc</a:t>
+            </a:r>
+            <a:r>
+              <a:rPr lang="en-GB" sz="1200" b="1" dirty="0">
+                <a:solidFill>
+                  <a:srgbClr val="000000"/>
+                </a:solidFill>
+                <a:latin typeface="Courier-Bold" pitchFamily="2" charset="0"/>
+              </a:rPr>
+              <a:t>/</a:t>
+            </a:r>
+            <a:r>
+              <a:rPr lang="en-GB" sz="1200" dirty="0">
+                <a:solidFill>
+                  <a:srgbClr val="000000"/>
+                </a:solidFill>
+                <a:latin typeface="Courier" pitchFamily="2" charset="0"/>
+              </a:rPr>
+              <a:t>4.8.2</a:t>
+            </a:r>
+          </a:p>
+          <a:p>
+            <a:r>
+              <a:rPr lang="en-GB" sz="1200" dirty="0">
+                <a:solidFill>
+                  <a:srgbClr val="000000"/>
+                </a:solidFill>
+                <a:latin typeface="Courier" pitchFamily="2" charset="0"/>
+              </a:rPr>
+              <a:t>module unload intel </a:t>
+            </a:r>
+            <a:r>
+              <a:rPr lang="en-GB" sz="1200" dirty="0" err="1">
+                <a:solidFill>
+                  <a:srgbClr val="000000"/>
+                </a:solidFill>
+                <a:latin typeface="Courier" pitchFamily="2" charset="0"/>
+              </a:rPr>
+              <a:t>intelmpi</a:t>
+            </a:r>
+            <a:endParaRPr lang="en-GB" sz="1200" dirty="0">
+              <a:solidFill>
+                <a:srgbClr val="000000"/>
+              </a:solidFill>
+              <a:latin typeface="Courier" pitchFamily="2" charset="0"/>
+            </a:endParaRPr>
+          </a:p>
+          <a:p>
+            <a:r>
+              <a:rPr lang="en-GB" sz="1200" dirty="0">
+                <a:solidFill>
+                  <a:srgbClr val="000000"/>
+                </a:solidFill>
+                <a:latin typeface="Courier" pitchFamily="2" charset="0"/>
+              </a:rPr>
+              <a:t>module load intel</a:t>
+            </a:r>
+            <a:r>
+              <a:rPr lang="en-GB" sz="1200" b="1" dirty="0">
+                <a:solidFill>
+                  <a:srgbClr val="000000"/>
+                </a:solidFill>
+                <a:latin typeface="Courier-Bold" pitchFamily="2" charset="0"/>
+              </a:rPr>
+              <a:t>/</a:t>
+            </a:r>
+            <a:r>
+              <a:rPr lang="en-GB" sz="1200" dirty="0">
+                <a:solidFill>
+                  <a:srgbClr val="000000"/>
+                </a:solidFill>
+                <a:latin typeface="Courier" pitchFamily="2" charset="0"/>
+              </a:rPr>
+              <a:t>18.0.4 </a:t>
+            </a:r>
+            <a:r>
+              <a:rPr lang="en-GB" sz="1200" dirty="0" err="1">
+                <a:solidFill>
+                  <a:srgbClr val="000000"/>
+                </a:solidFill>
+                <a:latin typeface="Courier" pitchFamily="2" charset="0"/>
+              </a:rPr>
+              <a:t>intelmpi</a:t>
+            </a:r>
+            <a:r>
+              <a:rPr lang="en-GB" sz="1200" b="1" dirty="0">
+                <a:solidFill>
+                  <a:srgbClr val="000000"/>
+                </a:solidFill>
+                <a:latin typeface="Courier-Bold" pitchFamily="2" charset="0"/>
+              </a:rPr>
+              <a:t>/</a:t>
+            </a:r>
+            <a:r>
+              <a:rPr lang="en-GB" sz="1200" dirty="0">
+                <a:solidFill>
+                  <a:srgbClr val="000000"/>
+                </a:solidFill>
+                <a:latin typeface="Courier" pitchFamily="2" charset="0"/>
+              </a:rPr>
+              <a:t>2018.5.288</a:t>
+            </a:r>
+          </a:p>
+          <a:p>
+            <a:r>
+              <a:rPr lang="en-GB" sz="1200" dirty="0">
+                <a:solidFill>
+                  <a:srgbClr val="000000"/>
+                </a:solidFill>
+                <a:latin typeface="Courier" pitchFamily="2" charset="0"/>
+              </a:rPr>
+              <a:t>module load </a:t>
+            </a:r>
+            <a:r>
+              <a:rPr lang="en-GB" sz="1200" dirty="0" err="1">
+                <a:solidFill>
+                  <a:srgbClr val="000000"/>
+                </a:solidFill>
+                <a:latin typeface="Courier" pitchFamily="2" charset="0"/>
+              </a:rPr>
+              <a:t>libtool</a:t>
+            </a:r>
+            <a:r>
+              <a:rPr lang="en-GB" sz="1200" b="1" dirty="0">
+                <a:solidFill>
+                  <a:srgbClr val="000000"/>
+                </a:solidFill>
+                <a:latin typeface="Courier-Bold" pitchFamily="2" charset="0"/>
+              </a:rPr>
+              <a:t>/</a:t>
+            </a:r>
+            <a:r>
+              <a:rPr lang="en-GB" sz="1200" dirty="0">
+                <a:solidFill>
+                  <a:srgbClr val="000000"/>
+                </a:solidFill>
+                <a:latin typeface="Courier" pitchFamily="2" charset="0"/>
+              </a:rPr>
+              <a:t>2.4.6</a:t>
+            </a:r>
+          </a:p>
+          <a:p>
+            <a:r>
+              <a:rPr lang="en-GB" sz="1200" dirty="0">
+                <a:solidFill>
+                  <a:srgbClr val="000000"/>
+                </a:solidFill>
+                <a:latin typeface="Courier" pitchFamily="2" charset="0"/>
+              </a:rPr>
+              <a:t>module load </a:t>
+            </a:r>
+            <a:r>
+              <a:rPr lang="en-GB" sz="1200" dirty="0" err="1">
+                <a:solidFill>
+                  <a:srgbClr val="000000"/>
+                </a:solidFill>
+                <a:latin typeface="Courier" pitchFamily="2" charset="0"/>
+              </a:rPr>
+              <a:t>automake</a:t>
+            </a:r>
+            <a:r>
+              <a:rPr lang="en-GB" sz="1200" b="1" dirty="0">
+                <a:solidFill>
+                  <a:srgbClr val="000000"/>
+                </a:solidFill>
+                <a:latin typeface="Courier-Bold" pitchFamily="2" charset="0"/>
+              </a:rPr>
+              <a:t>/</a:t>
+            </a:r>
+            <a:r>
+              <a:rPr lang="en-GB" sz="1200" dirty="0">
+                <a:solidFill>
+                  <a:srgbClr val="000000"/>
+                </a:solidFill>
+                <a:latin typeface="Courier" pitchFamily="2" charset="0"/>
+              </a:rPr>
+              <a:t>1.14.1</a:t>
+            </a:r>
+          </a:p>
+          <a:p>
+            <a:r>
+              <a:rPr lang="en-GB" sz="1200" dirty="0">
+                <a:solidFill>
+                  <a:srgbClr val="000000"/>
+                </a:solidFill>
+                <a:latin typeface="Courier" pitchFamily="2" charset="0"/>
+              </a:rPr>
+              <a:t>module unload </a:t>
+            </a:r>
+            <a:r>
+              <a:rPr lang="en-GB" sz="1200" b="1" dirty="0" err="1">
+                <a:solidFill>
+                  <a:srgbClr val="B200AA"/>
+                </a:solidFill>
+                <a:latin typeface="Courier-Bold" pitchFamily="2" charset="0"/>
+              </a:rPr>
+              <a:t>gcc</a:t>
+            </a:r>
+            <a:r>
+              <a:rPr lang="en-GB" sz="1200" dirty="0">
+                <a:solidFill>
+                  <a:srgbClr val="000000"/>
+                </a:solidFill>
+                <a:latin typeface="Courier" pitchFamily="2" charset="0"/>
+              </a:rPr>
+              <a:t> </a:t>
+            </a:r>
+          </a:p>
+          <a:p>
+            <a:r>
+              <a:rPr lang="en-GB" sz="1200" dirty="0">
+                <a:solidFill>
+                  <a:srgbClr val="000000"/>
+                </a:solidFill>
+                <a:latin typeface="Courier" pitchFamily="2" charset="0"/>
+              </a:rPr>
+              <a:t>module load </a:t>
+            </a:r>
+            <a:r>
+              <a:rPr lang="en-GB" sz="1200" dirty="0" err="1">
+                <a:solidFill>
+                  <a:srgbClr val="000000"/>
+                </a:solidFill>
+                <a:latin typeface="Courier" pitchFamily="2" charset="0"/>
+              </a:rPr>
+              <a:t>gcc</a:t>
+            </a:r>
+            <a:r>
+              <a:rPr lang="en-GB" sz="1200" b="1" dirty="0">
+                <a:solidFill>
+                  <a:srgbClr val="000000"/>
+                </a:solidFill>
+                <a:latin typeface="Courier-Bold" pitchFamily="2" charset="0"/>
+              </a:rPr>
+              <a:t>/</a:t>
+            </a:r>
+            <a:r>
+              <a:rPr lang="en-GB" sz="1200" dirty="0">
+                <a:solidFill>
+                  <a:srgbClr val="000000"/>
+                </a:solidFill>
+                <a:latin typeface="Courier" pitchFamily="2" charset="0"/>
+              </a:rPr>
+              <a:t>4.8.2 </a:t>
+            </a:r>
+          </a:p>
+          <a:p>
+            <a:r>
+              <a:rPr lang="en-GB" sz="1200" b="1" dirty="0">
+                <a:solidFill>
+                  <a:srgbClr val="650061"/>
+                </a:solidFill>
+                <a:latin typeface="Courier-Bold" pitchFamily="2" charset="0"/>
+              </a:rPr>
+              <a:t>export</a:t>
+            </a:r>
+            <a:r>
+              <a:rPr lang="en-GB" sz="1200" dirty="0">
+                <a:solidFill>
+                  <a:srgbClr val="000000"/>
+                </a:solidFill>
+                <a:latin typeface="Courier" pitchFamily="2" charset="0"/>
+              </a:rPr>
+              <a:t> </a:t>
+            </a:r>
+            <a:r>
+              <a:rPr lang="en-GB" sz="1200" dirty="0">
+                <a:solidFill>
+                  <a:srgbClr val="0E6801"/>
+                </a:solidFill>
+                <a:latin typeface="Courier" pitchFamily="2" charset="0"/>
+              </a:rPr>
+              <a:t>LC_ALL</a:t>
+            </a:r>
+            <a:r>
+              <a:rPr lang="en-GB" sz="1200" dirty="0">
+                <a:solidFill>
+                  <a:srgbClr val="000000"/>
+                </a:solidFill>
+                <a:latin typeface="Courier" pitchFamily="2" charset="0"/>
+              </a:rPr>
+              <a:t>=en_US.UTF-8</a:t>
+            </a:r>
+          </a:p>
+          <a:p>
+            <a:r>
+              <a:rPr lang="en-GB" sz="1200" b="1" dirty="0">
+                <a:solidFill>
+                  <a:srgbClr val="650061"/>
+                </a:solidFill>
+                <a:latin typeface="Courier-Bold" pitchFamily="2" charset="0"/>
+              </a:rPr>
+              <a:t>export</a:t>
+            </a:r>
+            <a:r>
+              <a:rPr lang="en-GB" sz="1200" dirty="0">
+                <a:solidFill>
+                  <a:srgbClr val="000000"/>
+                </a:solidFill>
+                <a:latin typeface="Courier" pitchFamily="2" charset="0"/>
+              </a:rPr>
+              <a:t> </a:t>
+            </a:r>
+            <a:r>
+              <a:rPr lang="en-GB" sz="1200" dirty="0">
+                <a:solidFill>
+                  <a:srgbClr val="0E6801"/>
+                </a:solidFill>
+                <a:latin typeface="Courier" pitchFamily="2" charset="0"/>
+              </a:rPr>
+              <a:t>FC</a:t>
+            </a:r>
+            <a:r>
+              <a:rPr lang="en-GB" sz="1200" dirty="0">
+                <a:solidFill>
+                  <a:srgbClr val="000000"/>
+                </a:solidFill>
+                <a:latin typeface="Courier" pitchFamily="2" charset="0"/>
+              </a:rPr>
+              <a:t>=</a:t>
+            </a:r>
+            <a:r>
+              <a:rPr lang="en-GB" sz="1200" dirty="0" err="1">
+                <a:solidFill>
+                  <a:srgbClr val="000000"/>
+                </a:solidFill>
+                <a:latin typeface="Courier" pitchFamily="2" charset="0"/>
+              </a:rPr>
+              <a:t>mpiifort</a:t>
+            </a:r>
+            <a:endParaRPr lang="en-GB" sz="1200" dirty="0">
+              <a:solidFill>
+                <a:srgbClr val="000000"/>
+              </a:solidFill>
+              <a:latin typeface="Courier" pitchFamily="2" charset="0"/>
+            </a:endParaRPr>
+          </a:p>
+          <a:p>
+            <a:r>
+              <a:rPr lang="en-GB" sz="1200" b="1" dirty="0">
+                <a:solidFill>
+                  <a:srgbClr val="650061"/>
+                </a:solidFill>
+                <a:latin typeface="Courier-Bold" pitchFamily="2" charset="0"/>
+              </a:rPr>
+              <a:t>export</a:t>
+            </a:r>
+            <a:r>
+              <a:rPr lang="en-GB" sz="1200" dirty="0">
+                <a:solidFill>
+                  <a:srgbClr val="000000"/>
+                </a:solidFill>
+                <a:latin typeface="Courier" pitchFamily="2" charset="0"/>
+              </a:rPr>
+              <a:t> </a:t>
+            </a:r>
+            <a:r>
+              <a:rPr lang="en-GB" sz="1200" dirty="0">
+                <a:solidFill>
+                  <a:srgbClr val="0E6801"/>
+                </a:solidFill>
+                <a:latin typeface="Courier" pitchFamily="2" charset="0"/>
+              </a:rPr>
+              <a:t>F77</a:t>
+            </a:r>
+            <a:r>
+              <a:rPr lang="en-GB" sz="1200" dirty="0">
+                <a:solidFill>
+                  <a:srgbClr val="000000"/>
+                </a:solidFill>
+                <a:latin typeface="Courier" pitchFamily="2" charset="0"/>
+              </a:rPr>
+              <a:t>=</a:t>
+            </a:r>
+            <a:r>
+              <a:rPr lang="en-GB" sz="1200" dirty="0" err="1">
+                <a:solidFill>
+                  <a:srgbClr val="000000"/>
+                </a:solidFill>
+                <a:latin typeface="Courier" pitchFamily="2" charset="0"/>
+              </a:rPr>
+              <a:t>mpiifort</a:t>
+            </a:r>
+            <a:endParaRPr lang="en-GB" sz="1200" dirty="0">
+              <a:solidFill>
+                <a:srgbClr val="000000"/>
+              </a:solidFill>
+              <a:latin typeface="Courier" pitchFamily="2" charset="0"/>
+            </a:endParaRPr>
+          </a:p>
+          <a:p>
+            <a:r>
+              <a:rPr lang="en-GB" sz="1200" b="1" dirty="0">
+                <a:solidFill>
+                  <a:srgbClr val="650061"/>
+                </a:solidFill>
+                <a:latin typeface="Courier-Bold" pitchFamily="2" charset="0"/>
+              </a:rPr>
+              <a:t>export</a:t>
+            </a:r>
+            <a:r>
+              <a:rPr lang="en-GB" sz="1200" dirty="0">
+                <a:solidFill>
+                  <a:srgbClr val="000000"/>
+                </a:solidFill>
+                <a:latin typeface="Courier" pitchFamily="2" charset="0"/>
+              </a:rPr>
+              <a:t> </a:t>
+            </a:r>
+            <a:r>
+              <a:rPr lang="en-GB" sz="1200" dirty="0">
+                <a:solidFill>
+                  <a:srgbClr val="0E6801"/>
+                </a:solidFill>
+                <a:latin typeface="Courier" pitchFamily="2" charset="0"/>
+              </a:rPr>
+              <a:t>MPIFC</a:t>
+            </a:r>
+            <a:r>
+              <a:rPr lang="en-GB" sz="1200" dirty="0">
+                <a:solidFill>
+                  <a:srgbClr val="000000"/>
+                </a:solidFill>
+                <a:latin typeface="Courier" pitchFamily="2" charset="0"/>
+              </a:rPr>
+              <a:t>=</a:t>
+            </a:r>
+            <a:r>
+              <a:rPr lang="en-GB" sz="1200" dirty="0" err="1">
+                <a:solidFill>
+                  <a:srgbClr val="000000"/>
+                </a:solidFill>
+                <a:latin typeface="Courier" pitchFamily="2" charset="0"/>
+              </a:rPr>
+              <a:t>mpiifort</a:t>
+            </a:r>
+            <a:endParaRPr lang="en-GB" sz="1200" dirty="0">
+              <a:solidFill>
+                <a:srgbClr val="000000"/>
+              </a:solidFill>
+              <a:latin typeface="Courier" pitchFamily="2" charset="0"/>
+            </a:endParaRPr>
+          </a:p>
+          <a:p>
+            <a:r>
+              <a:rPr lang="en-GB" sz="1200" b="1" dirty="0">
+                <a:solidFill>
+                  <a:srgbClr val="650061"/>
+                </a:solidFill>
+                <a:latin typeface="Courier-Bold" pitchFamily="2" charset="0"/>
+              </a:rPr>
+              <a:t>export</a:t>
+            </a:r>
+            <a:r>
+              <a:rPr lang="en-GB" sz="1200" dirty="0">
+                <a:solidFill>
+                  <a:srgbClr val="000000"/>
+                </a:solidFill>
+                <a:latin typeface="Courier" pitchFamily="2" charset="0"/>
+              </a:rPr>
+              <a:t> </a:t>
+            </a:r>
+            <a:r>
+              <a:rPr lang="en-GB" sz="1200" dirty="0">
+                <a:solidFill>
+                  <a:srgbClr val="0E6801"/>
+                </a:solidFill>
+                <a:latin typeface="Courier" pitchFamily="2" charset="0"/>
+              </a:rPr>
+              <a:t>CC</a:t>
+            </a:r>
+            <a:r>
+              <a:rPr lang="en-GB" sz="1200" dirty="0">
+                <a:solidFill>
+                  <a:srgbClr val="000000"/>
+                </a:solidFill>
+                <a:latin typeface="Courier" pitchFamily="2" charset="0"/>
+              </a:rPr>
+              <a:t>=</a:t>
+            </a:r>
+            <a:r>
+              <a:rPr lang="en-GB" sz="1200" dirty="0" err="1">
+                <a:solidFill>
+                  <a:srgbClr val="000000"/>
+                </a:solidFill>
+                <a:latin typeface="Courier" pitchFamily="2" charset="0"/>
+              </a:rPr>
+              <a:t>mpiicc</a:t>
+            </a:r>
+            <a:endParaRPr lang="en-GB" sz="1200" dirty="0">
+              <a:solidFill>
+                <a:srgbClr val="000000"/>
+              </a:solidFill>
+              <a:latin typeface="Courier" pitchFamily="2" charset="0"/>
+            </a:endParaRPr>
+          </a:p>
+          <a:p>
+            <a:r>
+              <a:rPr lang="en-GB" sz="1200" b="1" dirty="0">
+                <a:solidFill>
+                  <a:srgbClr val="650061"/>
+                </a:solidFill>
+                <a:latin typeface="Courier-Bold" pitchFamily="2" charset="0"/>
+              </a:rPr>
+              <a:t>export</a:t>
+            </a:r>
+            <a:r>
+              <a:rPr lang="en-GB" sz="1200" dirty="0">
+                <a:solidFill>
+                  <a:srgbClr val="000000"/>
+                </a:solidFill>
+                <a:latin typeface="Courier" pitchFamily="2" charset="0"/>
+              </a:rPr>
+              <a:t> </a:t>
+            </a:r>
+            <a:r>
+              <a:rPr lang="en-GB" sz="1200" dirty="0">
+                <a:solidFill>
+                  <a:srgbClr val="0E6801"/>
+                </a:solidFill>
+                <a:latin typeface="Courier" pitchFamily="2" charset="0"/>
+              </a:rPr>
+              <a:t>CXX</a:t>
+            </a:r>
+            <a:r>
+              <a:rPr lang="en-GB" sz="1200" dirty="0">
+                <a:solidFill>
+                  <a:srgbClr val="000000"/>
+                </a:solidFill>
+                <a:latin typeface="Courier" pitchFamily="2" charset="0"/>
+              </a:rPr>
+              <a:t>=</a:t>
+            </a:r>
+            <a:r>
+              <a:rPr lang="en-GB" sz="1200" dirty="0" err="1">
+                <a:solidFill>
+                  <a:srgbClr val="000000"/>
+                </a:solidFill>
+                <a:latin typeface="Courier" pitchFamily="2" charset="0"/>
+              </a:rPr>
+              <a:t>mpiicpc</a:t>
+            </a:r>
+            <a:endParaRPr lang="en-GB" sz="1200" dirty="0">
+              <a:solidFill>
+                <a:srgbClr val="000000"/>
+              </a:solidFill>
+              <a:latin typeface="Courier" pitchFamily="2" charset="0"/>
+            </a:endParaRPr>
+          </a:p>
+          <a:p>
+            <a:r>
+              <a:rPr lang="en-GB" sz="1200" b="1" dirty="0">
+                <a:solidFill>
+                  <a:srgbClr val="650061"/>
+                </a:solidFill>
+                <a:latin typeface="Courier-Bold" pitchFamily="2" charset="0"/>
+              </a:rPr>
+              <a:t>export</a:t>
+            </a:r>
+            <a:r>
+              <a:rPr lang="en-GB" sz="1200" dirty="0">
+                <a:solidFill>
+                  <a:srgbClr val="000000"/>
+                </a:solidFill>
+                <a:latin typeface="Courier" pitchFamily="2" charset="0"/>
+              </a:rPr>
+              <a:t> </a:t>
+            </a:r>
+            <a:r>
+              <a:rPr lang="en-GB" sz="1200" dirty="0">
+                <a:solidFill>
+                  <a:srgbClr val="0E6801"/>
+                </a:solidFill>
+                <a:latin typeface="Courier" pitchFamily="2" charset="0"/>
+              </a:rPr>
+              <a:t>MPIROOT</a:t>
+            </a:r>
+            <a:r>
+              <a:rPr lang="en-GB" sz="1200" dirty="0">
+                <a:solidFill>
+                  <a:srgbClr val="000000"/>
+                </a:solidFill>
+                <a:latin typeface="Courier" pitchFamily="2" charset="0"/>
+              </a:rPr>
+              <a:t>=</a:t>
+            </a:r>
+            <a:r>
+              <a:rPr lang="en-GB" sz="1200" dirty="0">
+                <a:solidFill>
+                  <a:srgbClr val="FB0007"/>
+                </a:solidFill>
+                <a:latin typeface="Courier" pitchFamily="2" charset="0"/>
+              </a:rPr>
+              <a:t>"</a:t>
+            </a:r>
+            <a:r>
+              <a:rPr lang="en-GB" sz="1200" dirty="0">
+                <a:solidFill>
+                  <a:srgbClr val="0E6801"/>
+                </a:solidFill>
+                <a:latin typeface="Courier" pitchFamily="2" charset="0"/>
+              </a:rPr>
+              <a:t>$(</a:t>
+            </a:r>
+            <a:r>
+              <a:rPr lang="en-GB" sz="1200" dirty="0" err="1">
+                <a:solidFill>
+                  <a:srgbClr val="0E6801"/>
+                </a:solidFill>
+                <a:latin typeface="Courier" pitchFamily="2" charset="0"/>
+              </a:rPr>
+              <a:t>mpiifort</a:t>
+            </a:r>
+            <a:r>
+              <a:rPr lang="en-GB" sz="1200" dirty="0">
+                <a:solidFill>
+                  <a:srgbClr val="0E6801"/>
+                </a:solidFill>
+                <a:latin typeface="Courier" pitchFamily="2" charset="0"/>
+              </a:rPr>
+              <a:t> -show | </a:t>
+            </a:r>
+            <a:r>
+              <a:rPr lang="en-GB" sz="1200" dirty="0" err="1">
+                <a:solidFill>
+                  <a:srgbClr val="0E6801"/>
+                </a:solidFill>
+                <a:latin typeface="Courier" pitchFamily="2" charset="0"/>
+              </a:rPr>
+              <a:t>perl</a:t>
+            </a:r>
+            <a:r>
+              <a:rPr lang="en-GB" sz="1200" dirty="0">
+                <a:solidFill>
+                  <a:srgbClr val="0E6801"/>
+                </a:solidFill>
+                <a:latin typeface="Courier" pitchFamily="2" charset="0"/>
+              </a:rPr>
+              <a:t> -</a:t>
+            </a:r>
+            <a:r>
+              <a:rPr lang="en-GB" sz="1200" dirty="0" err="1">
+                <a:solidFill>
+                  <a:srgbClr val="0E6801"/>
+                </a:solidFill>
+                <a:latin typeface="Courier" pitchFamily="2" charset="0"/>
+              </a:rPr>
+              <a:t>lne</a:t>
+            </a:r>
+            <a:r>
+              <a:rPr lang="en-GB" sz="1200" dirty="0">
+                <a:solidFill>
+                  <a:srgbClr val="0E6801"/>
+                </a:solidFill>
+                <a:latin typeface="Courier" pitchFamily="2" charset="0"/>
+              </a:rPr>
+              <a:t> 'm{ -I(.*?)</a:t>
+            </a:r>
+            <a:r>
+              <a:rPr lang="en-GB" sz="1200" dirty="0">
+                <a:solidFill>
+                  <a:srgbClr val="FB0007"/>
+                </a:solidFill>
+                <a:latin typeface="Courier" pitchFamily="2" charset="0"/>
+              </a:rPr>
+              <a:t>/include } and print $1’)”</a:t>
+            </a:r>
+          </a:p>
+          <a:p>
+            <a:r>
+              <a:rPr lang="en-GB" sz="1200" dirty="0">
+                <a:solidFill>
+                  <a:srgbClr val="000000"/>
+                </a:solidFill>
+                <a:latin typeface="Courier" pitchFamily="2" charset="0"/>
+              </a:rPr>
+              <a:t>... </a:t>
+            </a:r>
+          </a:p>
+          <a:p>
+            <a:r>
+              <a:rPr lang="en-GB" sz="1200" b="1" dirty="0">
+                <a:solidFill>
+                  <a:srgbClr val="650061"/>
+                </a:solidFill>
+                <a:latin typeface="Courier-Bold" pitchFamily="2" charset="0"/>
+              </a:rPr>
+              <a:t>cd</a:t>
+            </a:r>
+            <a:r>
+              <a:rPr lang="en-GB" sz="1200" dirty="0">
+                <a:solidFill>
+                  <a:srgbClr val="000000"/>
+                </a:solidFill>
+                <a:latin typeface="Courier" pitchFamily="2" charset="0"/>
+              </a:rPr>
+              <a:t> fesom-2.1</a:t>
+            </a:r>
+          </a:p>
+          <a:p>
+            <a:r>
+              <a:rPr lang="en-GB" sz="1200" b="1" dirty="0" err="1">
+                <a:solidFill>
+                  <a:srgbClr val="B200AA"/>
+                </a:solidFill>
+                <a:latin typeface="Courier-Bold" pitchFamily="2" charset="0"/>
+              </a:rPr>
+              <a:t>mkdir</a:t>
+            </a:r>
+            <a:r>
+              <a:rPr lang="en-GB" sz="1200" dirty="0">
+                <a:solidFill>
+                  <a:srgbClr val="000000"/>
+                </a:solidFill>
+                <a:latin typeface="Courier" pitchFamily="2" charset="0"/>
+              </a:rPr>
+              <a:t> </a:t>
+            </a:r>
+            <a:r>
+              <a:rPr lang="en-GB" sz="1200" dirty="0">
+                <a:solidFill>
+                  <a:srgbClr val="520026"/>
+                </a:solidFill>
+                <a:latin typeface="Courier" pitchFamily="2" charset="0"/>
+              </a:rPr>
+              <a:t>-p</a:t>
+            </a:r>
+            <a:r>
+              <a:rPr lang="en-GB" sz="1200" dirty="0">
+                <a:solidFill>
+                  <a:srgbClr val="000000"/>
+                </a:solidFill>
+                <a:latin typeface="Courier" pitchFamily="2" charset="0"/>
+              </a:rPr>
+              <a:t> build; </a:t>
+            </a:r>
+            <a:r>
+              <a:rPr lang="en-GB" sz="1200" b="1" dirty="0">
+                <a:solidFill>
+                  <a:srgbClr val="650061"/>
+                </a:solidFill>
+                <a:latin typeface="Courier-Bold" pitchFamily="2" charset="0"/>
+              </a:rPr>
+              <a:t>cd</a:t>
+            </a:r>
+            <a:r>
+              <a:rPr lang="en-GB" sz="1200" dirty="0">
+                <a:solidFill>
+                  <a:srgbClr val="000000"/>
+                </a:solidFill>
+                <a:latin typeface="Courier" pitchFamily="2" charset="0"/>
+              </a:rPr>
+              <a:t> build; </a:t>
+            </a:r>
+            <a:r>
+              <a:rPr lang="en-GB" sz="1200" dirty="0" err="1">
+                <a:solidFill>
+                  <a:srgbClr val="000000"/>
+                </a:solidFill>
+                <a:latin typeface="Courier" pitchFamily="2" charset="0"/>
+              </a:rPr>
+              <a:t>cmake</a:t>
+            </a:r>
+            <a:r>
+              <a:rPr lang="en-GB" sz="1200" dirty="0">
+                <a:solidFill>
+                  <a:srgbClr val="000000"/>
+                </a:solidFill>
+                <a:latin typeface="Courier" pitchFamily="2" charset="0"/>
+              </a:rPr>
+              <a:t> -DFESOM_COUPLED=ON ..; </a:t>
+            </a:r>
+            <a:r>
+              <a:rPr lang="en-GB" sz="1200" b="1" dirty="0">
+                <a:solidFill>
+                  <a:srgbClr val="B200AA"/>
+                </a:solidFill>
+                <a:latin typeface="Courier-Bold" pitchFamily="2" charset="0"/>
+              </a:rPr>
+              <a:t>make</a:t>
+            </a:r>
+            <a:r>
+              <a:rPr lang="en-GB" sz="1200" dirty="0">
+                <a:solidFill>
+                  <a:srgbClr val="000000"/>
+                </a:solidFill>
+                <a:latin typeface="Courier" pitchFamily="2" charset="0"/>
+              </a:rPr>
+              <a:t> </a:t>
+            </a:r>
+            <a:r>
+              <a:rPr lang="en-GB" sz="1200" b="1" dirty="0">
+                <a:solidFill>
+                  <a:srgbClr val="B200AA"/>
+                </a:solidFill>
+                <a:latin typeface="Courier-Bold" pitchFamily="2" charset="0"/>
+              </a:rPr>
+              <a:t>install</a:t>
+            </a:r>
+            <a:r>
+              <a:rPr lang="en-GB" sz="1200" dirty="0">
+                <a:solidFill>
+                  <a:srgbClr val="000000"/>
+                </a:solidFill>
+                <a:latin typeface="Courier" pitchFamily="2" charset="0"/>
+              </a:rPr>
+              <a:t> </a:t>
+            </a:r>
+            <a:r>
+              <a:rPr lang="en-GB" sz="1200" dirty="0">
+                <a:solidFill>
+                  <a:srgbClr val="520026"/>
+                </a:solidFill>
+                <a:latin typeface="Courier" pitchFamily="2" charset="0"/>
+              </a:rPr>
+              <a:t>-j</a:t>
+            </a:r>
+            <a:r>
+              <a:rPr lang="en-GB" sz="1200" dirty="0">
+                <a:solidFill>
+                  <a:srgbClr val="000000"/>
+                </a:solidFill>
+                <a:latin typeface="Courier" pitchFamily="2" charset="0"/>
+              </a:rPr>
+              <a:t> </a:t>
+            </a:r>
+            <a:r>
+              <a:rPr lang="en-GB" sz="1200" b="1" dirty="0">
+                <a:solidFill>
+                  <a:srgbClr val="000000"/>
+                </a:solidFill>
+                <a:latin typeface="Courier-Bold" pitchFamily="2" charset="0"/>
+              </a:rPr>
+              <a:t>`</a:t>
+            </a:r>
+            <a:r>
+              <a:rPr lang="en-GB" sz="1200" dirty="0" err="1">
+                <a:solidFill>
+                  <a:srgbClr val="000000"/>
+                </a:solidFill>
+                <a:latin typeface="Courier" pitchFamily="2" charset="0"/>
+              </a:rPr>
+              <a:t>nproc</a:t>
+            </a:r>
+            <a:r>
+              <a:rPr lang="en-GB" sz="1200" dirty="0">
+                <a:solidFill>
+                  <a:srgbClr val="000000"/>
+                </a:solidFill>
+                <a:latin typeface="Courier" pitchFamily="2" charset="0"/>
+              </a:rPr>
+              <a:t> --all</a:t>
+            </a:r>
+            <a:r>
+              <a:rPr lang="en-GB" sz="1200" b="1" dirty="0">
+                <a:solidFill>
+                  <a:srgbClr val="000000"/>
+                </a:solidFill>
+                <a:latin typeface="Courier-Bold" pitchFamily="2" charset="0"/>
+              </a:rPr>
+              <a:t>`</a:t>
+            </a:r>
+          </a:p>
+          <a:p>
+            <a:r>
+              <a:rPr lang="en-GB" sz="1200" b="1" dirty="0">
+                <a:solidFill>
+                  <a:srgbClr val="650061"/>
+                </a:solidFill>
+                <a:latin typeface="Courier-Bold" pitchFamily="2" charset="0"/>
+              </a:rPr>
+              <a:t>cd</a:t>
+            </a:r>
+            <a:r>
+              <a:rPr lang="en-GB" sz="1200" dirty="0">
+                <a:solidFill>
+                  <a:srgbClr val="000000"/>
+                </a:solidFill>
+                <a:latin typeface="Courier" pitchFamily="2" charset="0"/>
+              </a:rPr>
+              <a:t> .. </a:t>
+            </a:r>
+            <a:endParaRPr lang="en-GB" sz="1200" dirty="0"/>
+          </a:p>
+        </p:txBody>
+      </p:sp>
+    </p:spTree>
+    <p:extLst>
+      <p:ext uri="{BB962C8B-B14F-4D97-AF65-F5344CB8AC3E}">
+        <p14:creationId xmlns:p14="http://schemas.microsoft.com/office/powerpoint/2010/main" val="2602471620"/>
+      </p:ext>
+    </p:extLst>
+  </p:cSld>
+  <p:clrMapOvr>
+    <a:masterClrMapping/>
+  </p:clrMapOvr>
+</p:sld>
+</file>
+
+<file path=ppt/slides/slide8.xml><?xml version="1.0" encoding="utf-8"?>
+<p:sld xmlns:a="http://schemas.openxmlformats.org/drawingml/2006/main" xmlns:r="http://schemas.openxmlformats.org/officeDocument/2006/relationships" xmlns:p="http://schemas.openxmlformats.org/presentationml/2006/main">
+  <p:cSld>
+    <p:spTree>
+      <p:nvGrpSpPr>
+        <p:cNvPr id="1" name=""/>
+        <p:cNvGrpSpPr/>
+        <p:nvPr/>
+      </p:nvGrpSpPr>
+      <p:grpSpPr>
+        <a:xfrm>
+          <a:off x="0" y="0"/>
+          <a:ext cx="0" cy="0"/>
+          <a:chOff x="0" y="0"/>
+          <a:chExt cx="0" cy="0"/>
+        </a:xfrm>
+      </p:grpSpPr>
+      <p:sp>
+        <p:nvSpPr>
+          <p:cNvPr id="2" name="Rectangle 1"/>
+          <p:cNvSpPr/>
+          <p:nvPr/>
+        </p:nvSpPr>
+        <p:spPr>
+          <a:xfrm>
+            <a:off x="0" y="2"/>
+            <a:ext cx="12192000" cy="1296364"/>
+          </a:xfrm>
+          <a:prstGeom prst="rect">
+            <a:avLst/>
+          </a:prstGeom>
+          <a:solidFill>
+            <a:srgbClr val="00ACE6"/>
+          </a:solidFill>
+          <a:ln>
+            <a:noFill/>
+          </a:ln>
+        </p:spPr>
+        <p:style>
+          <a:lnRef idx="2">
+            <a:schemeClr val="accent1">
+              <a:shade val="50000"/>
+            </a:schemeClr>
+          </a:lnRef>
+          <a:fillRef idx="1">
+            <a:schemeClr val="accent1"/>
+          </a:fillRef>
+          <a:effectRef idx="0">
+            <a:schemeClr val="accent1"/>
+          </a:effectRef>
+          <a:fontRef idx="minor">
+            <a:schemeClr val="lt1"/>
+          </a:fontRef>
+        </p:style>
+        <p:txBody>
+          <a:bodyPr rtlCol="0" anchor="ctr"/>
+          <a:lstStyle/>
+          <a:p>
+            <a:r>
+              <a:rPr lang="en-GB" sz="4800" b="1" dirty="0"/>
+              <a:t>Terminology –*.run files</a:t>
+            </a:r>
+          </a:p>
+        </p:txBody>
+      </p:sp>
+      <p:sp>
+        <p:nvSpPr>
+          <p:cNvPr id="7" name="Isosceles Triangle 6"/>
+          <p:cNvSpPr/>
+          <p:nvPr/>
+        </p:nvSpPr>
+        <p:spPr>
+          <a:xfrm rot="5400000">
+            <a:off x="348693" y="1536407"/>
+            <a:ext cx="457812" cy="394666"/>
+          </a:xfrm>
+          <a:prstGeom prst="triangle">
+            <a:avLst/>
+          </a:prstGeom>
+          <a:solidFill>
+            <a:srgbClr val="00ACE6"/>
+          </a:solidFill>
+          <a:ln>
+            <a:noFill/>
+          </a:ln>
+        </p:spPr>
+        <p:style>
+          <a:lnRef idx="2">
+            <a:schemeClr val="accent1">
+              <a:shade val="50000"/>
+            </a:schemeClr>
+          </a:lnRef>
+          <a:fillRef idx="1">
+            <a:schemeClr val="accent1"/>
+          </a:fillRef>
+          <a:effectRef idx="0">
+            <a:schemeClr val="accent1"/>
+          </a:effectRef>
+          <a:fontRef idx="minor">
+            <a:schemeClr val="lt1"/>
+          </a:fontRef>
+        </p:style>
+        <p:txBody>
+          <a:bodyPr rtlCol="0" anchor="ctr"/>
+          <a:lstStyle/>
+          <a:p>
+            <a:pPr algn="ctr"/>
+            <a:endParaRPr lang="en-GB"/>
+          </a:p>
+        </p:txBody>
+      </p:sp>
+      <p:sp>
+        <p:nvSpPr>
+          <p:cNvPr id="14" name="TextBox 13"/>
+          <p:cNvSpPr txBox="1"/>
+          <p:nvPr/>
+        </p:nvSpPr>
+        <p:spPr>
+          <a:xfrm>
+            <a:off x="1061012" y="1467813"/>
+            <a:ext cx="4710733" cy="1200329"/>
+          </a:xfrm>
+          <a:prstGeom prst="rect">
+            <a:avLst/>
+          </a:prstGeom>
+          <a:noFill/>
+        </p:spPr>
+        <p:txBody>
+          <a:bodyPr wrap="square" rtlCol="0">
+            <a:spAutoFit/>
+          </a:bodyPr>
+          <a:lstStyle/>
+          <a:p>
+            <a:endParaRPr lang="en-GB" sz="2400" b="1" dirty="0">
+              <a:solidFill>
+                <a:srgbClr val="31ACE6"/>
+              </a:solidFill>
+            </a:endParaRPr>
+          </a:p>
+          <a:p>
+            <a:endParaRPr lang="en-GB" sz="2400" b="1" dirty="0"/>
+          </a:p>
+          <a:p>
+            <a:endParaRPr lang="en-GB" sz="2400" dirty="0"/>
+          </a:p>
+        </p:txBody>
+      </p:sp>
+      <p:sp>
+        <p:nvSpPr>
+          <p:cNvPr id="5" name="Isosceles Triangle 6">
+            <a:extLst>
+              <a:ext uri="{FF2B5EF4-FFF2-40B4-BE49-F238E27FC236}">
+                <a16:creationId xmlns:a16="http://schemas.microsoft.com/office/drawing/2014/main" id="{CD2CD3CC-2F64-116F-334E-721E5A410F54}"/>
+              </a:ext>
+            </a:extLst>
+          </p:cNvPr>
+          <p:cNvSpPr/>
+          <p:nvPr/>
+        </p:nvSpPr>
+        <p:spPr>
+          <a:xfrm rot="5400000">
+            <a:off x="348693" y="4456741"/>
+            <a:ext cx="457812" cy="394666"/>
+          </a:xfrm>
+          <a:prstGeom prst="triangle">
+            <a:avLst/>
+          </a:prstGeom>
+          <a:solidFill>
+            <a:srgbClr val="00ACE6"/>
+          </a:solidFill>
+          <a:ln>
+            <a:noFill/>
+          </a:ln>
+        </p:spPr>
+        <p:style>
+          <a:lnRef idx="2">
+            <a:schemeClr val="accent1">
+              <a:shade val="50000"/>
+            </a:schemeClr>
+          </a:lnRef>
+          <a:fillRef idx="1">
+            <a:schemeClr val="accent1"/>
+          </a:fillRef>
+          <a:effectRef idx="0">
+            <a:schemeClr val="accent1"/>
+          </a:effectRef>
+          <a:fontRef idx="minor">
+            <a:schemeClr val="lt1"/>
+          </a:fontRef>
+        </p:style>
+        <p:txBody>
+          <a:bodyPr rtlCol="0" anchor="ctr"/>
+          <a:lstStyle/>
+          <a:p>
+            <a:pPr algn="ctr"/>
+            <a:endParaRPr lang="en-GB"/>
+          </a:p>
+        </p:txBody>
+      </p:sp>
+      <p:sp>
+        <p:nvSpPr>
+          <p:cNvPr id="6" name="Isosceles Triangle 6">
+            <a:extLst>
+              <a:ext uri="{FF2B5EF4-FFF2-40B4-BE49-F238E27FC236}">
+                <a16:creationId xmlns:a16="http://schemas.microsoft.com/office/drawing/2014/main" id="{BDCF8FD7-263A-3976-D6FC-9BD4605F56D3}"/>
+              </a:ext>
+            </a:extLst>
+          </p:cNvPr>
+          <p:cNvSpPr/>
+          <p:nvPr/>
+        </p:nvSpPr>
+        <p:spPr>
+          <a:xfrm rot="5400000">
+            <a:off x="343830" y="5562021"/>
+            <a:ext cx="457812" cy="394666"/>
+          </a:xfrm>
+          <a:prstGeom prst="triangle">
+            <a:avLst/>
+          </a:prstGeom>
+          <a:solidFill>
+            <a:srgbClr val="00ACE6"/>
+          </a:solidFill>
+          <a:ln>
+            <a:noFill/>
+          </a:ln>
+        </p:spPr>
+        <p:style>
+          <a:lnRef idx="2">
+            <a:schemeClr val="accent1">
+              <a:shade val="50000"/>
+            </a:schemeClr>
+          </a:lnRef>
+          <a:fillRef idx="1">
+            <a:schemeClr val="accent1"/>
+          </a:fillRef>
+          <a:effectRef idx="0">
+            <a:schemeClr val="accent1"/>
+          </a:effectRef>
+          <a:fontRef idx="minor">
+            <a:schemeClr val="lt1"/>
+          </a:fontRef>
+        </p:style>
+        <p:txBody>
+          <a:bodyPr rtlCol="0" anchor="ctr"/>
+          <a:lstStyle/>
+          <a:p>
+            <a:pPr algn="ctr"/>
+            <a:endParaRPr lang="en-GB"/>
+          </a:p>
+        </p:txBody>
+      </p:sp>
+      <p:sp>
+        <p:nvSpPr>
+          <p:cNvPr id="3" name="Rectangle 2">
+            <a:extLst>
+              <a:ext uri="{FF2B5EF4-FFF2-40B4-BE49-F238E27FC236}">
+                <a16:creationId xmlns:a16="http://schemas.microsoft.com/office/drawing/2014/main" id="{F08E39CC-E18B-375B-D343-E75E5F11D364}"/>
+              </a:ext>
+            </a:extLst>
+          </p:cNvPr>
+          <p:cNvSpPr/>
+          <p:nvPr/>
+        </p:nvSpPr>
+        <p:spPr>
+          <a:xfrm>
+            <a:off x="5771745" y="1390740"/>
+            <a:ext cx="7963711" cy="276999"/>
+          </a:xfrm>
+          <a:prstGeom prst="rect">
+            <a:avLst/>
+          </a:prstGeom>
+          <a:solidFill>
+            <a:schemeClr val="bg1"/>
+          </a:solidFill>
+          <a:ln w="12700">
+            <a:solidFill>
+              <a:schemeClr val="tx1"/>
+            </a:solidFill>
+          </a:ln>
+        </p:spPr>
+        <p:txBody>
+          <a:bodyPr wrap="square">
+            <a:spAutoFit/>
+          </a:bodyPr>
+          <a:lstStyle/>
+          <a:p>
+            <a:endParaRPr lang="en-GB" sz="1200" dirty="0"/>
+          </a:p>
+        </p:txBody>
+      </p:sp>
+    </p:spTree>
+    <p:extLst>
+      <p:ext uri="{BB962C8B-B14F-4D97-AF65-F5344CB8AC3E}">
+        <p14:creationId xmlns:p14="http://schemas.microsoft.com/office/powerpoint/2010/main" val="2381940551"/>
+      </p:ext>
+    </p:extLst>
+  </p:cSld>
+  <p:clrMapOvr>
+    <a:masterClrMapping/>
+  </p:clrMapOvr>
+</p:sld>
+</file>
+
+<file path=ppt/slides/slide9.xml><?xml version="1.0" encoding="utf-8"?>
+<p:sld xmlns:a="http://schemas.openxmlformats.org/drawingml/2006/main" xmlns:r="http://schemas.openxmlformats.org/officeDocument/2006/relationships" xmlns:p="http://schemas.openxmlformats.org/presentationml/2006/main">
+  <p:cSld>
+    <p:spTree>
+      <p:nvGrpSpPr>
+        <p:cNvPr id="1" name=""/>
+        <p:cNvGrpSpPr/>
+        <p:nvPr/>
+      </p:nvGrpSpPr>
+      <p:grpSpPr>
+        <a:xfrm>
+          <a:off x="0" y="0"/>
+          <a:ext cx="0" cy="0"/>
+          <a:chOff x="0" y="0"/>
+          <a:chExt cx="0" cy="0"/>
+        </a:xfrm>
+      </p:grpSpPr>
+      <p:sp>
+        <p:nvSpPr>
+          <p:cNvPr id="2" name="Rectangle 1"/>
+          <p:cNvSpPr/>
+          <p:nvPr/>
+        </p:nvSpPr>
+        <p:spPr>
+          <a:xfrm>
+            <a:off x="0" y="2"/>
+            <a:ext cx="12192000" cy="1296364"/>
+          </a:xfrm>
+          <a:prstGeom prst="rect">
+            <a:avLst/>
+          </a:prstGeom>
+          <a:solidFill>
+            <a:srgbClr val="00ACE6"/>
+          </a:solidFill>
+          <a:ln>
+            <a:noFill/>
+          </a:ln>
+        </p:spPr>
+        <p:style>
+          <a:lnRef idx="2">
+            <a:schemeClr val="accent1">
+              <a:shade val="50000"/>
+            </a:schemeClr>
+          </a:lnRef>
+          <a:fillRef idx="1">
+            <a:schemeClr val="accent1"/>
+          </a:fillRef>
+          <a:effectRef idx="0">
+            <a:schemeClr val="accent1"/>
+          </a:effectRef>
+          <a:fontRef idx="minor">
+            <a:schemeClr val="lt1"/>
+          </a:fontRef>
+        </p:style>
+        <p:txBody>
+          <a:bodyPr rtlCol="0" anchor="ctr"/>
+          <a:lstStyle/>
+          <a:p>
+            <a:r>
+              <a:rPr lang="en-GB" sz="4800" b="1" dirty="0"/>
+              <a:t>Terminology – check mode</a:t>
+            </a:r>
+          </a:p>
+        </p:txBody>
+      </p:sp>
+      <p:sp>
+        <p:nvSpPr>
+          <p:cNvPr id="7" name="Isosceles Triangle 6"/>
+          <p:cNvSpPr/>
+          <p:nvPr/>
+        </p:nvSpPr>
+        <p:spPr>
+          <a:xfrm rot="5400000">
+            <a:off x="348693" y="1536407"/>
+            <a:ext cx="457812" cy="394666"/>
+          </a:xfrm>
+          <a:prstGeom prst="triangle">
+            <a:avLst/>
+          </a:prstGeom>
+          <a:solidFill>
+            <a:srgbClr val="00ACE6"/>
+          </a:solidFill>
+          <a:ln>
+            <a:noFill/>
+          </a:ln>
+        </p:spPr>
+        <p:style>
+          <a:lnRef idx="2">
+            <a:schemeClr val="accent1">
+              <a:shade val="50000"/>
+            </a:schemeClr>
+          </a:lnRef>
+          <a:fillRef idx="1">
+            <a:schemeClr val="accent1"/>
+          </a:fillRef>
+          <a:effectRef idx="0">
+            <a:schemeClr val="accent1"/>
+          </a:effectRef>
+          <a:fontRef idx="minor">
+            <a:schemeClr val="lt1"/>
+          </a:fontRef>
+        </p:style>
+        <p:txBody>
+          <a:bodyPr rtlCol="0" anchor="ctr"/>
+          <a:lstStyle/>
+          <a:p>
+            <a:pPr algn="ctr"/>
+            <a:endParaRPr lang="en-GB"/>
+          </a:p>
+        </p:txBody>
+      </p:sp>
+      <p:sp>
+        <p:nvSpPr>
+          <p:cNvPr id="14" name="TextBox 13"/>
+          <p:cNvSpPr txBox="1"/>
+          <p:nvPr/>
+        </p:nvSpPr>
+        <p:spPr>
+          <a:xfrm>
+            <a:off x="1061012" y="1467813"/>
+            <a:ext cx="11020741" cy="5632311"/>
+          </a:xfrm>
+          <a:prstGeom prst="rect">
+            <a:avLst/>
+          </a:prstGeom>
+          <a:noFill/>
+        </p:spPr>
+        <p:txBody>
+          <a:bodyPr wrap="square" rtlCol="0">
+            <a:spAutoFit/>
+          </a:bodyPr>
+          <a:lstStyle/>
+          <a:p>
+            <a:r>
+              <a:rPr lang="en-GB" sz="2400" b="1" dirty="0" err="1">
+                <a:solidFill>
+                  <a:schemeClr val="accent2"/>
+                </a:solidFill>
+              </a:rPr>
+              <a:t>esm_master</a:t>
+            </a:r>
+            <a:r>
+              <a:rPr lang="en-GB" sz="2400" b="1" dirty="0">
+                <a:solidFill>
+                  <a:schemeClr val="accent2"/>
+                </a:solidFill>
+              </a:rPr>
+              <a:t> </a:t>
+            </a:r>
+            <a:r>
+              <a:rPr lang="en-GB" sz="2400" dirty="0"/>
+              <a:t>and </a:t>
+            </a:r>
+            <a:r>
+              <a:rPr lang="en-GB" sz="2400" b="1" dirty="0" err="1">
+                <a:solidFill>
+                  <a:schemeClr val="accent2"/>
+                </a:solidFill>
+              </a:rPr>
+              <a:t>esm_runscripts</a:t>
+            </a:r>
+            <a:r>
+              <a:rPr lang="en-GB" sz="2400" b="1" dirty="0">
+                <a:solidFill>
+                  <a:schemeClr val="accent2"/>
+                </a:solidFill>
+              </a:rPr>
+              <a:t> </a:t>
+            </a:r>
+            <a:r>
+              <a:rPr lang="en-GB" sz="2400" dirty="0"/>
+              <a:t>can run in check mode by adding the </a:t>
+            </a:r>
+            <a:r>
+              <a:rPr lang="en-GB" sz="2400" dirty="0">
+                <a:solidFill>
+                  <a:schemeClr val="accent2"/>
+                </a:solidFill>
+              </a:rPr>
+              <a:t>--check</a:t>
+            </a:r>
+            <a:r>
+              <a:rPr lang="en-GB" sz="2400" dirty="0"/>
+              <a:t> or </a:t>
+            </a:r>
+            <a:r>
+              <a:rPr lang="en-GB" sz="2400" dirty="0">
+                <a:solidFill>
+                  <a:schemeClr val="accent2"/>
+                </a:solidFill>
+              </a:rPr>
+              <a:t>-c </a:t>
+            </a:r>
+            <a:r>
+              <a:rPr lang="en-GB" sz="2400" dirty="0"/>
+              <a:t>flags to the command</a:t>
+            </a:r>
+          </a:p>
+          <a:p>
+            <a:pPr marL="342900" indent="-342900">
+              <a:buFont typeface="Arial" panose="020B0604020202020204" pitchFamily="34" charset="0"/>
+              <a:buChar char="•"/>
+            </a:pPr>
+            <a:endParaRPr lang="en-GB" sz="2400" dirty="0"/>
+          </a:p>
+          <a:p>
+            <a:r>
+              <a:rPr lang="en-GB" sz="2400" dirty="0" err="1"/>
+              <a:t>esm_master</a:t>
+            </a:r>
+            <a:r>
+              <a:rPr lang="en-GB" sz="2400" dirty="0"/>
+              <a:t> in check mode</a:t>
+            </a:r>
+          </a:p>
+          <a:p>
+            <a:pPr marL="342900" indent="-342900">
+              <a:buFont typeface="Arial" panose="020B0604020202020204" pitchFamily="34" charset="0"/>
+              <a:buChar char="•"/>
+            </a:pPr>
+            <a:r>
+              <a:rPr lang="en-GB" sz="2400" dirty="0"/>
+              <a:t>Outputs the git commands and building commands</a:t>
+            </a:r>
+            <a:br>
+              <a:rPr lang="en-GB" sz="2400" dirty="0"/>
+            </a:br>
+            <a:r>
+              <a:rPr lang="en-GB" sz="2400" dirty="0"/>
+              <a:t>but does not produce the </a:t>
+            </a:r>
+            <a:r>
+              <a:rPr lang="en-GB" sz="2400" b="1" dirty="0">
+                <a:solidFill>
+                  <a:schemeClr val="accent2"/>
+                </a:solidFill>
+              </a:rPr>
+              <a:t>comp-*.</a:t>
+            </a:r>
+            <a:r>
+              <a:rPr lang="en-GB" sz="2400" b="1" dirty="0" err="1">
+                <a:solidFill>
+                  <a:schemeClr val="accent2"/>
+                </a:solidFill>
+              </a:rPr>
+              <a:t>sh</a:t>
+            </a:r>
+            <a:r>
+              <a:rPr lang="en-GB" sz="2400" b="1" dirty="0">
+                <a:solidFill>
+                  <a:schemeClr val="accent2"/>
+                </a:solidFill>
+              </a:rPr>
+              <a:t> </a:t>
+            </a:r>
+            <a:r>
+              <a:rPr lang="en-GB" sz="2400" dirty="0"/>
+              <a:t>files</a:t>
+            </a:r>
+          </a:p>
+          <a:p>
+            <a:br>
+              <a:rPr lang="en-GB" sz="2400" b="1" dirty="0">
+                <a:solidFill>
+                  <a:schemeClr val="accent2"/>
+                </a:solidFill>
+              </a:rPr>
+            </a:br>
+            <a:br>
+              <a:rPr lang="en-GB" sz="2400" b="1" dirty="0">
+                <a:solidFill>
+                  <a:schemeClr val="accent2"/>
+                </a:solidFill>
+              </a:rPr>
+            </a:br>
+            <a:r>
+              <a:rPr lang="en-GB" sz="2400" b="1" dirty="0" err="1">
+                <a:solidFill>
+                  <a:schemeClr val="accent2"/>
+                </a:solidFill>
+              </a:rPr>
+              <a:t>esm_runsctipt</a:t>
+            </a:r>
+            <a:r>
+              <a:rPr lang="en-GB" sz="2400" dirty="0"/>
+              <a:t> in check mode</a:t>
+            </a:r>
+          </a:p>
+          <a:p>
+            <a:pPr marL="342900" indent="-342900">
+              <a:buFont typeface="Arial" panose="020B0604020202020204" pitchFamily="34" charset="0"/>
+              <a:buChar char="•"/>
+            </a:pPr>
+            <a:r>
+              <a:rPr lang="en-GB" sz="2400" dirty="0"/>
+              <a:t>Bakes the </a:t>
+            </a:r>
+            <a:r>
+              <a:rPr lang="en-GB" sz="2400" dirty="0" err="1"/>
+              <a:t>yaml</a:t>
+            </a:r>
+            <a:r>
+              <a:rPr lang="en-GB" sz="2400" dirty="0"/>
+              <a:t> information and produces the </a:t>
+            </a:r>
+            <a:r>
+              <a:rPr lang="en-GB" sz="2400" b="1" dirty="0" err="1">
+                <a:solidFill>
+                  <a:schemeClr val="accent2"/>
+                </a:solidFill>
+              </a:rPr>
+              <a:t>finished_config.yaml</a:t>
+            </a:r>
+            <a:endParaRPr lang="en-GB" sz="2400" b="1" dirty="0">
+              <a:solidFill>
+                <a:schemeClr val="accent2"/>
+              </a:solidFill>
+            </a:endParaRPr>
+          </a:p>
+          <a:p>
+            <a:pPr marL="342900" indent="-342900">
+              <a:buFont typeface="Arial" panose="020B0604020202020204" pitchFamily="34" charset="0"/>
+              <a:buChar char="•"/>
+            </a:pPr>
+            <a:r>
+              <a:rPr lang="en-GB" sz="2400" dirty="0"/>
+              <a:t>Prepares the experiment folder (copies in input, forcing, binaries, …)</a:t>
+            </a:r>
+          </a:p>
+          <a:p>
+            <a:pPr marL="342900" indent="-342900">
+              <a:buFont typeface="Arial" panose="020B0604020202020204" pitchFamily="34" charset="0"/>
+              <a:buChar char="•"/>
+            </a:pPr>
+            <a:r>
+              <a:rPr lang="en-GB" sz="2400" dirty="0"/>
+              <a:t>Produces the </a:t>
+            </a:r>
+            <a:r>
+              <a:rPr lang="en-GB" sz="2400" b="1" dirty="0">
+                <a:solidFill>
+                  <a:schemeClr val="accent2"/>
+                </a:solidFill>
+              </a:rPr>
+              <a:t>*.run </a:t>
+            </a:r>
+            <a:r>
+              <a:rPr lang="en-GB" sz="2400" dirty="0"/>
+              <a:t>file</a:t>
+            </a:r>
+          </a:p>
+          <a:p>
+            <a:pPr marL="342900" indent="-342900">
+              <a:buFont typeface="Arial" panose="020B0604020202020204" pitchFamily="34" charset="0"/>
+              <a:buChar char="•"/>
+            </a:pPr>
+            <a:r>
+              <a:rPr lang="en-GB" sz="2400" b="1" dirty="0"/>
+              <a:t>Does not </a:t>
+            </a:r>
+            <a:r>
+              <a:rPr lang="en-GB" sz="2400" dirty="0"/>
+              <a:t>submit the </a:t>
+            </a:r>
+            <a:r>
+              <a:rPr lang="en-GB" sz="2400" b="1" dirty="0">
+                <a:solidFill>
+                  <a:srgbClr val="ED7D31"/>
+                </a:solidFill>
+              </a:rPr>
+              <a:t>*.run </a:t>
+            </a:r>
+            <a:r>
+              <a:rPr lang="en-GB" sz="2400" dirty="0"/>
+              <a:t>script to </a:t>
+            </a:r>
+            <a:r>
+              <a:rPr lang="en-GB" sz="2400" dirty="0" err="1">
+                <a:solidFill>
+                  <a:srgbClr val="ED7D31"/>
+                </a:solidFill>
+              </a:rPr>
+              <a:t>sbatch</a:t>
+            </a:r>
+            <a:endParaRPr lang="en-GB" sz="2400" dirty="0">
+              <a:solidFill>
+                <a:srgbClr val="ED7D31"/>
+              </a:solidFill>
+            </a:endParaRPr>
+          </a:p>
+          <a:p>
+            <a:endParaRPr lang="en-GB" sz="2400" b="1" dirty="0"/>
+          </a:p>
+          <a:p>
+            <a:endParaRPr lang="en-GB" sz="2400" dirty="0"/>
+          </a:p>
+        </p:txBody>
+      </p:sp>
+      <p:sp>
+        <p:nvSpPr>
+          <p:cNvPr id="11" name="Isosceles Triangle 6">
+            <a:extLst>
+              <a:ext uri="{FF2B5EF4-FFF2-40B4-BE49-F238E27FC236}">
+                <a16:creationId xmlns:a16="http://schemas.microsoft.com/office/drawing/2014/main" id="{DAE2120B-BEC7-3ACB-B88D-C2829FED2CB0}"/>
+              </a:ext>
+            </a:extLst>
+          </p:cNvPr>
+          <p:cNvSpPr/>
+          <p:nvPr/>
+        </p:nvSpPr>
+        <p:spPr>
+          <a:xfrm rot="5400000">
+            <a:off x="348693" y="4468679"/>
+            <a:ext cx="457812" cy="394666"/>
+          </a:xfrm>
+          <a:prstGeom prst="triangle">
+            <a:avLst/>
+          </a:prstGeom>
+          <a:solidFill>
+            <a:srgbClr val="00ACE6"/>
+          </a:solidFill>
+          <a:ln>
+            <a:noFill/>
+          </a:ln>
+        </p:spPr>
+        <p:style>
+          <a:lnRef idx="2">
+            <a:schemeClr val="accent1">
+              <a:shade val="50000"/>
+            </a:schemeClr>
+          </a:lnRef>
+          <a:fillRef idx="1">
+            <a:schemeClr val="accent1"/>
+          </a:fillRef>
+          <a:effectRef idx="0">
+            <a:schemeClr val="accent1"/>
+          </a:effectRef>
+          <a:fontRef idx="minor">
+            <a:schemeClr val="lt1"/>
+          </a:fontRef>
+        </p:style>
+        <p:txBody>
+          <a:bodyPr rtlCol="0" anchor="ctr"/>
+          <a:lstStyle/>
+          <a:p>
+            <a:pPr algn="ctr"/>
+            <a:endParaRPr lang="en-GB"/>
+          </a:p>
+        </p:txBody>
+      </p:sp>
+      <p:sp>
+        <p:nvSpPr>
+          <p:cNvPr id="10" name="Isosceles Triangle 6">
+            <a:extLst>
+              <a:ext uri="{FF2B5EF4-FFF2-40B4-BE49-F238E27FC236}">
+                <a16:creationId xmlns:a16="http://schemas.microsoft.com/office/drawing/2014/main" id="{0F915FD4-513F-D900-223B-A02B8A66CC99}"/>
+              </a:ext>
+            </a:extLst>
+          </p:cNvPr>
+          <p:cNvSpPr/>
+          <p:nvPr/>
+        </p:nvSpPr>
+        <p:spPr>
+          <a:xfrm rot="5400000">
+            <a:off x="348693" y="2637451"/>
+            <a:ext cx="457812" cy="394666"/>
+          </a:xfrm>
+          <a:prstGeom prst="triangle">
+            <a:avLst/>
+          </a:prstGeom>
+          <a:solidFill>
+            <a:srgbClr val="00ACE6"/>
+          </a:solidFill>
+          <a:ln>
+            <a:noFill/>
+          </a:ln>
+        </p:spPr>
+        <p:style>
+          <a:lnRef idx="2">
+            <a:schemeClr val="accent1">
+              <a:shade val="50000"/>
+            </a:schemeClr>
+          </a:lnRef>
+          <a:fillRef idx="1">
+            <a:schemeClr val="accent1"/>
+          </a:fillRef>
+          <a:effectRef idx="0">
+            <a:schemeClr val="accent1"/>
+          </a:effectRef>
+          <a:fontRef idx="minor">
+            <a:schemeClr val="lt1"/>
+          </a:fontRef>
+        </p:style>
+        <p:txBody>
+          <a:bodyPr rtlCol="0" anchor="ctr"/>
+          <a:lstStyle/>
+          <a:p>
+            <a:pPr algn="ctr"/>
+            <a:endParaRPr lang="en-GB"/>
+          </a:p>
+        </p:txBody>
+      </p:sp>
+      <p:sp>
+        <p:nvSpPr>
+          <p:cNvPr id="12" name="TextBox 11">
+            <a:extLst>
+              <a:ext uri="{FF2B5EF4-FFF2-40B4-BE49-F238E27FC236}">
+                <a16:creationId xmlns:a16="http://schemas.microsoft.com/office/drawing/2014/main" id="{1F9A6FAC-A169-9EBB-D646-613DD18E5375}"/>
+              </a:ext>
+            </a:extLst>
+          </p:cNvPr>
+          <p:cNvSpPr txBox="1"/>
+          <p:nvPr/>
+        </p:nvSpPr>
+        <p:spPr>
+          <a:xfrm rot="20700000">
+            <a:off x="7262473" y="3075056"/>
+            <a:ext cx="3412250" cy="707886"/>
+          </a:xfrm>
+          <a:prstGeom prst="rect">
+            <a:avLst/>
+          </a:prstGeom>
+          <a:solidFill>
+            <a:schemeClr val="accent2">
+              <a:lumMod val="40000"/>
+              <a:lumOff val="60000"/>
+            </a:schemeClr>
+          </a:solidFill>
+          <a:ln>
+            <a:noFill/>
+          </a:ln>
+        </p:spPr>
+        <p:txBody>
+          <a:bodyPr wrap="square" rtlCol="0">
+            <a:spAutoFit/>
+          </a:bodyPr>
+          <a:lstStyle/>
+          <a:p>
+            <a:r>
+              <a:rPr lang="en-GB" sz="2000" dirty="0"/>
+              <a:t>To be changed in the future to it </a:t>
+            </a:r>
+            <a:r>
+              <a:rPr lang="en-GB" sz="2000" dirty="0" err="1"/>
+              <a:t>procudes</a:t>
+            </a:r>
+            <a:r>
+              <a:rPr lang="en-GB" sz="2000" dirty="0"/>
+              <a:t> </a:t>
+            </a:r>
+            <a:r>
+              <a:rPr lang="en-GB" sz="2000" b="1" dirty="0"/>
+              <a:t>comp-*.</a:t>
+            </a:r>
+            <a:r>
+              <a:rPr lang="en-GB" sz="2000" b="1" dirty="0" err="1"/>
+              <a:t>sh</a:t>
+            </a:r>
+            <a:r>
+              <a:rPr lang="en-GB" sz="2000" dirty="0"/>
+              <a:t> files</a:t>
+            </a:r>
+          </a:p>
+        </p:txBody>
+      </p:sp>
+    </p:spTree>
+    <p:extLst>
+      <p:ext uri="{BB962C8B-B14F-4D97-AF65-F5344CB8AC3E}">
+        <p14:creationId xmlns:p14="http://schemas.microsoft.com/office/powerpoint/2010/main" val="3194140031"/>
+      </p:ext>
+    </p:extLst>
+  </p:cSld>
+  <p:clrMapOvr>
+    <a:masterClrMapping/>
+  </p:clrMapOvr>
+  <p:timing>
+    <p:tnLst>
+      <p:par>
+        <p:cTn id="1" dur="indefinite" restart="never" nodeType="tmRoot">
+          <p:childTnLst>
+            <p:seq concurrent="1" nextAc="seek">
+              <p:cTn id="2" dur="indefinite" nodeType="mainSeq">
+                <p:childTnLst>
+                  <p:par>
+                    <p:cTn id="3" fill="hold">
+                      <p:stCondLst>
+                        <p:cond delay="indefinite"/>
+                        <p:cond evt="onBegin" delay="0">
+                          <p:tn val="2"/>
+                        </p:cond>
+                      </p:stCondLst>
+                      <p:childTnLst>
+                        <p:par>
+                          <p:cTn id="4" fill="hold">
+                            <p:stCondLst>
+                              <p:cond delay="0"/>
+                            </p:stCondLst>
+                            <p:childTnLst>
+                              <p:par>
+                                <p:cTn id="5" presetID="1" presetClass="entr" presetSubtype="0" fill="hold" grpId="0" nodeType="withEffect">
+                                  <p:stCondLst>
+                                    <p:cond delay="0"/>
+                                  </p:stCondLst>
+                                  <p:childTnLst>
+                                    <p:set>
+                                      <p:cBhvr>
+                                        <p:cTn id="6" dur="1" fill="hold">
+                                          <p:stCondLst>
+                                            <p:cond delay="0"/>
+                                          </p:stCondLst>
+                                        </p:cTn>
+                                        <p:tgtEl>
+                                          <p:spTgt spid="12"/>
+                                        </p:tgtEl>
+                                        <p:attrNameLst>
+                                          <p:attrName>style.visibility</p:attrName>
+                                        </p:attrNameLst>
+                                      </p:cBhvr>
+                                      <p:to>
+                                        <p:strVal val="visible"/>
+                                      </p:to>
+                                    </p:set>
+                                  </p:childTnLst>
+                                </p:cTn>
+                              </p:par>
+                            </p:childTnLst>
+                          </p:cTn>
+                        </p:par>
+                      </p:childTnLst>
+                    </p:cTn>
+                  </p:par>
+                </p:childTnLst>
+              </p:cTn>
+              <p:prevCondLst>
+                <p:cond evt="onPrev" delay="0">
+                  <p:tgtEl>
+                    <p:sldTgt/>
+                  </p:tgtEl>
+                </p:cond>
+              </p:prevCondLst>
+              <p:nextCondLst>
+                <p:cond evt="onNext" delay="0">
+                  <p:tgtEl>
+                    <p:sldTgt/>
+                  </p:tgtEl>
+                </p:cond>
+              </p:nextCondLst>
+            </p:seq>
+          </p:childTnLst>
+        </p:cTn>
+      </p:par>
+    </p:tnLst>
+    <p:bldLst>
+      <p:bldP spid="12" grpId="0" animBg="1"/>
+    </p:bldLst>
+  </p:timing>
+</p:sld>
+</file>
+
 <file path=ppt/theme/theme1.xml><?xml version="1.0" encoding="utf-8"?>
 <a:theme xmlns:a="http://schemas.openxmlformats.org/drawingml/2006/main" name="Office Theme">
   <a:themeElements>
